--- a/ERD.pptx
+++ b/ERD.pptx
@@ -288,7 +288,7 @@
           <a:p>
             <a:fld id="{3160F1E7-80AE-4791-8F30-01301BB05552}" type="datetimeFigureOut">
               <a:rPr lang="ko-KR" altLang="en-US" smtClean="0"/>
-              <a:t>2019-08-08</a:t>
+              <a:t>2019-08-09</a:t>
             </a:fld>
             <a:endParaRPr lang="ko-KR" altLang="en-US"/>
           </a:p>
@@ -458,7 +458,7 @@
           <a:p>
             <a:fld id="{3160F1E7-80AE-4791-8F30-01301BB05552}" type="datetimeFigureOut">
               <a:rPr lang="ko-KR" altLang="en-US" smtClean="0"/>
-              <a:t>2019-08-08</a:t>
+              <a:t>2019-08-09</a:t>
             </a:fld>
             <a:endParaRPr lang="ko-KR" altLang="en-US"/>
           </a:p>
@@ -638,7 +638,7 @@
           <a:p>
             <a:fld id="{3160F1E7-80AE-4791-8F30-01301BB05552}" type="datetimeFigureOut">
               <a:rPr lang="ko-KR" altLang="en-US" smtClean="0"/>
-              <a:t>2019-08-08</a:t>
+              <a:t>2019-08-09</a:t>
             </a:fld>
             <a:endParaRPr lang="ko-KR" altLang="en-US"/>
           </a:p>
@@ -808,7 +808,7 @@
           <a:p>
             <a:fld id="{3160F1E7-80AE-4791-8F30-01301BB05552}" type="datetimeFigureOut">
               <a:rPr lang="ko-KR" altLang="en-US" smtClean="0"/>
-              <a:t>2019-08-08</a:t>
+              <a:t>2019-08-09</a:t>
             </a:fld>
             <a:endParaRPr lang="ko-KR" altLang="en-US"/>
           </a:p>
@@ -1054,7 +1054,7 @@
           <a:p>
             <a:fld id="{3160F1E7-80AE-4791-8F30-01301BB05552}" type="datetimeFigureOut">
               <a:rPr lang="ko-KR" altLang="en-US" smtClean="0"/>
-              <a:t>2019-08-08</a:t>
+              <a:t>2019-08-09</a:t>
             </a:fld>
             <a:endParaRPr lang="ko-KR" altLang="en-US"/>
           </a:p>
@@ -1342,7 +1342,7 @@
           <a:p>
             <a:fld id="{3160F1E7-80AE-4791-8F30-01301BB05552}" type="datetimeFigureOut">
               <a:rPr lang="ko-KR" altLang="en-US" smtClean="0"/>
-              <a:t>2019-08-08</a:t>
+              <a:t>2019-08-09</a:t>
             </a:fld>
             <a:endParaRPr lang="ko-KR" altLang="en-US"/>
           </a:p>
@@ -1764,7 +1764,7 @@
           <a:p>
             <a:fld id="{3160F1E7-80AE-4791-8F30-01301BB05552}" type="datetimeFigureOut">
               <a:rPr lang="ko-KR" altLang="en-US" smtClean="0"/>
-              <a:t>2019-08-08</a:t>
+              <a:t>2019-08-09</a:t>
             </a:fld>
             <a:endParaRPr lang="ko-KR" altLang="en-US"/>
           </a:p>
@@ -1882,7 +1882,7 @@
           <a:p>
             <a:fld id="{3160F1E7-80AE-4791-8F30-01301BB05552}" type="datetimeFigureOut">
               <a:rPr lang="ko-KR" altLang="en-US" smtClean="0"/>
-              <a:t>2019-08-08</a:t>
+              <a:t>2019-08-09</a:t>
             </a:fld>
             <a:endParaRPr lang="ko-KR" altLang="en-US"/>
           </a:p>
@@ -1977,7 +1977,7 @@
           <a:p>
             <a:fld id="{3160F1E7-80AE-4791-8F30-01301BB05552}" type="datetimeFigureOut">
               <a:rPr lang="ko-KR" altLang="en-US" smtClean="0"/>
-              <a:t>2019-08-08</a:t>
+              <a:t>2019-08-09</a:t>
             </a:fld>
             <a:endParaRPr lang="ko-KR" altLang="en-US"/>
           </a:p>
@@ -2254,7 +2254,7 @@
           <a:p>
             <a:fld id="{3160F1E7-80AE-4791-8F30-01301BB05552}" type="datetimeFigureOut">
               <a:rPr lang="ko-KR" altLang="en-US" smtClean="0"/>
-              <a:t>2019-08-08</a:t>
+              <a:t>2019-08-09</a:t>
             </a:fld>
             <a:endParaRPr lang="ko-KR" altLang="en-US"/>
           </a:p>
@@ -2507,7 +2507,7 @@
           <a:p>
             <a:fld id="{3160F1E7-80AE-4791-8F30-01301BB05552}" type="datetimeFigureOut">
               <a:rPr lang="ko-KR" altLang="en-US" smtClean="0"/>
-              <a:t>2019-08-08</a:t>
+              <a:t>2019-08-09</a:t>
             </a:fld>
             <a:endParaRPr lang="ko-KR" altLang="en-US"/>
           </a:p>
@@ -2720,7 +2720,7 @@
           <a:p>
             <a:fld id="{3160F1E7-80AE-4791-8F30-01301BB05552}" type="datetimeFigureOut">
               <a:rPr lang="ko-KR" altLang="en-US" smtClean="0"/>
-              <a:t>2019-08-08</a:t>
+              <a:t>2019-08-09</a:t>
             </a:fld>
             <a:endParaRPr lang="ko-KR" altLang="en-US"/>
           </a:p>
@@ -3195,7 +3195,7 @@
         </p:nvSpPr>
         <p:spPr>
           <a:xfrm>
-            <a:off x="2774604" y="929085"/>
+            <a:off x="3079282" y="1139212"/>
             <a:ext cx="896707" cy="288032"/>
           </a:xfrm>
           <a:prstGeom prst="ellipse">
@@ -3247,8 +3247,60 @@
         </p:nvSpPr>
         <p:spPr>
           <a:xfrm>
-            <a:off x="2849727" y="-134846"/>
-            <a:ext cx="720080" cy="288032"/>
+            <a:off x="3030884" y="780253"/>
+            <a:ext cx="920306" cy="358959"/>
+          </a:xfrm>
+          <a:prstGeom prst="ellipse">
+            <a:avLst/>
+          </a:prstGeom>
+        </p:spPr>
+        <p:style>
+          <a:lnRef idx="2">
+            <a:schemeClr val="accent3">
+              <a:shade val="50000"/>
+            </a:schemeClr>
+          </a:lnRef>
+          <a:fillRef idx="1">
+            <a:schemeClr val="accent3"/>
+          </a:fillRef>
+          <a:effectRef idx="0">
+            <a:schemeClr val="accent3"/>
+          </a:effectRef>
+          <a:fontRef idx="minor">
+            <a:schemeClr val="lt1"/>
+          </a:fontRef>
+        </p:style>
+        <p:txBody>
+          <a:bodyPr rtlCol="0" anchor="ctr"/>
+          <a:lstStyle/>
+          <a:p>
+            <a:pPr algn="ctr"/>
+            <a:r>
+              <a:rPr lang="ko-KR" altLang="en-US" sz="1000" dirty="0" smtClean="0"/>
+              <a:t>사용자</a:t>
+            </a:r>
+            <a:endParaRPr lang="en-US" altLang="ko-KR" sz="1000" dirty="0" smtClean="0"/>
+          </a:p>
+          <a:p>
+            <a:pPr algn="ctr"/>
+            <a:r>
+              <a:rPr lang="en-US" altLang="ko-KR" sz="1000" dirty="0" smtClean="0"/>
+              <a:t>E-mail</a:t>
+            </a:r>
+            <a:endParaRPr lang="ko-KR" altLang="en-US" sz="1000" dirty="0"/>
+          </a:p>
+        </p:txBody>
+      </p:sp>
+      <p:sp>
+        <p:nvSpPr>
+          <p:cNvPr id="9" name="타원 8"/>
+          <p:cNvSpPr/>
+          <p:nvPr/>
+        </p:nvSpPr>
+        <p:spPr>
+          <a:xfrm>
+            <a:off x="3066092" y="515902"/>
+            <a:ext cx="923088" cy="288032"/>
           </a:xfrm>
           <a:prstGeom prst="ellipse">
             <a:avLst/>
@@ -3277,7 +3329,15 @@
             <a:pPr algn="ctr"/>
             <a:r>
               <a:rPr lang="ko-KR" altLang="en-US" sz="1000" dirty="0" smtClean="0"/>
-              <a:t>작성자</a:t>
+              <a:t>게시물</a:t>
+            </a:r>
+            <a:endParaRPr lang="en-US" altLang="ko-KR" sz="1000" dirty="0" smtClean="0"/>
+          </a:p>
+          <a:p>
+            <a:pPr algn="ctr"/>
+            <a:r>
+              <a:rPr lang="ko-KR" altLang="en-US" sz="1000" dirty="0" smtClean="0"/>
+              <a:t>타입</a:t>
             </a:r>
             <a:endParaRPr lang="ko-KR" altLang="en-US" sz="1000" dirty="0"/>
           </a:p>
@@ -3285,14 +3345,14 @@
       </p:sp>
       <p:sp>
         <p:nvSpPr>
-          <p:cNvPr id="9" name="타원 8"/>
+          <p:cNvPr id="10" name="타원 9"/>
           <p:cNvSpPr/>
           <p:nvPr/>
         </p:nvSpPr>
         <p:spPr>
           <a:xfrm>
-            <a:off x="2748223" y="566415"/>
-            <a:ext cx="923088" cy="288032"/>
+            <a:off x="3174725" y="239707"/>
+            <a:ext cx="720080" cy="288032"/>
           </a:xfrm>
           <a:prstGeom prst="ellipse">
             <a:avLst/>
@@ -3321,15 +3381,7 @@
             <a:pPr algn="ctr"/>
             <a:r>
               <a:rPr lang="ko-KR" altLang="en-US" sz="1000" dirty="0" smtClean="0"/>
-              <a:t>게시물</a:t>
-            </a:r>
-            <a:endParaRPr lang="en-US" altLang="ko-KR" sz="1000" dirty="0" smtClean="0"/>
-          </a:p>
-          <a:p>
-            <a:pPr algn="ctr"/>
-            <a:r>
-              <a:rPr lang="ko-KR" altLang="en-US" sz="1000" dirty="0" smtClean="0"/>
-              <a:t>타입</a:t>
+              <a:t>제목</a:t>
             </a:r>
             <a:endParaRPr lang="ko-KR" altLang="en-US" sz="1000" dirty="0"/>
           </a:p>
@@ -3337,14 +3389,14 @@
       </p:sp>
       <p:sp>
         <p:nvSpPr>
-          <p:cNvPr id="10" name="타원 9"/>
+          <p:cNvPr id="11" name="타원 10"/>
           <p:cNvSpPr/>
           <p:nvPr/>
         </p:nvSpPr>
         <p:spPr>
           <a:xfrm>
-            <a:off x="2849727" y="229364"/>
-            <a:ext cx="720080" cy="288032"/>
+            <a:off x="4005941" y="796865"/>
+            <a:ext cx="893966" cy="288032"/>
           </a:xfrm>
           <a:prstGeom prst="ellipse">
             <a:avLst/>
@@ -3373,7 +3425,7 @@
             <a:pPr algn="ctr"/>
             <a:r>
               <a:rPr lang="ko-KR" altLang="en-US" sz="1000" dirty="0" smtClean="0"/>
-              <a:t>제목</a:t>
+              <a:t>작성일</a:t>
             </a:r>
             <a:endParaRPr lang="ko-KR" altLang="en-US" sz="1000" dirty="0"/>
           </a:p>
@@ -3381,14 +3433,14 @@
       </p:sp>
       <p:sp>
         <p:nvSpPr>
-          <p:cNvPr id="11" name="타원 10"/>
+          <p:cNvPr id="12" name="타원 11"/>
           <p:cNvSpPr/>
           <p:nvPr/>
         </p:nvSpPr>
         <p:spPr>
           <a:xfrm>
-            <a:off x="3728926" y="608372"/>
-            <a:ext cx="893966" cy="288032"/>
+            <a:off x="4026725" y="170947"/>
+            <a:ext cx="720080" cy="288032"/>
           </a:xfrm>
           <a:prstGeom prst="ellipse">
             <a:avLst/>
@@ -3417,7 +3469,7 @@
             <a:pPr algn="ctr"/>
             <a:r>
               <a:rPr lang="ko-KR" altLang="en-US" sz="1000" dirty="0" smtClean="0"/>
-              <a:t>작성일</a:t>
+              <a:t>조회수</a:t>
             </a:r>
             <a:endParaRPr lang="ko-KR" altLang="en-US" sz="1000" dirty="0"/>
           </a:p>
@@ -3425,14 +3477,14 @@
       </p:sp>
       <p:sp>
         <p:nvSpPr>
-          <p:cNvPr id="12" name="타원 11"/>
+          <p:cNvPr id="13" name="타원 12"/>
           <p:cNvSpPr/>
           <p:nvPr/>
         </p:nvSpPr>
         <p:spPr>
           <a:xfrm>
-            <a:off x="3749710" y="-17546"/>
-            <a:ext cx="720080" cy="288032"/>
+            <a:off x="3998411" y="-175057"/>
+            <a:ext cx="901496" cy="288032"/>
           </a:xfrm>
           <a:prstGeom prst="ellipse">
             <a:avLst/>
@@ -3460,8 +3512,8 @@
           <a:p>
             <a:pPr algn="ctr"/>
             <a:r>
-              <a:rPr lang="ko-KR" altLang="en-US" sz="1000" dirty="0" smtClean="0"/>
-              <a:t>조회수</a:t>
+              <a:rPr lang="ko-KR" altLang="en-US" sz="1000" smtClean="0"/>
+              <a:t>공감수</a:t>
             </a:r>
             <a:endParaRPr lang="ko-KR" altLang="en-US" sz="1000" dirty="0"/>
           </a:p>
@@ -3469,13 +3521,13 @@
       </p:sp>
       <p:sp>
         <p:nvSpPr>
-          <p:cNvPr id="13" name="타원 12"/>
+          <p:cNvPr id="14" name="타원 13"/>
           <p:cNvSpPr/>
           <p:nvPr/>
         </p:nvSpPr>
         <p:spPr>
           <a:xfrm>
-            <a:off x="3721396" y="-363550"/>
+            <a:off x="4026725" y="1139614"/>
             <a:ext cx="720080" cy="288032"/>
           </a:xfrm>
           <a:prstGeom prst="ellipse">
@@ -3504,8 +3556,8 @@
           <a:p>
             <a:pPr algn="ctr"/>
             <a:r>
-              <a:rPr lang="ko-KR" altLang="en-US" sz="1000" dirty="0" err="1" smtClean="0"/>
-              <a:t>공감수</a:t>
+              <a:rPr lang="ko-KR" altLang="en-US" sz="1000" dirty="0" smtClean="0"/>
+              <a:t>내용</a:t>
             </a:r>
             <a:endParaRPr lang="ko-KR" altLang="en-US" sz="1000" dirty="0"/>
           </a:p>
@@ -3513,14 +3565,14 @@
       </p:sp>
       <p:sp>
         <p:nvSpPr>
-          <p:cNvPr id="14" name="타원 13"/>
+          <p:cNvPr id="15" name="타원 14"/>
           <p:cNvSpPr/>
           <p:nvPr/>
         </p:nvSpPr>
         <p:spPr>
           <a:xfrm>
-            <a:off x="3721396" y="910013"/>
-            <a:ext cx="720080" cy="288032"/>
+            <a:off x="4019089" y="488612"/>
+            <a:ext cx="849148" cy="288032"/>
           </a:xfrm>
           <a:prstGeom prst="ellipse">
             <a:avLst/>
@@ -3548,8 +3600,8 @@
           <a:p>
             <a:pPr algn="ctr"/>
             <a:r>
-              <a:rPr lang="ko-KR" altLang="en-US" sz="1000" dirty="0" smtClean="0"/>
-              <a:t>내용</a:t>
+              <a:rPr lang="ko-KR" altLang="en-US" sz="1000" dirty="0" err="1" smtClean="0"/>
+              <a:t>댓글수</a:t>
             </a:r>
             <a:endParaRPr lang="ko-KR" altLang="en-US" sz="1000" dirty="0"/>
           </a:p>
@@ -3557,16 +3609,16 @@
       </p:sp>
       <p:sp>
         <p:nvSpPr>
-          <p:cNvPr id="15" name="타원 14"/>
+          <p:cNvPr id="16" name="직사각형 15"/>
           <p:cNvSpPr/>
           <p:nvPr/>
         </p:nvSpPr>
         <p:spPr>
           <a:xfrm>
-            <a:off x="3742074" y="300119"/>
-            <a:ext cx="720080" cy="288032"/>
-          </a:xfrm>
-          <a:prstGeom prst="ellipse">
+            <a:off x="7076290" y="348109"/>
+            <a:ext cx="1171236" cy="524313"/>
+          </a:xfrm>
+          <a:prstGeom prst="rect">
             <a:avLst/>
           </a:prstGeom>
         </p:spPr>
@@ -3592,8 +3644,12 @@
           <a:p>
             <a:pPr algn="ctr"/>
             <a:r>
-              <a:rPr lang="ko-KR" altLang="en-US" sz="1000" dirty="0" err="1" smtClean="0"/>
-              <a:t>댓글수</a:t>
+              <a:rPr lang="ko-KR" altLang="en-US" sz="1000" dirty="0" smtClean="0"/>
+              <a:t>첨부파일</a:t>
+            </a:r>
+            <a:r>
+              <a:rPr lang="en-US" altLang="ko-KR" sz="1000" dirty="0" smtClean="0"/>
+              <a:t>T</a:t>
             </a:r>
             <a:endParaRPr lang="ko-KR" altLang="en-US" sz="1000" dirty="0"/>
           </a:p>
@@ -3601,16 +3657,112 @@
       </p:sp>
       <p:sp>
         <p:nvSpPr>
-          <p:cNvPr id="16" name="직사각형 15"/>
+          <p:cNvPr id="17" name="타원 16"/>
           <p:cNvSpPr/>
           <p:nvPr/>
         </p:nvSpPr>
         <p:spPr>
           <a:xfrm>
-            <a:off x="7076290" y="348109"/>
-            <a:ext cx="1171236" cy="524313"/>
-          </a:xfrm>
-          <a:prstGeom prst="rect">
+            <a:off x="8310787" y="43247"/>
+            <a:ext cx="790449" cy="288032"/>
+          </a:xfrm>
+          <a:prstGeom prst="ellipse">
+            <a:avLst/>
+          </a:prstGeom>
+        </p:spPr>
+        <p:style>
+          <a:lnRef idx="2">
+            <a:schemeClr val="accent2">
+              <a:shade val="50000"/>
+            </a:schemeClr>
+          </a:lnRef>
+          <a:fillRef idx="1">
+            <a:schemeClr val="accent2"/>
+          </a:fillRef>
+          <a:effectRef idx="0">
+            <a:schemeClr val="accent2"/>
+          </a:effectRef>
+          <a:fontRef idx="minor">
+            <a:schemeClr val="lt1"/>
+          </a:fontRef>
+        </p:style>
+        <p:txBody>
+          <a:bodyPr rtlCol="0" anchor="ctr"/>
+          <a:lstStyle/>
+          <a:p>
+            <a:pPr algn="ctr"/>
+            <a:r>
+              <a:rPr lang="ko-KR" altLang="en-US" sz="1000" u="sng" dirty="0" smtClean="0"/>
+              <a:t>첨부번호</a:t>
+            </a:r>
+            <a:endParaRPr lang="ko-KR" altLang="en-US" sz="1000" u="sng" dirty="0"/>
+          </a:p>
+        </p:txBody>
+      </p:sp>
+      <p:sp>
+        <p:nvSpPr>
+          <p:cNvPr id="18" name="타원 17"/>
+          <p:cNvSpPr/>
+          <p:nvPr/>
+        </p:nvSpPr>
+        <p:spPr>
+          <a:xfrm>
+            <a:off x="8333552" y="352464"/>
+            <a:ext cx="864096" cy="288032"/>
+          </a:xfrm>
+          <a:prstGeom prst="ellipse">
+            <a:avLst/>
+          </a:prstGeom>
+        </p:spPr>
+        <p:style>
+          <a:lnRef idx="2">
+            <a:schemeClr val="accent3">
+              <a:shade val="50000"/>
+            </a:schemeClr>
+          </a:lnRef>
+          <a:fillRef idx="1">
+            <a:schemeClr val="accent3"/>
+          </a:fillRef>
+          <a:effectRef idx="0">
+            <a:schemeClr val="accent3"/>
+          </a:effectRef>
+          <a:fontRef idx="minor">
+            <a:schemeClr val="lt1"/>
+          </a:fontRef>
+        </p:style>
+        <p:txBody>
+          <a:bodyPr rtlCol="0" anchor="ctr"/>
+          <a:lstStyle/>
+          <a:p>
+            <a:pPr algn="ctr"/>
+            <a:r>
+              <a:rPr lang="ko-KR" altLang="en-US" sz="1000" u="sng" dirty="0" smtClean="0"/>
+              <a:t>게시물</a:t>
+            </a:r>
+            <a:endParaRPr lang="en-US" altLang="ko-KR" sz="1000" u="sng" dirty="0" smtClean="0"/>
+          </a:p>
+          <a:p>
+            <a:pPr algn="ctr"/>
+            <a:r>
+              <a:rPr lang="ko-KR" altLang="en-US" sz="1000" u="sng" dirty="0" smtClean="0"/>
+              <a:t>번호</a:t>
+            </a:r>
+            <a:endParaRPr lang="ko-KR" altLang="en-US" sz="1000" u="sng" dirty="0"/>
+          </a:p>
+        </p:txBody>
+      </p:sp>
+      <p:sp>
+        <p:nvSpPr>
+          <p:cNvPr id="19" name="타원 18"/>
+          <p:cNvSpPr/>
+          <p:nvPr/>
+        </p:nvSpPr>
+        <p:spPr>
+          <a:xfrm>
+            <a:off x="2546570" y="-627293"/>
+            <a:ext cx="720080" cy="288032"/>
+          </a:xfrm>
+          <a:prstGeom prst="ellipse">
             <a:avLst/>
           </a:prstGeom>
         </p:spPr>
@@ -3637,10 +3789,54 @@
             <a:pPr algn="ctr"/>
             <a:r>
               <a:rPr lang="ko-KR" altLang="en-US" sz="1000" dirty="0" smtClean="0"/>
-              <a:t>첨부파일</a:t>
-            </a:r>
-            <a:r>
-              <a:rPr lang="en-US" altLang="ko-KR" sz="1000" dirty="0" smtClean="0"/>
+              <a:t>답변상태</a:t>
+            </a:r>
+            <a:endParaRPr lang="ko-KR" altLang="en-US" sz="1000" dirty="0"/>
+          </a:p>
+        </p:txBody>
+      </p:sp>
+      <p:sp>
+        <p:nvSpPr>
+          <p:cNvPr id="21" name="직사각형 20"/>
+          <p:cNvSpPr/>
+          <p:nvPr/>
+        </p:nvSpPr>
+        <p:spPr>
+          <a:xfrm>
+            <a:off x="-1685017" y="546222"/>
+            <a:ext cx="920679" cy="616450"/>
+          </a:xfrm>
+          <a:prstGeom prst="rect">
+            <a:avLst/>
+          </a:prstGeom>
+        </p:spPr>
+        <p:style>
+          <a:lnRef idx="2">
+            <a:schemeClr val="accent1">
+              <a:shade val="50000"/>
+            </a:schemeClr>
+          </a:lnRef>
+          <a:fillRef idx="1">
+            <a:schemeClr val="accent1"/>
+          </a:fillRef>
+          <a:effectRef idx="0">
+            <a:schemeClr val="accent1"/>
+          </a:effectRef>
+          <a:fontRef idx="minor">
+            <a:schemeClr val="lt1"/>
+          </a:fontRef>
+        </p:style>
+        <p:txBody>
+          <a:bodyPr rtlCol="0" anchor="ctr"/>
+          <a:lstStyle/>
+          <a:p>
+            <a:pPr algn="ctr"/>
+            <a:r>
+              <a:rPr lang="ko-KR" altLang="en-US" sz="1000" dirty="0" smtClean="0"/>
+              <a:t>분야</a:t>
+            </a:r>
+            <a:r>
+              <a:rPr lang="en-US" altLang="ko-KR" sz="1000" dirty="0"/>
               <a:t>T</a:t>
             </a:r>
             <a:endParaRPr lang="ko-KR" altLang="en-US" sz="1000" dirty="0"/>
@@ -3649,14 +3845,14 @@
       </p:sp>
       <p:sp>
         <p:nvSpPr>
-          <p:cNvPr id="17" name="타원 16"/>
+          <p:cNvPr id="22" name="타원 21"/>
           <p:cNvSpPr/>
           <p:nvPr/>
         </p:nvSpPr>
         <p:spPr>
           <a:xfrm>
-            <a:off x="8310787" y="43247"/>
-            <a:ext cx="790449" cy="288032"/>
+            <a:off x="-2211126" y="220700"/>
+            <a:ext cx="720080" cy="288032"/>
           </a:xfrm>
           <a:prstGeom prst="ellipse">
             <a:avLst/>
@@ -3685,51 +3881,7 @@
             <a:pPr algn="ctr"/>
             <a:r>
               <a:rPr lang="ko-KR" altLang="en-US" sz="1000" u="sng" dirty="0" smtClean="0"/>
-              <a:t>첨부번호</a:t>
-            </a:r>
-            <a:endParaRPr lang="ko-KR" altLang="en-US" sz="1000" u="sng" dirty="0"/>
-          </a:p>
-        </p:txBody>
-      </p:sp>
-      <p:sp>
-        <p:nvSpPr>
-          <p:cNvPr id="18" name="타원 17"/>
-          <p:cNvSpPr/>
-          <p:nvPr/>
-        </p:nvSpPr>
-        <p:spPr>
-          <a:xfrm>
-            <a:off x="8333552" y="352464"/>
-            <a:ext cx="864096" cy="288032"/>
-          </a:xfrm>
-          <a:prstGeom prst="ellipse">
-            <a:avLst/>
-          </a:prstGeom>
-        </p:spPr>
-        <p:style>
-          <a:lnRef idx="2">
-            <a:schemeClr val="accent3">
-              <a:shade val="50000"/>
-            </a:schemeClr>
-          </a:lnRef>
-          <a:fillRef idx="1">
-            <a:schemeClr val="accent3"/>
-          </a:fillRef>
-          <a:effectRef idx="0">
-            <a:schemeClr val="accent3"/>
-          </a:effectRef>
-          <a:fontRef idx="minor">
-            <a:schemeClr val="lt1"/>
-          </a:fontRef>
-        </p:style>
-        <p:txBody>
-          <a:bodyPr rtlCol="0" anchor="ctr"/>
-          <a:lstStyle/>
-          <a:p>
-            <a:pPr algn="ctr"/>
-            <a:r>
-              <a:rPr lang="ko-KR" altLang="en-US" sz="1000" u="sng" dirty="0" smtClean="0"/>
-              <a:t>게시물</a:t>
+              <a:t>분야</a:t>
             </a:r>
             <a:endParaRPr lang="en-US" altLang="ko-KR" sz="1000" u="sng" dirty="0" smtClean="0"/>
           </a:p>
@@ -3745,14 +3897,14 @@
       </p:sp>
       <p:sp>
         <p:nvSpPr>
-          <p:cNvPr id="19" name="타원 18"/>
+          <p:cNvPr id="23" name="타원 22"/>
           <p:cNvSpPr/>
           <p:nvPr/>
         </p:nvSpPr>
         <p:spPr>
           <a:xfrm>
-            <a:off x="10570604" y="6076564"/>
-            <a:ext cx="720080" cy="288032"/>
+            <a:off x="-1412410" y="220700"/>
+            <a:ext cx="878131" cy="288032"/>
           </a:xfrm>
           <a:prstGeom prst="ellipse">
             <a:avLst/>
@@ -3779,146 +3931,6 @@
           <a:lstStyle/>
           <a:p>
             <a:pPr algn="ctr"/>
-            <a:endParaRPr lang="ko-KR" altLang="en-US" sz="1000" dirty="0"/>
-          </a:p>
-        </p:txBody>
-      </p:sp>
-      <p:sp>
-        <p:nvSpPr>
-          <p:cNvPr id="21" name="직사각형 20"/>
-          <p:cNvSpPr/>
-          <p:nvPr/>
-        </p:nvSpPr>
-        <p:spPr>
-          <a:xfrm>
-            <a:off x="-871910" y="546222"/>
-            <a:ext cx="920679" cy="616450"/>
-          </a:xfrm>
-          <a:prstGeom prst="rect">
-            <a:avLst/>
-          </a:prstGeom>
-        </p:spPr>
-        <p:style>
-          <a:lnRef idx="2">
-            <a:schemeClr val="accent1">
-              <a:shade val="50000"/>
-            </a:schemeClr>
-          </a:lnRef>
-          <a:fillRef idx="1">
-            <a:schemeClr val="accent1"/>
-          </a:fillRef>
-          <a:effectRef idx="0">
-            <a:schemeClr val="accent1"/>
-          </a:effectRef>
-          <a:fontRef idx="minor">
-            <a:schemeClr val="lt1"/>
-          </a:fontRef>
-        </p:style>
-        <p:txBody>
-          <a:bodyPr rtlCol="0" anchor="ctr"/>
-          <a:lstStyle/>
-          <a:p>
-            <a:pPr algn="ctr"/>
-            <a:r>
-              <a:rPr lang="ko-KR" altLang="en-US" sz="1000" dirty="0" smtClean="0"/>
-              <a:t>분야</a:t>
-            </a:r>
-            <a:r>
-              <a:rPr lang="en-US" altLang="ko-KR" sz="1000" dirty="0"/>
-              <a:t>T</a:t>
-            </a:r>
-            <a:endParaRPr lang="ko-KR" altLang="en-US" sz="1000" dirty="0"/>
-          </a:p>
-        </p:txBody>
-      </p:sp>
-      <p:sp>
-        <p:nvSpPr>
-          <p:cNvPr id="22" name="타원 21"/>
-          <p:cNvSpPr/>
-          <p:nvPr/>
-        </p:nvSpPr>
-        <p:spPr>
-          <a:xfrm>
-            <a:off x="-1398019" y="220700"/>
-            <a:ext cx="720080" cy="288032"/>
-          </a:xfrm>
-          <a:prstGeom prst="ellipse">
-            <a:avLst/>
-          </a:prstGeom>
-        </p:spPr>
-        <p:style>
-          <a:lnRef idx="2">
-            <a:schemeClr val="accent2">
-              <a:shade val="50000"/>
-            </a:schemeClr>
-          </a:lnRef>
-          <a:fillRef idx="1">
-            <a:schemeClr val="accent2"/>
-          </a:fillRef>
-          <a:effectRef idx="0">
-            <a:schemeClr val="accent2"/>
-          </a:effectRef>
-          <a:fontRef idx="minor">
-            <a:schemeClr val="lt1"/>
-          </a:fontRef>
-        </p:style>
-        <p:txBody>
-          <a:bodyPr rtlCol="0" anchor="ctr"/>
-          <a:lstStyle/>
-          <a:p>
-            <a:pPr algn="ctr"/>
-            <a:r>
-              <a:rPr lang="ko-KR" altLang="en-US" sz="1000" u="sng" dirty="0" smtClean="0"/>
-              <a:t>분야</a:t>
-            </a:r>
-            <a:endParaRPr lang="en-US" altLang="ko-KR" sz="1000" u="sng" dirty="0" smtClean="0"/>
-          </a:p>
-          <a:p>
-            <a:pPr algn="ctr"/>
-            <a:r>
-              <a:rPr lang="ko-KR" altLang="en-US" sz="1000" u="sng" dirty="0" smtClean="0"/>
-              <a:t>번호</a:t>
-            </a:r>
-            <a:endParaRPr lang="ko-KR" altLang="en-US" sz="1000" u="sng" dirty="0"/>
-          </a:p>
-        </p:txBody>
-      </p:sp>
-      <p:sp>
-        <p:nvSpPr>
-          <p:cNvPr id="23" name="타원 22"/>
-          <p:cNvSpPr/>
-          <p:nvPr/>
-        </p:nvSpPr>
-        <p:spPr>
-          <a:xfrm>
-            <a:off x="-599303" y="220700"/>
-            <a:ext cx="878131" cy="288032"/>
-          </a:xfrm>
-          <a:prstGeom prst="ellipse">
-            <a:avLst/>
-          </a:prstGeom>
-        </p:spPr>
-        <p:style>
-          <a:lnRef idx="2">
-            <a:schemeClr val="accent1">
-              <a:shade val="50000"/>
-            </a:schemeClr>
-          </a:lnRef>
-          <a:fillRef idx="1">
-            <a:schemeClr val="accent1"/>
-          </a:fillRef>
-          <a:effectRef idx="0">
-            <a:schemeClr val="accent1"/>
-          </a:effectRef>
-          <a:fontRef idx="minor">
-            <a:schemeClr val="lt1"/>
-          </a:fontRef>
-        </p:style>
-        <p:txBody>
-          <a:bodyPr rtlCol="0" anchor="ctr"/>
-          <a:lstStyle/>
-          <a:p>
-            <a:pPr algn="ctr"/>
             <a:r>
               <a:rPr lang="ko-KR" altLang="en-US" sz="1000" dirty="0" err="1" smtClean="0"/>
               <a:t>분야명</a:t>
@@ -3935,7 +3947,7 @@
         </p:nvSpPr>
         <p:spPr>
           <a:xfrm>
-            <a:off x="799973" y="652745"/>
+            <a:off x="543978" y="652745"/>
             <a:ext cx="1152128" cy="403403"/>
           </a:xfrm>
           <a:prstGeom prst="diamond">
@@ -3990,12 +4002,17 @@
         </p:nvCxnSpPr>
         <p:spPr>
           <a:xfrm>
-            <a:off x="48769" y="854447"/>
-            <a:ext cx="751204" cy="0"/>
+            <a:off x="-764338" y="854447"/>
+            <a:ext cx="1308316" cy="0"/>
           </a:xfrm>
           <a:prstGeom prst="line">
             <a:avLst/>
           </a:prstGeom>
+          <a:ln>
+            <a:solidFill>
+              <a:schemeClr val="accent6"/>
+            </a:solidFill>
+          </a:ln>
         </p:spPr>
         <p:style>
           <a:lnRef idx="1">
@@ -4023,12 +4040,17 @@
         </p:nvCxnSpPr>
         <p:spPr>
           <a:xfrm>
-            <a:off x="1952101" y="854447"/>
-            <a:ext cx="1582664" cy="1045643"/>
+            <a:off x="1696106" y="854447"/>
+            <a:ext cx="1838659" cy="1045643"/>
           </a:xfrm>
           <a:prstGeom prst="line">
             <a:avLst/>
           </a:prstGeom>
+          <a:ln>
+            <a:solidFill>
+              <a:schemeClr val="accent6"/>
+            </a:solidFill>
+          </a:ln>
         </p:spPr>
         <p:style>
           <a:lnRef idx="1">
@@ -4045,94 +4067,6 @@
           </a:fontRef>
         </p:style>
       </p:cxnSp>
-      <p:sp>
-        <p:nvSpPr>
-          <p:cNvPr id="41" name="타원 40"/>
-          <p:cNvSpPr/>
-          <p:nvPr/>
-        </p:nvSpPr>
-        <p:spPr>
-          <a:xfrm>
-            <a:off x="1458967" y="1056148"/>
-            <a:ext cx="831413" cy="288032"/>
-          </a:xfrm>
-          <a:prstGeom prst="ellipse">
-            <a:avLst/>
-          </a:prstGeom>
-        </p:spPr>
-        <p:style>
-          <a:lnRef idx="2">
-            <a:schemeClr val="accent3">
-              <a:shade val="50000"/>
-            </a:schemeClr>
-          </a:lnRef>
-          <a:fillRef idx="1">
-            <a:schemeClr val="accent3"/>
-          </a:fillRef>
-          <a:effectRef idx="0">
-            <a:schemeClr val="accent3"/>
-          </a:effectRef>
-          <a:fontRef idx="minor">
-            <a:schemeClr val="lt1"/>
-          </a:fontRef>
-        </p:style>
-        <p:txBody>
-          <a:bodyPr rtlCol="0" anchor="ctr"/>
-          <a:lstStyle/>
-          <a:p>
-            <a:pPr algn="ctr"/>
-            <a:r>
-              <a:rPr lang="ko-KR" altLang="en-US" sz="1000" u="sng" smtClean="0"/>
-              <a:t>게시글번호</a:t>
-            </a:r>
-            <a:endParaRPr lang="ko-KR" altLang="en-US" sz="1000" u="sng" dirty="0"/>
-          </a:p>
-        </p:txBody>
-      </p:sp>
-      <p:sp>
-        <p:nvSpPr>
-          <p:cNvPr id="42" name="타원 41"/>
-          <p:cNvSpPr/>
-          <p:nvPr/>
-        </p:nvSpPr>
-        <p:spPr>
-          <a:xfrm>
-            <a:off x="669992" y="1056148"/>
-            <a:ext cx="720080" cy="288032"/>
-          </a:xfrm>
-          <a:prstGeom prst="ellipse">
-            <a:avLst/>
-          </a:prstGeom>
-        </p:spPr>
-        <p:style>
-          <a:lnRef idx="2">
-            <a:schemeClr val="accent3">
-              <a:shade val="50000"/>
-            </a:schemeClr>
-          </a:lnRef>
-          <a:fillRef idx="1">
-            <a:schemeClr val="accent3"/>
-          </a:fillRef>
-          <a:effectRef idx="0">
-            <a:schemeClr val="accent3"/>
-          </a:effectRef>
-          <a:fontRef idx="minor">
-            <a:schemeClr val="lt1"/>
-          </a:fontRef>
-        </p:style>
-        <p:txBody>
-          <a:bodyPr rtlCol="0" anchor="ctr"/>
-          <a:lstStyle/>
-          <a:p>
-            <a:pPr algn="ctr"/>
-            <a:r>
-              <a:rPr lang="ko-KR" altLang="en-US" sz="1000" u="sng" dirty="0" smtClean="0"/>
-              <a:t>분야번호</a:t>
-            </a:r>
-            <a:endParaRPr lang="ko-KR" altLang="en-US" sz="1000" u="sng" dirty="0"/>
-          </a:p>
-        </p:txBody>
-      </p:sp>
       <p:sp>
         <p:nvSpPr>
           <p:cNvPr id="43" name="직사각형 42"/>
@@ -4141,7 +4075,7 @@
         </p:nvSpPr>
         <p:spPr>
           <a:xfrm>
-            <a:off x="-837902" y="1625434"/>
+            <a:off x="-729366" y="1931042"/>
             <a:ext cx="648072" cy="689284"/>
           </a:xfrm>
           <a:prstGeom prst="rect">
@@ -4397,6 +4331,11 @@
           <a:prstGeom prst="line">
             <a:avLst/>
           </a:prstGeom>
+          <a:ln>
+            <a:solidFill>
+              <a:schemeClr val="accent6"/>
+            </a:solidFill>
+          </a:ln>
         </p:spPr>
         <p:style>
           <a:lnRef idx="1">
@@ -4430,6 +4369,11 @@
           <a:prstGeom prst="line">
             <a:avLst/>
           </a:prstGeom>
+          <a:ln>
+            <a:solidFill>
+              <a:schemeClr val="accent6"/>
+            </a:solidFill>
+          </a:ln>
         </p:spPr>
         <p:style>
           <a:lnRef idx="1">
@@ -4448,14 +4392,158 @@
       </p:cxnSp>
       <p:sp>
         <p:nvSpPr>
-          <p:cNvPr id="52" name="타원 51"/>
+          <p:cNvPr id="58" name="직사각형 57"/>
           <p:cNvSpPr/>
           <p:nvPr/>
         </p:nvSpPr>
         <p:spPr>
           <a:xfrm>
-            <a:off x="10764688" y="-17546"/>
-            <a:ext cx="720080" cy="288032"/>
+            <a:off x="-745831" y="5224542"/>
+            <a:ext cx="944242" cy="749392"/>
+          </a:xfrm>
+          <a:prstGeom prst="rect">
+            <a:avLst/>
+          </a:prstGeom>
+        </p:spPr>
+        <p:style>
+          <a:lnRef idx="2">
+            <a:schemeClr val="accent1">
+              <a:shade val="50000"/>
+            </a:schemeClr>
+          </a:lnRef>
+          <a:fillRef idx="1">
+            <a:schemeClr val="accent1"/>
+          </a:fillRef>
+          <a:effectRef idx="0">
+            <a:schemeClr val="accent1"/>
+          </a:effectRef>
+          <a:fontRef idx="minor">
+            <a:schemeClr val="lt1"/>
+          </a:fontRef>
+        </p:style>
+        <p:txBody>
+          <a:bodyPr rtlCol="0" anchor="ctr"/>
+          <a:lstStyle/>
+          <a:p>
+            <a:pPr algn="ctr"/>
+            <a:r>
+              <a:rPr lang="ko-KR" altLang="en-US" sz="1000" dirty="0" smtClean="0"/>
+              <a:t>공감</a:t>
+            </a:r>
+            <a:r>
+              <a:rPr lang="en-US" altLang="ko-KR" sz="1000" dirty="0" smtClean="0"/>
+              <a:t>T</a:t>
+            </a:r>
+            <a:endParaRPr lang="ko-KR" altLang="en-US" sz="1000" dirty="0"/>
+          </a:p>
+        </p:txBody>
+      </p:sp>
+      <p:sp>
+        <p:nvSpPr>
+          <p:cNvPr id="59" name="직사각형 58"/>
+          <p:cNvSpPr/>
+          <p:nvPr/>
+        </p:nvSpPr>
+        <p:spPr>
+          <a:xfrm>
+            <a:off x="6680260" y="1562843"/>
+            <a:ext cx="884852" cy="674493"/>
+          </a:xfrm>
+          <a:prstGeom prst="rect">
+            <a:avLst/>
+          </a:prstGeom>
+        </p:spPr>
+        <p:style>
+          <a:lnRef idx="2">
+            <a:schemeClr val="accent1">
+              <a:shade val="50000"/>
+            </a:schemeClr>
+          </a:lnRef>
+          <a:fillRef idx="1">
+            <a:schemeClr val="accent1"/>
+          </a:fillRef>
+          <a:effectRef idx="0">
+            <a:schemeClr val="accent1"/>
+          </a:effectRef>
+          <a:fontRef idx="minor">
+            <a:schemeClr val="lt1"/>
+          </a:fontRef>
+        </p:style>
+        <p:txBody>
+          <a:bodyPr rtlCol="0" anchor="ctr"/>
+          <a:lstStyle/>
+          <a:p>
+            <a:pPr algn="ctr"/>
+            <a:r>
+              <a:rPr lang="ko-KR" altLang="en-US" sz="1000" dirty="0" err="1" smtClean="0"/>
+              <a:t>댓글</a:t>
+            </a:r>
+            <a:r>
+              <a:rPr lang="en-US" altLang="ko-KR" sz="1000" dirty="0" smtClean="0"/>
+              <a:t>T</a:t>
+            </a:r>
+            <a:endParaRPr lang="ko-KR" altLang="en-US" sz="1000" dirty="0"/>
+          </a:p>
+        </p:txBody>
+      </p:sp>
+      <p:sp>
+        <p:nvSpPr>
+          <p:cNvPr id="60" name="직사각형 59"/>
+          <p:cNvSpPr/>
+          <p:nvPr/>
+        </p:nvSpPr>
+        <p:spPr>
+          <a:xfrm>
+            <a:off x="-745831" y="3231922"/>
+            <a:ext cx="648072" cy="782688"/>
+          </a:xfrm>
+          <a:prstGeom prst="rect">
+            <a:avLst/>
+          </a:prstGeom>
+        </p:spPr>
+        <p:style>
+          <a:lnRef idx="2">
+            <a:schemeClr val="accent1">
+              <a:shade val="50000"/>
+            </a:schemeClr>
+          </a:lnRef>
+          <a:fillRef idx="1">
+            <a:schemeClr val="accent1"/>
+          </a:fillRef>
+          <a:effectRef idx="0">
+            <a:schemeClr val="accent1"/>
+          </a:effectRef>
+          <a:fontRef idx="minor">
+            <a:schemeClr val="lt1"/>
+          </a:fontRef>
+        </p:style>
+        <p:txBody>
+          <a:bodyPr rtlCol="0" anchor="ctr"/>
+          <a:lstStyle/>
+          <a:p>
+            <a:pPr algn="ctr"/>
+            <a:r>
+              <a:rPr lang="ko-KR" altLang="en-US" sz="1000" dirty="0" err="1" smtClean="0"/>
+              <a:t>설문형</a:t>
+            </a:r>
+            <a:r>
+              <a:rPr lang="en-US" altLang="ko-KR" sz="1000" dirty="0" smtClean="0"/>
+              <a:t>T</a:t>
+            </a:r>
+            <a:endParaRPr lang="ko-KR" altLang="en-US" sz="1000" dirty="0"/>
+          </a:p>
+        </p:txBody>
+      </p:sp>
+      <p:sp>
+        <p:nvSpPr>
+          <p:cNvPr id="61" name="타원 60"/>
+          <p:cNvSpPr/>
+          <p:nvPr/>
+        </p:nvSpPr>
+        <p:spPr>
+          <a:xfrm>
+            <a:off x="7648010" y="1715680"/>
+            <a:ext cx="932963" cy="288032"/>
           </a:xfrm>
           <a:prstGeom prst="ellipse">
             <a:avLst/>
@@ -4483,25 +4571,36 @@
           <a:p>
             <a:pPr algn="ctr"/>
             <a:r>
-              <a:rPr lang="ko-KR" altLang="en-US" sz="1000" u="sng" dirty="0" smtClean="0"/>
-              <a:t>첨부번호</a:t>
-            </a:r>
-            <a:endParaRPr lang="ko-KR" altLang="en-US" sz="1000" u="sng" dirty="0"/>
-          </a:p>
-        </p:txBody>
-      </p:sp>
-      <p:sp>
-        <p:nvSpPr>
-          <p:cNvPr id="58" name="직사각형 57"/>
+              <a:rPr lang="ko-KR" altLang="en-US" sz="1000" dirty="0" smtClean="0"/>
+              <a:t>게시물</a:t>
+            </a:r>
+            <a:endParaRPr lang="en-US" altLang="ko-KR" sz="1000" dirty="0" smtClean="0"/>
+          </a:p>
+          <a:p>
+            <a:pPr algn="ctr"/>
+            <a:r>
+              <a:rPr lang="ko-KR" altLang="en-US" sz="1000" dirty="0" smtClean="0"/>
+              <a:t>번</a:t>
+            </a:r>
+            <a:r>
+              <a:rPr lang="ko-KR" altLang="en-US" sz="1000" dirty="0"/>
+              <a:t>호</a:t>
+            </a:r>
+          </a:p>
+        </p:txBody>
+      </p:sp>
+      <p:sp>
+        <p:nvSpPr>
+          <p:cNvPr id="62" name="타원 61"/>
           <p:cNvSpPr/>
           <p:nvPr/>
         </p:nvSpPr>
         <p:spPr>
           <a:xfrm>
-            <a:off x="-745831" y="5224542"/>
-            <a:ext cx="944242" cy="749392"/>
-          </a:xfrm>
-          <a:prstGeom prst="rect">
+            <a:off x="-1818016" y="3749664"/>
+            <a:ext cx="978941" cy="288032"/>
+          </a:xfrm>
+          <a:prstGeom prst="ellipse">
             <a:avLst/>
           </a:prstGeom>
         </p:spPr>
@@ -4528,11 +4627,7 @@
             <a:pPr algn="ctr"/>
             <a:r>
               <a:rPr lang="ko-KR" altLang="en-US" sz="1000" dirty="0" smtClean="0"/>
-              <a:t>공감</a:t>
-            </a:r>
-            <a:r>
-              <a:rPr lang="en-US" altLang="ko-KR" sz="1000" dirty="0" smtClean="0"/>
-              <a:t>T</a:t>
+              <a:t>질문형태</a:t>
             </a:r>
             <a:endParaRPr lang="ko-KR" altLang="en-US" sz="1000" dirty="0"/>
           </a:p>
@@ -4540,110 +4635,14 @@
       </p:sp>
       <p:sp>
         <p:nvSpPr>
-          <p:cNvPr id="59" name="직사각형 58"/>
+          <p:cNvPr id="63" name="타원 62"/>
           <p:cNvSpPr/>
           <p:nvPr/>
         </p:nvSpPr>
         <p:spPr>
           <a:xfrm>
-            <a:off x="6680260" y="1562843"/>
-            <a:ext cx="884852" cy="674493"/>
-          </a:xfrm>
-          <a:prstGeom prst="rect">
-            <a:avLst/>
-          </a:prstGeom>
-        </p:spPr>
-        <p:style>
-          <a:lnRef idx="2">
-            <a:schemeClr val="accent1">
-              <a:shade val="50000"/>
-            </a:schemeClr>
-          </a:lnRef>
-          <a:fillRef idx="1">
-            <a:schemeClr val="accent1"/>
-          </a:fillRef>
-          <a:effectRef idx="0">
-            <a:schemeClr val="accent1"/>
-          </a:effectRef>
-          <a:fontRef idx="minor">
-            <a:schemeClr val="lt1"/>
-          </a:fontRef>
-        </p:style>
-        <p:txBody>
-          <a:bodyPr rtlCol="0" anchor="ctr"/>
-          <a:lstStyle/>
-          <a:p>
-            <a:pPr algn="ctr"/>
-            <a:r>
-              <a:rPr lang="ko-KR" altLang="en-US" sz="1000" dirty="0" err="1" smtClean="0"/>
-              <a:t>댓글</a:t>
-            </a:r>
-            <a:r>
-              <a:rPr lang="en-US" altLang="ko-KR" sz="1000" dirty="0" smtClean="0"/>
-              <a:t>T</a:t>
-            </a:r>
-            <a:endParaRPr lang="ko-KR" altLang="en-US" sz="1000" dirty="0"/>
-          </a:p>
-        </p:txBody>
-      </p:sp>
-      <p:sp>
-        <p:nvSpPr>
-          <p:cNvPr id="60" name="직사각형 59"/>
-          <p:cNvSpPr/>
-          <p:nvPr/>
-        </p:nvSpPr>
-        <p:spPr>
-          <a:xfrm>
-            <a:off x="-745831" y="3231922"/>
-            <a:ext cx="648072" cy="782688"/>
-          </a:xfrm>
-          <a:prstGeom prst="rect">
-            <a:avLst/>
-          </a:prstGeom>
-        </p:spPr>
-        <p:style>
-          <a:lnRef idx="2">
-            <a:schemeClr val="accent1">
-              <a:shade val="50000"/>
-            </a:schemeClr>
-          </a:lnRef>
-          <a:fillRef idx="1">
-            <a:schemeClr val="accent1"/>
-          </a:fillRef>
-          <a:effectRef idx="0">
-            <a:schemeClr val="accent1"/>
-          </a:effectRef>
-          <a:fontRef idx="minor">
-            <a:schemeClr val="lt1"/>
-          </a:fontRef>
-        </p:style>
-        <p:txBody>
-          <a:bodyPr rtlCol="0" anchor="ctr"/>
-          <a:lstStyle/>
-          <a:p>
-            <a:pPr algn="ctr"/>
-            <a:r>
-              <a:rPr lang="ko-KR" altLang="en-US" sz="1000" dirty="0" err="1" smtClean="0"/>
-              <a:t>설문형</a:t>
-            </a:r>
-            <a:r>
-              <a:rPr lang="en-US" altLang="ko-KR" sz="1000" dirty="0" smtClean="0"/>
-              <a:t>T</a:t>
-            </a:r>
-            <a:endParaRPr lang="ko-KR" altLang="en-US" sz="1000" dirty="0"/>
-          </a:p>
-        </p:txBody>
-      </p:sp>
-      <p:sp>
-        <p:nvSpPr>
-          <p:cNvPr id="61" name="타원 60"/>
-          <p:cNvSpPr/>
-          <p:nvPr/>
-        </p:nvSpPr>
-        <p:spPr>
-          <a:xfrm>
-            <a:off x="7648010" y="1715680"/>
-            <a:ext cx="932963" cy="288032"/>
+            <a:off x="-1827547" y="3479250"/>
+            <a:ext cx="964203" cy="288032"/>
           </a:xfrm>
           <a:prstGeom prst="ellipse">
             <a:avLst/>
@@ -4686,105 +4685,6 @@
               <a:rPr lang="ko-KR" altLang="en-US" sz="1000" dirty="0"/>
               <a:t>호</a:t>
             </a:r>
-          </a:p>
-        </p:txBody>
-      </p:sp>
-      <p:sp>
-        <p:nvSpPr>
-          <p:cNvPr id="62" name="타원 61"/>
-          <p:cNvSpPr/>
-          <p:nvPr/>
-        </p:nvSpPr>
-        <p:spPr>
-          <a:xfrm>
-            <a:off x="-1842285" y="3802837"/>
-            <a:ext cx="978941" cy="288032"/>
-          </a:xfrm>
-          <a:prstGeom prst="ellipse">
-            <a:avLst/>
-          </a:prstGeom>
-        </p:spPr>
-        <p:style>
-          <a:lnRef idx="2">
-            <a:schemeClr val="accent1">
-              <a:shade val="50000"/>
-            </a:schemeClr>
-          </a:lnRef>
-          <a:fillRef idx="1">
-            <a:schemeClr val="accent1"/>
-          </a:fillRef>
-          <a:effectRef idx="0">
-            <a:schemeClr val="accent1"/>
-          </a:effectRef>
-          <a:fontRef idx="minor">
-            <a:schemeClr val="lt1"/>
-          </a:fontRef>
-        </p:style>
-        <p:txBody>
-          <a:bodyPr rtlCol="0" anchor="ctr"/>
-          <a:lstStyle/>
-          <a:p>
-            <a:pPr algn="ctr"/>
-            <a:r>
-              <a:rPr lang="ko-KR" altLang="en-US" sz="1000" dirty="0" smtClean="0"/>
-              <a:t>질문형태</a:t>
-            </a:r>
-            <a:endParaRPr lang="ko-KR" altLang="en-US" sz="1000" dirty="0"/>
-          </a:p>
-        </p:txBody>
-      </p:sp>
-      <p:sp>
-        <p:nvSpPr>
-          <p:cNvPr id="63" name="타원 62"/>
-          <p:cNvSpPr/>
-          <p:nvPr/>
-        </p:nvSpPr>
-        <p:spPr>
-          <a:xfrm>
-            <a:off x="-1827547" y="3479250"/>
-            <a:ext cx="964203" cy="288032"/>
-          </a:xfrm>
-          <a:prstGeom prst="ellipse">
-            <a:avLst/>
-          </a:prstGeom>
-        </p:spPr>
-        <p:style>
-          <a:lnRef idx="2">
-            <a:schemeClr val="accent3">
-              <a:shade val="50000"/>
-            </a:schemeClr>
-          </a:lnRef>
-          <a:fillRef idx="1">
-            <a:schemeClr val="accent3"/>
-          </a:fillRef>
-          <a:effectRef idx="0">
-            <a:schemeClr val="accent3"/>
-          </a:effectRef>
-          <a:fontRef idx="minor">
-            <a:schemeClr val="lt1"/>
-          </a:fontRef>
-        </p:style>
-        <p:txBody>
-          <a:bodyPr rtlCol="0" anchor="ctr"/>
-          <a:lstStyle/>
-          <a:p>
-            <a:pPr algn="ctr"/>
-            <a:r>
-              <a:rPr lang="ko-KR" altLang="en-US" sz="1000" dirty="0" smtClean="0"/>
-              <a:t>게시물</a:t>
-            </a:r>
-            <a:endParaRPr lang="en-US" altLang="ko-KR" sz="1000" dirty="0" smtClean="0"/>
-          </a:p>
-          <a:p>
-            <a:pPr algn="ctr"/>
-            <a:r>
-              <a:rPr lang="ko-KR" altLang="en-US" sz="1000" dirty="0" smtClean="0"/>
-              <a:t>번</a:t>
-            </a:r>
-            <a:r>
-              <a:rPr lang="ko-KR" altLang="en-US" sz="1000" dirty="0"/>
-              <a:t>호</a:t>
-            </a:r>
             <a:endParaRPr lang="en-US" altLang="ko-KR" sz="1000" dirty="0" smtClean="0"/>
           </a:p>
         </p:txBody>
@@ -4797,7 +4697,7 @@
         </p:nvSpPr>
         <p:spPr>
           <a:xfrm>
-            <a:off x="530093" y="1728108"/>
+            <a:off x="638629" y="2033716"/>
             <a:ext cx="999878" cy="484889"/>
           </a:xfrm>
           <a:prstGeom prst="diamond">
@@ -4852,12 +4752,17 @@
         </p:nvCxnSpPr>
         <p:spPr>
           <a:xfrm flipH="1">
-            <a:off x="1529971" y="1900090"/>
-            <a:ext cx="2004794" cy="70463"/>
+            <a:off x="1638507" y="1900090"/>
+            <a:ext cx="1896258" cy="376071"/>
           </a:xfrm>
           <a:prstGeom prst="line">
             <a:avLst/>
           </a:prstGeom>
+          <a:ln>
+            <a:solidFill>
+              <a:schemeClr val="accent6"/>
+            </a:solidFill>
+          </a:ln>
         </p:spPr>
         <p:style>
           <a:lnRef idx="1">
@@ -4885,12 +4790,17 @@
         </p:nvCxnSpPr>
         <p:spPr>
           <a:xfrm flipH="1" flipV="1">
-            <a:off x="-189830" y="1970076"/>
+            <a:off x="-81294" y="2275684"/>
             <a:ext cx="719923" cy="477"/>
           </a:xfrm>
           <a:prstGeom prst="line">
             <a:avLst/>
           </a:prstGeom>
+          <a:ln>
+            <a:solidFill>
+              <a:schemeClr val="accent6"/>
+            </a:solidFill>
+          </a:ln>
         </p:spPr>
         <p:style>
           <a:lnRef idx="1">
@@ -4999,7 +4909,7 @@
           <a:p>
             <a:pPr algn="ctr"/>
             <a:r>
-              <a:rPr lang="en-US" altLang="ko-KR" sz="1000" smtClean="0"/>
+              <a:rPr lang="en-US" altLang="ko-KR" sz="1000" dirty="0" smtClean="0"/>
               <a:t>Display</a:t>
             </a:r>
             <a:r>
@@ -5062,7 +4972,7 @@
         </p:nvSpPr>
         <p:spPr>
           <a:xfrm>
-            <a:off x="7671641" y="2025970"/>
+            <a:off x="7690386" y="2034970"/>
             <a:ext cx="872588" cy="288032"/>
           </a:xfrm>
           <a:prstGeom prst="ellipse">
@@ -5092,7 +5002,15 @@
             <a:pPr algn="ctr"/>
             <a:r>
               <a:rPr lang="ko-KR" altLang="en-US" sz="1000" dirty="0" smtClean="0"/>
-              <a:t>작성자</a:t>
+              <a:t>사용자</a:t>
+            </a:r>
+            <a:endParaRPr lang="en-US" altLang="ko-KR" sz="1000" dirty="0" smtClean="0"/>
+          </a:p>
+          <a:p>
+            <a:pPr algn="ctr"/>
+            <a:r>
+              <a:rPr lang="en-US" altLang="ko-KR" sz="1000" dirty="0" smtClean="0"/>
+              <a:t>E-mail</a:t>
             </a:r>
             <a:endParaRPr lang="ko-KR" altLang="en-US" sz="1000" dirty="0"/>
           </a:p>
@@ -5197,7 +5115,7 @@
         </p:nvSpPr>
         <p:spPr>
           <a:xfrm>
-            <a:off x="-1762310" y="4117923"/>
+            <a:off x="-1773448" y="4037696"/>
             <a:ext cx="846178" cy="288032"/>
           </a:xfrm>
           <a:prstGeom prst="ellipse">
@@ -5305,6 +5223,11 @@
           <a:prstGeom prst="line">
             <a:avLst/>
           </a:prstGeom>
+          <a:ln>
+            <a:solidFill>
+              <a:schemeClr val="accent6"/>
+            </a:solidFill>
+          </a:ln>
         </p:spPr>
         <p:style>
           <a:lnRef idx="1">
@@ -5338,6 +5261,11 @@
           <a:prstGeom prst="line">
             <a:avLst/>
           </a:prstGeom>
+          <a:ln>
+            <a:solidFill>
+              <a:schemeClr val="accent6"/>
+            </a:solidFill>
+          </a:ln>
         </p:spPr>
         <p:style>
           <a:lnRef idx="1">
@@ -5476,7 +5404,7 @@
         </p:nvSpPr>
         <p:spPr>
           <a:xfrm>
-            <a:off x="10584668" y="5445224"/>
+            <a:off x="12428022" y="7271436"/>
             <a:ext cx="648072" cy="576064"/>
           </a:xfrm>
           <a:prstGeom prst="diamond">
@@ -5504,7 +5432,7 @@
           <a:lstStyle/>
           <a:p>
             <a:pPr algn="ctr"/>
-            <a:endParaRPr lang="ko-KR" altLang="en-US"/>
+            <a:endParaRPr lang="ko-KR" altLang="en-US" sz="1000"/>
           </a:p>
         </p:txBody>
       </p:sp>
@@ -5516,7 +5444,7 @@
         </p:nvSpPr>
         <p:spPr>
           <a:xfrm>
-            <a:off x="424371" y="3335234"/>
+            <a:off x="669992" y="3335234"/>
             <a:ext cx="900100" cy="576064"/>
           </a:xfrm>
           <a:prstGeom prst="diamond">
@@ -5575,11 +5503,16 @@
         <p:spPr>
           <a:xfrm>
             <a:off x="-97759" y="3623266"/>
-            <a:ext cx="522130" cy="0"/>
+            <a:ext cx="767751" cy="0"/>
           </a:xfrm>
           <a:prstGeom prst="line">
             <a:avLst/>
           </a:prstGeom>
+          <a:ln>
+            <a:solidFill>
+              <a:schemeClr val="accent6"/>
+            </a:solidFill>
+          </a:ln>
         </p:spPr>
         <p:style>
           <a:lnRef idx="1">
@@ -5607,12 +5540,17 @@
         </p:nvCxnSpPr>
         <p:spPr>
           <a:xfrm flipV="1">
-            <a:off x="1324471" y="1900090"/>
-            <a:ext cx="2210294" cy="1723176"/>
+            <a:off x="1570092" y="1900090"/>
+            <a:ext cx="1964673" cy="1723176"/>
           </a:xfrm>
           <a:prstGeom prst="line">
             <a:avLst/>
           </a:prstGeom>
+          <a:ln>
+            <a:solidFill>
+              <a:schemeClr val="accent6"/>
+            </a:solidFill>
+          </a:ln>
         </p:spPr>
         <p:style>
           <a:lnRef idx="1">
@@ -5637,7 +5575,7 @@
         </p:nvSpPr>
         <p:spPr>
           <a:xfrm>
-            <a:off x="-1692566" y="4457830"/>
+            <a:off x="-2045057" y="4325728"/>
             <a:ext cx="720080" cy="288032"/>
           </a:xfrm>
           <a:prstGeom prst="ellipse">
@@ -5784,86 +5722,6 @@
               <a:rPr lang="ko-KR" altLang="en-US" sz="1000" dirty="0"/>
               <a:t>호</a:t>
             </a:r>
-          </a:p>
-        </p:txBody>
-      </p:sp>
-      <p:sp>
-        <p:nvSpPr>
-          <p:cNvPr id="195" name="TextBox 194"/>
-          <p:cNvSpPr txBox="1"/>
-          <p:nvPr/>
-        </p:nvSpPr>
-        <p:spPr>
-          <a:xfrm>
-            <a:off x="-379358" y="-419589"/>
-            <a:ext cx="3619043" cy="400110"/>
-          </a:xfrm>
-          <a:prstGeom prst="rect">
-            <a:avLst/>
-          </a:prstGeom>
-          <a:noFill/>
-        </p:spPr>
-        <p:txBody>
-          <a:bodyPr wrap="square" rtlCol="0">
-            <a:spAutoFit/>
-          </a:bodyPr>
-          <a:lstStyle/>
-          <a:p>
-            <a:r>
-              <a:rPr lang="ko-KR" altLang="en-US" sz="1000" dirty="0" err="1" smtClean="0"/>
-              <a:t>외래키</a:t>
-            </a:r>
-            <a:r>
-              <a:rPr lang="ko-KR" altLang="en-US" sz="1000" dirty="0" smtClean="0"/>
-              <a:t> </a:t>
-            </a:r>
-            <a:r>
-              <a:rPr lang="ko-KR" altLang="en-US" sz="1000" dirty="0" err="1" smtClean="0"/>
-              <a:t>두개로</a:t>
-            </a:r>
-            <a:r>
-              <a:rPr lang="ko-KR" altLang="en-US" sz="1000" dirty="0" smtClean="0"/>
-              <a:t> </a:t>
-            </a:r>
-            <a:r>
-              <a:rPr lang="ko-KR" altLang="en-US" sz="1000" dirty="0" err="1" smtClean="0"/>
-              <a:t>복합키</a:t>
-            </a:r>
-            <a:r>
-              <a:rPr lang="ko-KR" altLang="en-US" sz="1000" dirty="0" smtClean="0"/>
-              <a:t> 써서 </a:t>
-            </a:r>
-            <a:r>
-              <a:rPr lang="ko-KR" altLang="en-US" sz="1000" dirty="0" err="1" smtClean="0"/>
-              <a:t>기본키를</a:t>
-            </a:r>
-            <a:r>
-              <a:rPr lang="ko-KR" altLang="en-US" sz="1000" dirty="0" smtClean="0"/>
-              <a:t> </a:t>
-            </a:r>
-            <a:r>
-              <a:rPr lang="ko-KR" altLang="en-US" sz="1000" dirty="0" err="1" smtClean="0"/>
-              <a:t>하려고하는데</a:t>
-            </a:r>
-            <a:r>
-              <a:rPr lang="en-US" altLang="ko-KR" sz="1000" dirty="0" smtClean="0"/>
-              <a:t>, </a:t>
-            </a:r>
-          </a:p>
-          <a:p>
-            <a:r>
-              <a:rPr lang="ko-KR" altLang="en-US" sz="1000" dirty="0" smtClean="0"/>
-              <a:t>그러면 속성을 어떻게 </a:t>
-            </a:r>
-            <a:r>
-              <a:rPr lang="ko-KR" altLang="en-US" sz="1000" dirty="0" err="1" smtClean="0"/>
-              <a:t>지정해야하는가</a:t>
-            </a:r>
-            <a:r>
-              <a:rPr lang="en-US" altLang="ko-KR" sz="1000" dirty="0" smtClean="0"/>
-              <a:t>?</a:t>
-            </a:r>
-            <a:endParaRPr lang="ko-KR" altLang="en-US" sz="1000" dirty="0"/>
           </a:p>
         </p:txBody>
       </p:sp>
@@ -6024,6 +5882,11 @@
           <a:prstGeom prst="line">
             <a:avLst/>
           </a:prstGeom>
+          <a:ln>
+            <a:solidFill>
+              <a:schemeClr val="accent6"/>
+            </a:solidFill>
+          </a:ln>
         </p:spPr>
         <p:style>
           <a:lnRef idx="1">
@@ -6057,6 +5920,11 @@
           <a:prstGeom prst="line">
             <a:avLst/>
           </a:prstGeom>
+          <a:ln>
+            <a:solidFill>
+              <a:schemeClr val="accent6"/>
+            </a:solidFill>
+          </a:ln>
         </p:spPr>
         <p:style>
           <a:lnRef idx="1">
@@ -6073,36 +5941,6 @@
           </a:fontRef>
         </p:style>
       </p:cxnSp>
-      <p:sp>
-        <p:nvSpPr>
-          <p:cNvPr id="211" name="TextBox 210"/>
-          <p:cNvSpPr txBox="1"/>
-          <p:nvPr/>
-        </p:nvSpPr>
-        <p:spPr>
-          <a:xfrm>
-            <a:off x="4307730" y="-419589"/>
-            <a:ext cx="666914" cy="369332"/>
-          </a:xfrm>
-          <a:prstGeom prst="rect">
-            <a:avLst/>
-          </a:prstGeom>
-          <a:noFill/>
-        </p:spPr>
-        <p:txBody>
-          <a:bodyPr wrap="square" rtlCol="0">
-            <a:spAutoFit/>
-          </a:bodyPr>
-          <a:lstStyle/>
-          <a:p>
-            <a:r>
-              <a:rPr lang="en-US" altLang="ko-KR" dirty="0" smtClean="0"/>
-              <a:t>???</a:t>
-            </a:r>
-            <a:endParaRPr lang="ko-KR" altLang="en-US" dirty="0"/>
-          </a:p>
-        </p:txBody>
-      </p:sp>
       <p:sp>
         <p:nvSpPr>
           <p:cNvPr id="230" name="직사각형 229"/>
@@ -6111,7 +5949,7 @@
         </p:nvSpPr>
         <p:spPr>
           <a:xfrm>
-            <a:off x="10649526" y="4769244"/>
+            <a:off x="12492880" y="6658642"/>
             <a:ext cx="518356" cy="599314"/>
           </a:xfrm>
           <a:prstGeom prst="rect">
@@ -6139,22 +5977,173 @@
           <a:lstStyle/>
           <a:p>
             <a:pPr algn="ctr"/>
-            <a:endParaRPr lang="ko-KR" altLang="en-US"/>
-          </a:p>
-        </p:txBody>
-      </p:sp>
-      <p:sp>
-        <p:nvSpPr>
-          <p:cNvPr id="231" name="직사각형 230"/>
+            <a:endParaRPr lang="ko-KR" altLang="en-US" sz="1000"/>
+          </a:p>
+        </p:txBody>
+      </p:sp>
+      <p:sp>
+        <p:nvSpPr>
+          <p:cNvPr id="234" name="타원 233"/>
           <p:cNvSpPr/>
           <p:nvPr/>
         </p:nvSpPr>
         <p:spPr>
           <a:xfrm>
-            <a:off x="6697146" y="3677643"/>
-            <a:ext cx="914400" cy="626368"/>
-          </a:xfrm>
-          <a:prstGeom prst="rect">
+            <a:off x="7754451" y="4348488"/>
+            <a:ext cx="720080" cy="288032"/>
+          </a:xfrm>
+          <a:prstGeom prst="ellipse">
+            <a:avLst/>
+          </a:prstGeom>
+        </p:spPr>
+        <p:style>
+          <a:lnRef idx="2">
+            <a:schemeClr val="accent2">
+              <a:shade val="50000"/>
+            </a:schemeClr>
+          </a:lnRef>
+          <a:fillRef idx="1">
+            <a:schemeClr val="accent2"/>
+          </a:fillRef>
+          <a:effectRef idx="0">
+            <a:schemeClr val="accent2"/>
+          </a:effectRef>
+          <a:fontRef idx="minor">
+            <a:schemeClr val="lt1"/>
+          </a:fontRef>
+        </p:style>
+        <p:txBody>
+          <a:bodyPr rtlCol="0" anchor="ctr"/>
+          <a:lstStyle/>
+          <a:p>
+            <a:pPr algn="ctr"/>
+            <a:r>
+              <a:rPr lang="ko-KR" altLang="en-US" sz="1000" u="sng" dirty="0" smtClean="0"/>
+              <a:t>찬</a:t>
+            </a:r>
+            <a:r>
+              <a:rPr lang="en-US" altLang="ko-KR" sz="1000" u="sng" dirty="0" smtClean="0"/>
+              <a:t>/</a:t>
+            </a:r>
+            <a:r>
+              <a:rPr lang="ko-KR" altLang="en-US" sz="1000" u="sng" dirty="0" err="1" smtClean="0"/>
+              <a:t>반번호</a:t>
+            </a:r>
+            <a:endParaRPr lang="ko-KR" altLang="en-US" sz="1000" u="sng" dirty="0"/>
+          </a:p>
+        </p:txBody>
+      </p:sp>
+      <p:sp>
+        <p:nvSpPr>
+          <p:cNvPr id="235" name="타원 234"/>
+          <p:cNvSpPr/>
+          <p:nvPr/>
+        </p:nvSpPr>
+        <p:spPr>
+          <a:xfrm>
+            <a:off x="8474531" y="4372513"/>
+            <a:ext cx="720080" cy="288032"/>
+          </a:xfrm>
+          <a:prstGeom prst="ellipse">
+            <a:avLst/>
+          </a:prstGeom>
+        </p:spPr>
+        <p:style>
+          <a:lnRef idx="2">
+            <a:schemeClr val="accent3">
+              <a:shade val="50000"/>
+            </a:schemeClr>
+          </a:lnRef>
+          <a:fillRef idx="1">
+            <a:schemeClr val="accent3"/>
+          </a:fillRef>
+          <a:effectRef idx="0">
+            <a:schemeClr val="accent3"/>
+          </a:effectRef>
+          <a:fontRef idx="minor">
+            <a:schemeClr val="lt1"/>
+          </a:fontRef>
+        </p:style>
+        <p:txBody>
+          <a:bodyPr rtlCol="0" anchor="ctr"/>
+          <a:lstStyle/>
+          <a:p>
+            <a:pPr algn="ctr"/>
+            <a:r>
+              <a:rPr lang="ko-KR" altLang="en-US" sz="1000" dirty="0" err="1" smtClean="0"/>
+              <a:t>댓글번호</a:t>
+            </a:r>
+            <a:endParaRPr lang="ko-KR" altLang="en-US" sz="1000" dirty="0"/>
+          </a:p>
+        </p:txBody>
+      </p:sp>
+      <p:sp>
+        <p:nvSpPr>
+          <p:cNvPr id="236" name="타원 235"/>
+          <p:cNvSpPr/>
+          <p:nvPr/>
+        </p:nvSpPr>
+        <p:spPr>
+          <a:xfrm>
+            <a:off x="9204091" y="4372513"/>
+            <a:ext cx="981314" cy="288032"/>
+          </a:xfrm>
+          <a:prstGeom prst="ellipse">
+            <a:avLst/>
+          </a:prstGeom>
+        </p:spPr>
+        <p:style>
+          <a:lnRef idx="2">
+            <a:schemeClr val="accent3">
+              <a:shade val="50000"/>
+            </a:schemeClr>
+          </a:lnRef>
+          <a:fillRef idx="1">
+            <a:schemeClr val="accent3"/>
+          </a:fillRef>
+          <a:effectRef idx="0">
+            <a:schemeClr val="accent3"/>
+          </a:effectRef>
+          <a:fontRef idx="minor">
+            <a:schemeClr val="lt1"/>
+          </a:fontRef>
+        </p:style>
+        <p:txBody>
+          <a:bodyPr rtlCol="0" anchor="ctr"/>
+          <a:lstStyle/>
+          <a:p>
+            <a:pPr algn="ctr"/>
+            <a:r>
+              <a:rPr lang="ko-KR" altLang="en-US" sz="1000" dirty="0" smtClean="0"/>
+              <a:t>사용자</a:t>
+            </a:r>
+            <a:endParaRPr lang="en-US" altLang="ko-KR" sz="1000" dirty="0" smtClean="0"/>
+          </a:p>
+          <a:p>
+            <a:pPr algn="ctr"/>
+            <a:r>
+              <a:rPr lang="ko-KR" altLang="en-US" sz="1000" dirty="0" smtClean="0"/>
+              <a:t>아이</a:t>
+            </a:r>
+            <a:r>
+              <a:rPr lang="ko-KR" altLang="en-US" sz="1000" dirty="0"/>
+              <a:t>디</a:t>
+            </a:r>
+          </a:p>
+        </p:txBody>
+      </p:sp>
+      <p:sp>
+        <p:nvSpPr>
+          <p:cNvPr id="237" name="타원 236"/>
+          <p:cNvSpPr/>
+          <p:nvPr/>
+        </p:nvSpPr>
+        <p:spPr>
+          <a:xfrm>
+            <a:off x="8049939" y="4660545"/>
+            <a:ext cx="971580" cy="288032"/>
+          </a:xfrm>
+          <a:prstGeom prst="ellipse">
             <a:avLst/>
           </a:prstGeom>
         </p:spPr>
@@ -6180,43 +6169,378 @@
           <a:p>
             <a:pPr algn="ctr"/>
             <a:r>
-              <a:rPr lang="ko-KR" altLang="en-US" dirty="0" err="1" smtClean="0"/>
+              <a:rPr lang="ko-KR" altLang="en-US" sz="1000" dirty="0" smtClean="0"/>
+              <a:t>찬</a:t>
+            </a:r>
+            <a:r>
+              <a:rPr lang="en-US" altLang="ko-KR" sz="1000" dirty="0" smtClean="0"/>
+              <a:t>/</a:t>
+            </a:r>
+            <a:r>
+              <a:rPr lang="ko-KR" altLang="en-US" sz="1000" dirty="0" smtClean="0"/>
+              <a:t>반</a:t>
+            </a:r>
+            <a:endParaRPr lang="en-US" altLang="ko-KR" sz="1000" dirty="0" smtClean="0"/>
+          </a:p>
+          <a:p>
+            <a:pPr algn="ctr"/>
+            <a:r>
+              <a:rPr lang="ko-KR" altLang="en-US" sz="1000" dirty="0" smtClean="0"/>
+              <a:t>상</a:t>
+            </a:r>
+            <a:r>
+              <a:rPr lang="ko-KR" altLang="en-US" sz="1000" dirty="0"/>
+              <a:t>태</a:t>
+            </a:r>
+          </a:p>
+        </p:txBody>
+      </p:sp>
+      <p:sp>
+        <p:nvSpPr>
+          <p:cNvPr id="77" name="타원 76"/>
+          <p:cNvSpPr/>
+          <p:nvPr/>
+        </p:nvSpPr>
+        <p:spPr>
+          <a:xfrm>
+            <a:off x="3061367" y="-78147"/>
+            <a:ext cx="1007296" cy="288032"/>
+          </a:xfrm>
+          <a:prstGeom prst="ellipse">
+            <a:avLst/>
+          </a:prstGeom>
+        </p:spPr>
+        <p:style>
+          <a:lnRef idx="2">
+            <a:schemeClr val="accent1">
+              <a:shade val="50000"/>
+            </a:schemeClr>
+          </a:lnRef>
+          <a:fillRef idx="1">
+            <a:schemeClr val="accent1"/>
+          </a:fillRef>
+          <a:effectRef idx="0">
+            <a:schemeClr val="accent1"/>
+          </a:effectRef>
+          <a:fontRef idx="minor">
+            <a:schemeClr val="lt1"/>
+          </a:fontRef>
+        </p:style>
+        <p:txBody>
+          <a:bodyPr rtlCol="0" anchor="ctr"/>
+          <a:lstStyle/>
+          <a:p>
+            <a:pPr algn="ctr"/>
+            <a:r>
+              <a:rPr lang="en-US" altLang="ko-KR" sz="1000" dirty="0" smtClean="0"/>
+              <a:t>Display</a:t>
+            </a:r>
+            <a:r>
+              <a:rPr lang="ko-KR" altLang="en-US" sz="1000" dirty="0" smtClean="0"/>
+              <a:t>상태</a:t>
+            </a:r>
+            <a:endParaRPr lang="ko-KR" altLang="en-US" sz="1000" dirty="0"/>
+          </a:p>
+        </p:txBody>
+      </p:sp>
+      <p:sp>
+        <p:nvSpPr>
+          <p:cNvPr id="85" name="타원 84"/>
+          <p:cNvSpPr/>
+          <p:nvPr/>
+        </p:nvSpPr>
+        <p:spPr>
+          <a:xfrm>
+            <a:off x="-1345446" y="4315152"/>
+            <a:ext cx="995820" cy="288032"/>
+          </a:xfrm>
+          <a:prstGeom prst="ellipse">
+            <a:avLst/>
+          </a:prstGeom>
+        </p:spPr>
+        <p:style>
+          <a:lnRef idx="2">
+            <a:schemeClr val="accent1">
+              <a:shade val="50000"/>
+            </a:schemeClr>
+          </a:lnRef>
+          <a:fillRef idx="1">
+            <a:schemeClr val="accent1"/>
+          </a:fillRef>
+          <a:effectRef idx="0">
+            <a:schemeClr val="accent1"/>
+          </a:effectRef>
+          <a:fontRef idx="minor">
+            <a:schemeClr val="lt1"/>
+          </a:fontRef>
+        </p:style>
+        <p:txBody>
+          <a:bodyPr rtlCol="0" anchor="ctr"/>
+          <a:lstStyle/>
+          <a:p>
+            <a:pPr algn="ctr"/>
+            <a:r>
+              <a:rPr lang="ko-KR" altLang="en-US" sz="1000" dirty="0" smtClean="0"/>
+              <a:t>마감</a:t>
+            </a:r>
+            <a:r>
+              <a:rPr lang="ko-KR" altLang="en-US" sz="1000" dirty="0"/>
+              <a:t>일</a:t>
+            </a:r>
+          </a:p>
+        </p:txBody>
+      </p:sp>
+      <p:cxnSp>
+        <p:nvCxnSpPr>
+          <p:cNvPr id="30" name="직선 연결선 29"/>
+          <p:cNvCxnSpPr>
+            <a:stCxn id="59" idx="2"/>
+            <a:endCxn id="105" idx="0"/>
+          </p:cNvCxnSpPr>
+          <p:nvPr/>
+        </p:nvCxnSpPr>
+        <p:spPr>
+          <a:xfrm>
+            <a:off x="7122686" y="2237336"/>
+            <a:ext cx="19" cy="1893719"/>
+          </a:xfrm>
+          <a:prstGeom prst="line">
+            <a:avLst/>
+          </a:prstGeom>
+        </p:spPr>
+        <p:style>
+          <a:lnRef idx="1">
+            <a:schemeClr val="accent1"/>
+          </a:lnRef>
+          <a:fillRef idx="0">
+            <a:schemeClr val="accent1"/>
+          </a:fillRef>
+          <a:effectRef idx="0">
+            <a:schemeClr val="accent1"/>
+          </a:effectRef>
+          <a:fontRef idx="minor">
+            <a:schemeClr val="tx1"/>
+          </a:fontRef>
+        </p:style>
+      </p:cxnSp>
+      <p:sp>
+        <p:nvSpPr>
+          <p:cNvPr id="105" name="다이아몬드 104"/>
+          <p:cNvSpPr/>
+          <p:nvPr/>
+        </p:nvSpPr>
+        <p:spPr>
+          <a:xfrm>
+            <a:off x="6553465" y="4131055"/>
+            <a:ext cx="1138480" cy="792101"/>
+          </a:xfrm>
+          <a:prstGeom prst="diamond">
+            <a:avLst/>
+          </a:prstGeom>
+        </p:spPr>
+        <p:style>
+          <a:lnRef idx="2">
+            <a:schemeClr val="accent1">
+              <a:shade val="50000"/>
+            </a:schemeClr>
+          </a:lnRef>
+          <a:fillRef idx="1">
+            <a:schemeClr val="accent1"/>
+          </a:fillRef>
+          <a:effectRef idx="0">
+            <a:schemeClr val="accent1"/>
+          </a:effectRef>
+          <a:fontRef idx="minor">
+            <a:schemeClr val="lt1"/>
+          </a:fontRef>
+        </p:style>
+        <p:txBody>
+          <a:bodyPr rtlCol="0" anchor="ctr"/>
+          <a:lstStyle/>
+          <a:p>
+            <a:pPr algn="ctr"/>
+            <a:r>
+              <a:rPr lang="ko-KR" altLang="en-US" sz="1000" dirty="0" err="1"/>
               <a:t>댓글</a:t>
             </a:r>
-            <a:endParaRPr lang="en-US" altLang="ko-KR" dirty="0" smtClean="0"/>
-          </a:p>
-          <a:p>
-            <a:pPr algn="ctr"/>
-            <a:r>
-              <a:rPr lang="ko-KR" altLang="en-US" dirty="0" smtClean="0"/>
+            <a:endParaRPr lang="en-US" altLang="ko-KR" sz="1000" dirty="0"/>
+          </a:p>
+          <a:p>
+            <a:pPr algn="ctr"/>
+            <a:r>
+              <a:rPr lang="ko-KR" altLang="en-US" sz="1000" dirty="0"/>
               <a:t>찬</a:t>
             </a:r>
             <a:r>
-              <a:rPr lang="en-US" altLang="ko-KR" dirty="0" smtClean="0"/>
+              <a:rPr lang="en-US" altLang="ko-KR" sz="1000" dirty="0"/>
               <a:t>/</a:t>
             </a:r>
             <a:r>
-              <a:rPr lang="ko-KR" altLang="en-US" dirty="0" smtClean="0"/>
+              <a:rPr lang="ko-KR" altLang="en-US" sz="1000" dirty="0"/>
               <a:t>반</a:t>
             </a:r>
             <a:r>
-              <a:rPr lang="en-US" altLang="ko-KR" dirty="0"/>
+              <a:rPr lang="en-US" altLang="ko-KR" sz="1000" dirty="0"/>
               <a:t>T</a:t>
             </a:r>
-            <a:endParaRPr lang="ko-KR" altLang="en-US" dirty="0"/>
-          </a:p>
-        </p:txBody>
-      </p:sp>
-      <p:sp>
-        <p:nvSpPr>
-          <p:cNvPr id="234" name="타원 233"/>
+            <a:endParaRPr lang="ko-KR" altLang="en-US" sz="1000" dirty="0"/>
+          </a:p>
+        </p:txBody>
+      </p:sp>
+      <p:sp>
+        <p:nvSpPr>
+          <p:cNvPr id="108" name="직사각형 107"/>
           <p:cNvSpPr/>
           <p:nvPr/>
         </p:nvSpPr>
         <p:spPr>
           <a:xfrm>
-            <a:off x="7723496" y="3479250"/>
-            <a:ext cx="720080" cy="288032"/>
+            <a:off x="2906610" y="5580434"/>
+            <a:ext cx="1457294" cy="1024024"/>
+          </a:xfrm>
+          <a:prstGeom prst="rect">
+            <a:avLst/>
+          </a:prstGeom>
+        </p:spPr>
+        <p:style>
+          <a:lnRef idx="2">
+            <a:schemeClr val="accent1">
+              <a:shade val="50000"/>
+            </a:schemeClr>
+          </a:lnRef>
+          <a:fillRef idx="1">
+            <a:schemeClr val="accent1"/>
+          </a:fillRef>
+          <a:effectRef idx="0">
+            <a:schemeClr val="accent1"/>
+          </a:effectRef>
+          <a:fontRef idx="minor">
+            <a:schemeClr val="lt1"/>
+          </a:fontRef>
+        </p:style>
+        <p:txBody>
+          <a:bodyPr rtlCol="0" anchor="ctr"/>
+          <a:lstStyle/>
+          <a:p>
+            <a:pPr algn="ctr"/>
+            <a:r>
+              <a:rPr lang="ko-KR" altLang="en-US" sz="1000" dirty="0" smtClean="0"/>
+              <a:t>사용자</a:t>
+            </a:r>
+            <a:r>
+              <a:rPr lang="en-US" altLang="ko-KR" sz="1000" dirty="0" smtClean="0"/>
+              <a:t>T</a:t>
+            </a:r>
+            <a:endParaRPr lang="ko-KR" altLang="en-US" sz="1000" dirty="0"/>
+          </a:p>
+        </p:txBody>
+      </p:sp>
+      <p:sp>
+        <p:nvSpPr>
+          <p:cNvPr id="110" name="타원 109"/>
+          <p:cNvSpPr/>
+          <p:nvPr/>
+        </p:nvSpPr>
+        <p:spPr>
+          <a:xfrm>
+            <a:off x="2582574" y="4652193"/>
+            <a:ext cx="648072" cy="360040"/>
+          </a:xfrm>
+          <a:prstGeom prst="ellipse">
+            <a:avLst/>
+          </a:prstGeom>
+        </p:spPr>
+        <p:style>
+          <a:lnRef idx="2">
+            <a:schemeClr val="accent1">
+              <a:shade val="50000"/>
+            </a:schemeClr>
+          </a:lnRef>
+          <a:fillRef idx="1">
+            <a:schemeClr val="accent1"/>
+          </a:fillRef>
+          <a:effectRef idx="0">
+            <a:schemeClr val="accent1"/>
+          </a:effectRef>
+          <a:fontRef idx="minor">
+            <a:schemeClr val="lt1"/>
+          </a:fontRef>
+        </p:style>
+        <p:txBody>
+          <a:bodyPr rtlCol="0" anchor="ctr"/>
+          <a:lstStyle/>
+          <a:p>
+            <a:pPr algn="ctr"/>
+            <a:r>
+              <a:rPr lang="ko-KR" altLang="en-US" sz="1000" dirty="0" smtClean="0"/>
+              <a:t>전화번호</a:t>
+            </a:r>
+            <a:endParaRPr lang="ko-KR" altLang="en-US" sz="1000" dirty="0"/>
+          </a:p>
+        </p:txBody>
+      </p:sp>
+      <p:sp>
+        <p:nvSpPr>
+          <p:cNvPr id="111" name="타원 110"/>
+          <p:cNvSpPr/>
+          <p:nvPr/>
+        </p:nvSpPr>
+        <p:spPr>
+          <a:xfrm>
+            <a:off x="2713860" y="5018143"/>
+            <a:ext cx="1080120" cy="360040"/>
+          </a:xfrm>
+          <a:prstGeom prst="ellipse">
+            <a:avLst/>
+          </a:prstGeom>
+        </p:spPr>
+        <p:style>
+          <a:lnRef idx="2">
+            <a:schemeClr val="accent1">
+              <a:shade val="50000"/>
+            </a:schemeClr>
+          </a:lnRef>
+          <a:fillRef idx="1">
+            <a:schemeClr val="accent1"/>
+          </a:fillRef>
+          <a:effectRef idx="0">
+            <a:schemeClr val="accent1"/>
+          </a:effectRef>
+          <a:fontRef idx="minor">
+            <a:schemeClr val="lt1"/>
+          </a:fontRef>
+        </p:style>
+        <p:txBody>
+          <a:bodyPr rtlCol="0" anchor="ctr"/>
+          <a:lstStyle/>
+          <a:p>
+            <a:pPr algn="ctr"/>
+            <a:r>
+              <a:rPr lang="ko-KR" altLang="en-US" sz="1000" dirty="0" smtClean="0"/>
+              <a:t>사용자</a:t>
+            </a:r>
+            <a:endParaRPr lang="en-US" altLang="ko-KR" sz="1000" dirty="0" smtClean="0"/>
+          </a:p>
+          <a:p>
+            <a:pPr algn="ctr"/>
+            <a:r>
+              <a:rPr lang="ko-KR" altLang="en-US" sz="1000" dirty="0" smtClean="0"/>
+              <a:t>구분</a:t>
+            </a:r>
+            <a:endParaRPr lang="ko-KR" altLang="en-US" sz="1000" dirty="0"/>
+          </a:p>
+        </p:txBody>
+      </p:sp>
+      <p:sp>
+        <p:nvSpPr>
+          <p:cNvPr id="112" name="타원 111"/>
+          <p:cNvSpPr/>
+          <p:nvPr/>
+        </p:nvSpPr>
+        <p:spPr>
+          <a:xfrm>
+            <a:off x="2437154" y="5258105"/>
+            <a:ext cx="900100" cy="360040"/>
           </a:xfrm>
           <a:prstGeom prst="ellipse">
             <a:avLst/>
@@ -6244,31 +6568,372 @@
           <a:p>
             <a:pPr algn="ctr"/>
             <a:r>
-              <a:rPr lang="ko-KR" altLang="en-US" sz="1000" u="sng" dirty="0" smtClean="0"/>
-              <a:t>찬</a:t>
-            </a:r>
-            <a:r>
-              <a:rPr lang="en-US" altLang="ko-KR" sz="1000" u="sng" dirty="0" smtClean="0"/>
-              <a:t>/</a:t>
-            </a:r>
-            <a:r>
-              <a:rPr lang="ko-KR" altLang="en-US" sz="1000" u="sng" dirty="0" err="1" smtClean="0"/>
-              <a:t>반번호</a:t>
-            </a:r>
-            <a:endParaRPr lang="ko-KR" altLang="en-US" sz="1000" u="sng" dirty="0"/>
-          </a:p>
-        </p:txBody>
-      </p:sp>
-      <p:sp>
-        <p:nvSpPr>
-          <p:cNvPr id="235" name="타원 234"/>
+              <a:rPr lang="ko-KR" altLang="en-US" sz="1000" dirty="0" smtClean="0"/>
+              <a:t>사용자</a:t>
+            </a:r>
+            <a:endParaRPr lang="en-US" altLang="ko-KR" sz="1000" dirty="0" smtClean="0"/>
+          </a:p>
+          <a:p>
+            <a:pPr algn="ctr"/>
+            <a:r>
+              <a:rPr lang="en-US" altLang="ko-KR" sz="1000" dirty="0" smtClean="0"/>
+              <a:t>E-mail</a:t>
+            </a:r>
+            <a:endParaRPr lang="ko-KR" altLang="en-US" sz="1000" dirty="0"/>
+          </a:p>
+        </p:txBody>
+      </p:sp>
+      <p:sp>
+        <p:nvSpPr>
+          <p:cNvPr id="113" name="타원 112"/>
           <p:cNvSpPr/>
           <p:nvPr/>
         </p:nvSpPr>
         <p:spPr>
           <a:xfrm>
-            <a:off x="7723496" y="3805478"/>
-            <a:ext cx="720080" cy="288032"/>
+            <a:off x="3722855" y="5256398"/>
+            <a:ext cx="648072" cy="360040"/>
+          </a:xfrm>
+          <a:prstGeom prst="ellipse">
+            <a:avLst/>
+          </a:prstGeom>
+        </p:spPr>
+        <p:style>
+          <a:lnRef idx="2">
+            <a:schemeClr val="accent1">
+              <a:shade val="50000"/>
+            </a:schemeClr>
+          </a:lnRef>
+          <a:fillRef idx="1">
+            <a:schemeClr val="accent1"/>
+          </a:fillRef>
+          <a:effectRef idx="0">
+            <a:schemeClr val="accent1"/>
+          </a:effectRef>
+          <a:fontRef idx="minor">
+            <a:schemeClr val="lt1"/>
+          </a:fontRef>
+        </p:style>
+        <p:txBody>
+          <a:bodyPr rtlCol="0" anchor="ctr"/>
+          <a:lstStyle/>
+          <a:p>
+            <a:pPr algn="ctr"/>
+            <a:r>
+              <a:rPr lang="ko-KR" altLang="en-US" sz="1000" dirty="0" smtClean="0"/>
+              <a:t>성별</a:t>
+            </a:r>
+            <a:endParaRPr lang="ko-KR" altLang="en-US" sz="1000" dirty="0"/>
+          </a:p>
+        </p:txBody>
+      </p:sp>
+      <p:sp>
+        <p:nvSpPr>
+          <p:cNvPr id="121" name="타원 120"/>
+          <p:cNvSpPr/>
+          <p:nvPr/>
+        </p:nvSpPr>
+        <p:spPr>
+          <a:xfrm>
+            <a:off x="3228380" y="4665420"/>
+            <a:ext cx="648072" cy="360040"/>
+          </a:xfrm>
+          <a:prstGeom prst="ellipse">
+            <a:avLst/>
+          </a:prstGeom>
+        </p:spPr>
+        <p:style>
+          <a:lnRef idx="2">
+            <a:schemeClr val="accent1">
+              <a:shade val="50000"/>
+            </a:schemeClr>
+          </a:lnRef>
+          <a:fillRef idx="1">
+            <a:schemeClr val="accent1"/>
+          </a:fillRef>
+          <a:effectRef idx="0">
+            <a:schemeClr val="accent1"/>
+          </a:effectRef>
+          <a:fontRef idx="minor">
+            <a:schemeClr val="lt1"/>
+          </a:fontRef>
+        </p:style>
+        <p:txBody>
+          <a:bodyPr rtlCol="0" anchor="ctr"/>
+          <a:lstStyle/>
+          <a:p>
+            <a:pPr algn="ctr"/>
+            <a:r>
+              <a:rPr lang="ko-KR" altLang="en-US" sz="1000" dirty="0" smtClean="0"/>
+              <a:t>비밀번</a:t>
+            </a:r>
+            <a:r>
+              <a:rPr lang="ko-KR" altLang="en-US" sz="1000" dirty="0"/>
+              <a:t>호</a:t>
+            </a:r>
+          </a:p>
+        </p:txBody>
+      </p:sp>
+      <p:sp>
+        <p:nvSpPr>
+          <p:cNvPr id="123" name="타원 122"/>
+          <p:cNvSpPr/>
+          <p:nvPr/>
+        </p:nvSpPr>
+        <p:spPr>
+          <a:xfrm>
+            <a:off x="4260065" y="5243065"/>
+            <a:ext cx="648072" cy="360040"/>
+          </a:xfrm>
+          <a:prstGeom prst="ellipse">
+            <a:avLst/>
+          </a:prstGeom>
+        </p:spPr>
+        <p:style>
+          <a:lnRef idx="2">
+            <a:schemeClr val="accent1">
+              <a:shade val="50000"/>
+            </a:schemeClr>
+          </a:lnRef>
+          <a:fillRef idx="1">
+            <a:schemeClr val="accent1"/>
+          </a:fillRef>
+          <a:effectRef idx="0">
+            <a:schemeClr val="accent1"/>
+          </a:effectRef>
+          <a:fontRef idx="minor">
+            <a:schemeClr val="lt1"/>
+          </a:fontRef>
+        </p:style>
+        <p:txBody>
+          <a:bodyPr rtlCol="0" anchor="ctr"/>
+          <a:lstStyle/>
+          <a:p>
+            <a:pPr algn="ctr"/>
+            <a:r>
+              <a:rPr lang="ko-KR" altLang="en-US" sz="1000" dirty="0" smtClean="0"/>
+              <a:t>이름</a:t>
+            </a:r>
+            <a:endParaRPr lang="ko-KR" altLang="en-US" sz="1000" dirty="0"/>
+          </a:p>
+        </p:txBody>
+      </p:sp>
+      <p:sp>
+        <p:nvSpPr>
+          <p:cNvPr id="124" name="타원 123"/>
+          <p:cNvSpPr/>
+          <p:nvPr/>
+        </p:nvSpPr>
+        <p:spPr>
+          <a:xfrm>
+            <a:off x="2967515" y="4312484"/>
+            <a:ext cx="1079376" cy="360040"/>
+          </a:xfrm>
+          <a:prstGeom prst="ellipse">
+            <a:avLst/>
+          </a:prstGeom>
+        </p:spPr>
+        <p:style>
+          <a:lnRef idx="2">
+            <a:schemeClr val="accent1">
+              <a:shade val="50000"/>
+            </a:schemeClr>
+          </a:lnRef>
+          <a:fillRef idx="1">
+            <a:schemeClr val="accent1"/>
+          </a:fillRef>
+          <a:effectRef idx="0">
+            <a:schemeClr val="accent1"/>
+          </a:effectRef>
+          <a:fontRef idx="minor">
+            <a:schemeClr val="lt1"/>
+          </a:fontRef>
+        </p:style>
+        <p:txBody>
+          <a:bodyPr rtlCol="0" anchor="ctr"/>
+          <a:lstStyle/>
+          <a:p>
+            <a:pPr algn="ctr"/>
+            <a:r>
+              <a:rPr lang="ko-KR" altLang="en-US" sz="1000" dirty="0" smtClean="0"/>
+              <a:t>기관인증</a:t>
+            </a:r>
+            <a:endParaRPr lang="en-US" altLang="ko-KR" sz="1000" dirty="0" smtClean="0"/>
+          </a:p>
+          <a:p>
+            <a:pPr algn="ctr"/>
+            <a:r>
+              <a:rPr lang="ko-KR" altLang="en-US" sz="1000" dirty="0" smtClean="0"/>
+              <a:t>첨부파</a:t>
+            </a:r>
+            <a:r>
+              <a:rPr lang="ko-KR" altLang="en-US" sz="1000" dirty="0"/>
+              <a:t>일</a:t>
+            </a:r>
+          </a:p>
+        </p:txBody>
+      </p:sp>
+      <p:sp>
+        <p:nvSpPr>
+          <p:cNvPr id="126" name="타원 125"/>
+          <p:cNvSpPr/>
+          <p:nvPr/>
+        </p:nvSpPr>
+        <p:spPr>
+          <a:xfrm>
+            <a:off x="3752865" y="4926744"/>
+            <a:ext cx="1032656" cy="360040"/>
+          </a:xfrm>
+          <a:prstGeom prst="ellipse">
+            <a:avLst/>
+          </a:prstGeom>
+        </p:spPr>
+        <p:style>
+          <a:lnRef idx="2">
+            <a:schemeClr val="accent1">
+              <a:shade val="50000"/>
+            </a:schemeClr>
+          </a:lnRef>
+          <a:fillRef idx="1">
+            <a:schemeClr val="accent1"/>
+          </a:fillRef>
+          <a:effectRef idx="0">
+            <a:schemeClr val="accent1"/>
+          </a:effectRef>
+          <a:fontRef idx="minor">
+            <a:schemeClr val="lt1"/>
+          </a:fontRef>
+        </p:style>
+        <p:txBody>
+          <a:bodyPr rtlCol="0" anchor="ctr"/>
+          <a:lstStyle/>
+          <a:p>
+            <a:pPr algn="ctr"/>
+            <a:r>
+              <a:rPr lang="ko-KR" altLang="en-US" sz="1000" dirty="0" smtClean="0"/>
+              <a:t>생년월일</a:t>
+            </a:r>
+            <a:endParaRPr lang="ko-KR" altLang="en-US" sz="1000" dirty="0"/>
+          </a:p>
+        </p:txBody>
+      </p:sp>
+      <p:sp>
+        <p:nvSpPr>
+          <p:cNvPr id="127" name="타원 126"/>
+          <p:cNvSpPr/>
+          <p:nvPr/>
+        </p:nvSpPr>
+        <p:spPr>
+          <a:xfrm>
+            <a:off x="3876452" y="4608511"/>
+            <a:ext cx="710940" cy="360040"/>
+          </a:xfrm>
+          <a:prstGeom prst="ellipse">
+            <a:avLst/>
+          </a:prstGeom>
+        </p:spPr>
+        <p:style>
+          <a:lnRef idx="2">
+            <a:schemeClr val="accent1">
+              <a:shade val="50000"/>
+            </a:schemeClr>
+          </a:lnRef>
+          <a:fillRef idx="1">
+            <a:schemeClr val="accent1"/>
+          </a:fillRef>
+          <a:effectRef idx="0">
+            <a:schemeClr val="accent1"/>
+          </a:effectRef>
+          <a:fontRef idx="minor">
+            <a:schemeClr val="lt1"/>
+          </a:fontRef>
+        </p:style>
+        <p:txBody>
+          <a:bodyPr rtlCol="0" anchor="ctr"/>
+          <a:lstStyle/>
+          <a:p>
+            <a:pPr algn="ctr"/>
+            <a:r>
+              <a:rPr lang="ko-KR" altLang="en-US" sz="1000" dirty="0" smtClean="0"/>
+              <a:t>탈퇴</a:t>
+            </a:r>
+            <a:endParaRPr lang="en-US" altLang="ko-KR" sz="1000" dirty="0" smtClean="0"/>
+          </a:p>
+          <a:p>
+            <a:pPr algn="ctr"/>
+            <a:r>
+              <a:rPr lang="ko-KR" altLang="en-US" sz="1000" dirty="0" smtClean="0"/>
+              <a:t>여부</a:t>
+            </a:r>
+            <a:endParaRPr lang="ko-KR" altLang="en-US" sz="1000" dirty="0"/>
+          </a:p>
+        </p:txBody>
+      </p:sp>
+      <p:sp>
+        <p:nvSpPr>
+          <p:cNvPr id="129" name="타원 128"/>
+          <p:cNvSpPr/>
+          <p:nvPr/>
+        </p:nvSpPr>
+        <p:spPr>
+          <a:xfrm>
+            <a:off x="-203483" y="7170119"/>
+            <a:ext cx="1224136" cy="360040"/>
+          </a:xfrm>
+          <a:prstGeom prst="ellipse">
+            <a:avLst/>
+          </a:prstGeom>
+        </p:spPr>
+        <p:style>
+          <a:lnRef idx="2">
+            <a:schemeClr val="accent2">
+              <a:shade val="50000"/>
+            </a:schemeClr>
+          </a:lnRef>
+          <a:fillRef idx="1">
+            <a:schemeClr val="accent2"/>
+          </a:fillRef>
+          <a:effectRef idx="0">
+            <a:schemeClr val="accent2"/>
+          </a:effectRef>
+          <a:fontRef idx="minor">
+            <a:schemeClr val="lt1"/>
+          </a:fontRef>
+        </p:style>
+        <p:txBody>
+          <a:bodyPr rtlCol="0" anchor="ctr"/>
+          <a:lstStyle/>
+          <a:p>
+            <a:pPr algn="ctr"/>
+            <a:r>
+              <a:rPr lang="ko-KR" altLang="en-US" sz="1000" dirty="0" smtClean="0"/>
+              <a:t>인증테이블</a:t>
+            </a:r>
+            <a:endParaRPr lang="en-US" altLang="ko-KR" sz="1000" dirty="0" smtClean="0"/>
+          </a:p>
+          <a:p>
+            <a:pPr algn="ctr"/>
+            <a:r>
+              <a:rPr lang="ko-KR" altLang="en-US" sz="1000" dirty="0" smtClean="0"/>
+              <a:t>번</a:t>
+            </a:r>
+            <a:r>
+              <a:rPr lang="ko-KR" altLang="en-US" sz="1000" dirty="0"/>
+              <a:t>호</a:t>
+            </a:r>
+          </a:p>
+        </p:txBody>
+      </p:sp>
+      <p:sp>
+        <p:nvSpPr>
+          <p:cNvPr id="130" name="타원 129"/>
+          <p:cNvSpPr/>
+          <p:nvPr/>
+        </p:nvSpPr>
+        <p:spPr>
+          <a:xfrm>
+            <a:off x="1014941" y="7166983"/>
+            <a:ext cx="846206" cy="360040"/>
           </a:xfrm>
           <a:prstGeom prst="ellipse">
             <a:avLst/>
@@ -6296,8 +6961,16 @@
           <a:p>
             <a:pPr algn="ctr"/>
             <a:r>
-              <a:rPr lang="ko-KR" altLang="en-US" sz="1000" smtClean="0"/>
-              <a:t>댓글번호</a:t>
+              <a:rPr lang="ko-KR" altLang="en-US" sz="1000" dirty="0" smtClean="0"/>
+              <a:t>사용자</a:t>
+            </a:r>
+            <a:endParaRPr lang="en-US" altLang="ko-KR" sz="1000" dirty="0" smtClean="0"/>
+          </a:p>
+          <a:p>
+            <a:pPr algn="ctr"/>
+            <a:r>
+              <a:rPr lang="en-US" altLang="ko-KR" sz="1000" dirty="0" smtClean="0"/>
+              <a:t>E-mail</a:t>
             </a:r>
             <a:endParaRPr lang="ko-KR" altLang="en-US" sz="1000" dirty="0"/>
           </a:p>
@@ -6305,16 +6978,16 @@
       </p:sp>
       <p:sp>
         <p:nvSpPr>
-          <p:cNvPr id="236" name="타원 235"/>
+          <p:cNvPr id="131" name="직사각형 130"/>
           <p:cNvSpPr/>
           <p:nvPr/>
         </p:nvSpPr>
         <p:spPr>
           <a:xfrm>
-            <a:off x="7622954" y="4109400"/>
-            <a:ext cx="981314" cy="288032"/>
-          </a:xfrm>
-          <a:prstGeom prst="ellipse">
+            <a:off x="408585" y="7597675"/>
+            <a:ext cx="828316" cy="720080"/>
+          </a:xfrm>
+          <a:prstGeom prst="rect">
             <a:avLst/>
           </a:prstGeom>
         </p:spPr>
@@ -6341,33 +7014,26 @@
             <a:pPr algn="ctr"/>
             <a:r>
               <a:rPr lang="ko-KR" altLang="en-US" sz="1000" dirty="0" smtClean="0"/>
-              <a:t>사용자</a:t>
-            </a:r>
-            <a:endParaRPr lang="en-US" altLang="ko-KR" sz="1000" dirty="0" smtClean="0"/>
-          </a:p>
-          <a:p>
-            <a:pPr algn="ctr"/>
-            <a:r>
-              <a:rPr lang="ko-KR" altLang="en-US" sz="1000" dirty="0" smtClean="0"/>
-              <a:t>아이</a:t>
-            </a:r>
-            <a:r>
-              <a:rPr lang="ko-KR" altLang="en-US" sz="1000" dirty="0"/>
-              <a:t>디</a:t>
-            </a:r>
-          </a:p>
-        </p:txBody>
-      </p:sp>
-      <p:sp>
-        <p:nvSpPr>
-          <p:cNvPr id="237" name="타원 236"/>
+              <a:t>본인인증</a:t>
+            </a:r>
+            <a:r>
+              <a:rPr lang="en-US" altLang="ko-KR" sz="1000" dirty="0" smtClean="0"/>
+              <a:t>T</a:t>
+            </a:r>
+            <a:endParaRPr lang="ko-KR" altLang="en-US" sz="1000" dirty="0"/>
+          </a:p>
+        </p:txBody>
+      </p:sp>
+      <p:sp>
+        <p:nvSpPr>
+          <p:cNvPr id="132" name="타원 131"/>
           <p:cNvSpPr/>
           <p:nvPr/>
         </p:nvSpPr>
         <p:spPr>
           <a:xfrm>
-            <a:off x="7591394" y="4445835"/>
-            <a:ext cx="971580" cy="288032"/>
+            <a:off x="463465" y="6806943"/>
+            <a:ext cx="1035512" cy="360040"/>
           </a:xfrm>
           <a:prstGeom prst="ellipse">
             <a:avLst/>
@@ -6395,16 +7061,8 @@
           <a:p>
             <a:pPr algn="ctr"/>
             <a:r>
-              <a:rPr lang="ko-KR" altLang="en-US" sz="1000" dirty="0" smtClean="0"/>
-              <a:t>찬</a:t>
-            </a:r>
-            <a:r>
-              <a:rPr lang="en-US" altLang="ko-KR" sz="1000" dirty="0" smtClean="0"/>
-              <a:t>/</a:t>
-            </a:r>
-            <a:r>
-              <a:rPr lang="ko-KR" altLang="en-US" sz="1000" dirty="0" smtClean="0"/>
-              <a:t>반</a:t>
+              <a:rPr lang="ko-KR" altLang="en-US" sz="1000" smtClean="0"/>
+              <a:t>본인인증</a:t>
             </a:r>
             <a:endParaRPr lang="en-US" altLang="ko-KR" sz="1000" dirty="0" smtClean="0"/>
           </a:p>
@@ -6412,27 +7070,27 @@
             <a:pPr algn="ctr"/>
             <a:r>
               <a:rPr lang="ko-KR" altLang="en-US" sz="1000" dirty="0" smtClean="0"/>
-              <a:t>상</a:t>
+              <a:t>여</a:t>
             </a:r>
             <a:r>
               <a:rPr lang="ko-KR" altLang="en-US" sz="1000" dirty="0"/>
-              <a:t>태</a:t>
-            </a:r>
-          </a:p>
-        </p:txBody>
-      </p:sp>
-      <p:sp>
-        <p:nvSpPr>
-          <p:cNvPr id="239" name="다이아몬드 238"/>
+              <a:t>부</a:t>
+            </a:r>
+          </a:p>
+        </p:txBody>
+      </p:sp>
+      <p:sp>
+        <p:nvSpPr>
+          <p:cNvPr id="133" name="타원 132"/>
           <p:cNvSpPr/>
           <p:nvPr/>
         </p:nvSpPr>
         <p:spPr>
           <a:xfrm>
-            <a:off x="6663622" y="2799874"/>
-            <a:ext cx="933940" cy="432048"/>
-          </a:xfrm>
-          <a:prstGeom prst="diamond">
+            <a:off x="-184607" y="6809565"/>
+            <a:ext cx="648072" cy="360040"/>
+          </a:xfrm>
+          <a:prstGeom prst="ellipse">
             <a:avLst/>
           </a:prstGeom>
         </p:spPr>
@@ -6459,7 +7117,106 @@
             <a:pPr algn="ctr"/>
             <a:r>
               <a:rPr lang="ko-KR" altLang="en-US" sz="1000" dirty="0" smtClean="0"/>
-              <a:t>의견</a:t>
+              <a:t>발송시</a:t>
+            </a:r>
+            <a:r>
+              <a:rPr lang="ko-KR" altLang="en-US" sz="1000" dirty="0"/>
+              <a:t>간</a:t>
+            </a:r>
+          </a:p>
+        </p:txBody>
+      </p:sp>
+      <p:sp>
+        <p:nvSpPr>
+          <p:cNvPr id="134" name="다이아몬드 133"/>
+          <p:cNvSpPr/>
+          <p:nvPr/>
+        </p:nvSpPr>
+        <p:spPr>
+          <a:xfrm>
+            <a:off x="1910998" y="7669683"/>
+            <a:ext cx="1008112" cy="576064"/>
+          </a:xfrm>
+          <a:prstGeom prst="diamond">
+            <a:avLst/>
+          </a:prstGeom>
+        </p:spPr>
+        <p:style>
+          <a:lnRef idx="2">
+            <a:schemeClr val="accent1">
+              <a:shade val="50000"/>
+            </a:schemeClr>
+          </a:lnRef>
+          <a:fillRef idx="1">
+            <a:schemeClr val="accent1"/>
+          </a:fillRef>
+          <a:effectRef idx="0">
+            <a:schemeClr val="accent1"/>
+          </a:effectRef>
+          <a:fontRef idx="minor">
+            <a:schemeClr val="lt1"/>
+          </a:fontRef>
+        </p:style>
+        <p:txBody>
+          <a:bodyPr rtlCol="0" anchor="ctr"/>
+          <a:lstStyle/>
+          <a:p>
+            <a:pPr algn="ctr"/>
+            <a:r>
+              <a:rPr lang="ko-KR" altLang="en-US" sz="1000" dirty="0" smtClean="0"/>
+              <a:t>인증</a:t>
+            </a:r>
+            <a:endParaRPr lang="ko-KR" altLang="en-US" sz="1000" dirty="0"/>
+          </a:p>
+        </p:txBody>
+      </p:sp>
+      <p:sp>
+        <p:nvSpPr>
+          <p:cNvPr id="137" name="타원 136"/>
+          <p:cNvSpPr/>
+          <p:nvPr/>
+        </p:nvSpPr>
+        <p:spPr>
+          <a:xfrm>
+            <a:off x="1537111" y="6810079"/>
+            <a:ext cx="633634" cy="360040"/>
+          </a:xfrm>
+          <a:prstGeom prst="ellipse">
+            <a:avLst/>
+          </a:prstGeom>
+        </p:spPr>
+        <p:style>
+          <a:lnRef idx="2">
+            <a:schemeClr val="accent1">
+              <a:shade val="50000"/>
+            </a:schemeClr>
+          </a:lnRef>
+          <a:fillRef idx="1">
+            <a:schemeClr val="accent1"/>
+          </a:fillRef>
+          <a:effectRef idx="0">
+            <a:schemeClr val="accent1"/>
+          </a:effectRef>
+          <a:fontRef idx="minor">
+            <a:schemeClr val="lt1"/>
+          </a:fontRef>
+        </p:style>
+        <p:txBody>
+          <a:bodyPr rtlCol="0" anchor="ctr"/>
+          <a:lstStyle/>
+          <a:p>
+            <a:pPr algn="ctr"/>
+            <a:r>
+              <a:rPr lang="ko-KR" altLang="en-US" sz="1000" dirty="0" smtClean="0"/>
+              <a:t>랜덤</a:t>
+            </a:r>
+            <a:endParaRPr lang="en-US" altLang="ko-KR" sz="1000" dirty="0" smtClean="0"/>
+          </a:p>
+          <a:p>
+            <a:pPr algn="ctr"/>
+            <a:r>
+              <a:rPr lang="ko-KR" altLang="en-US" sz="1000" dirty="0" smtClean="0"/>
+              <a:t>숫자</a:t>
             </a:r>
             <a:endParaRPr lang="ko-KR" altLang="en-US" sz="1000" dirty="0"/>
           </a:p>
@@ -6467,17 +7224,17 @@
       </p:sp>
       <p:cxnSp>
         <p:nvCxnSpPr>
-          <p:cNvPr id="241" name="직선 연결선 240"/>
+          <p:cNvPr id="251" name="직선 연결선 250"/>
           <p:cNvCxnSpPr>
-            <a:stCxn id="59" idx="2"/>
-            <a:endCxn id="239" idx="0"/>
+            <a:stCxn id="131" idx="3"/>
+            <a:endCxn id="134" idx="1"/>
           </p:cNvCxnSpPr>
           <p:nvPr/>
         </p:nvCxnSpPr>
         <p:spPr>
           <a:xfrm>
-            <a:off x="7122686" y="2237336"/>
-            <a:ext cx="7906" cy="562538"/>
+            <a:off x="1236901" y="7957715"/>
+            <a:ext cx="674097" cy="0"/>
           </a:xfrm>
           <a:prstGeom prst="line">
             <a:avLst/>
@@ -6500,17 +7257,683 @@
       </p:cxnSp>
       <p:cxnSp>
         <p:nvCxnSpPr>
-          <p:cNvPr id="243" name="직선 연결선 242"/>
+          <p:cNvPr id="254" name="직선 연결선 253"/>
           <p:cNvCxnSpPr>
-            <a:stCxn id="239" idx="2"/>
-            <a:endCxn id="231" idx="0"/>
+            <a:stCxn id="108" idx="2"/>
+            <a:endCxn id="134" idx="0"/>
           </p:cNvCxnSpPr>
           <p:nvPr/>
         </p:nvCxnSpPr>
         <p:spPr>
-          <a:xfrm>
-            <a:off x="7130592" y="3231922"/>
-            <a:ext cx="23754" cy="445721"/>
+          <a:xfrm flipH="1">
+            <a:off x="2415054" y="6604458"/>
+            <a:ext cx="1220203" cy="1065225"/>
+          </a:xfrm>
+          <a:prstGeom prst="line">
+            <a:avLst/>
+          </a:prstGeom>
+        </p:spPr>
+        <p:style>
+          <a:lnRef idx="1">
+            <a:schemeClr val="accent1"/>
+          </a:lnRef>
+          <a:fillRef idx="0">
+            <a:schemeClr val="accent1"/>
+          </a:fillRef>
+          <a:effectRef idx="0">
+            <a:schemeClr val="accent1"/>
+          </a:effectRef>
+          <a:fontRef idx="minor">
+            <a:schemeClr val="tx1"/>
+          </a:fontRef>
+        </p:style>
+      </p:cxnSp>
+      <p:cxnSp>
+        <p:nvCxnSpPr>
+          <p:cNvPr id="32" name="직선 연결선 31"/>
+          <p:cNvCxnSpPr>
+            <a:stCxn id="105" idx="2"/>
+            <a:endCxn id="108" idx="3"/>
+          </p:cNvCxnSpPr>
+          <p:nvPr/>
+        </p:nvCxnSpPr>
+        <p:spPr>
+          <a:xfrm flipH="1">
+            <a:off x="4363904" y="4923156"/>
+            <a:ext cx="2758801" cy="1169290"/>
+          </a:xfrm>
+          <a:prstGeom prst="line">
+            <a:avLst/>
+          </a:prstGeom>
+        </p:spPr>
+        <p:style>
+          <a:lnRef idx="1">
+            <a:schemeClr val="accent1"/>
+          </a:lnRef>
+          <a:fillRef idx="0">
+            <a:schemeClr val="accent1"/>
+          </a:fillRef>
+          <a:effectRef idx="0">
+            <a:schemeClr val="accent1"/>
+          </a:effectRef>
+          <a:fontRef idx="minor">
+            <a:schemeClr val="tx1"/>
+          </a:fontRef>
+        </p:style>
+      </p:cxnSp>
+      <p:sp>
+        <p:nvSpPr>
+          <p:cNvPr id="37" name="TextBox 36"/>
+          <p:cNvSpPr txBox="1"/>
+          <p:nvPr/>
+        </p:nvSpPr>
+        <p:spPr>
+          <a:xfrm>
+            <a:off x="10548664" y="5369098"/>
+            <a:ext cx="2808312" cy="1169551"/>
+          </a:xfrm>
+          <a:prstGeom prst="rect">
+            <a:avLst/>
+          </a:prstGeom>
+          <a:noFill/>
+        </p:spPr>
+        <p:txBody>
+          <a:bodyPr wrap="square" rtlCol="0">
+            <a:spAutoFit/>
+          </a:bodyPr>
+          <a:lstStyle/>
+          <a:p>
+            <a:r>
+              <a:rPr lang="en-US" altLang="ko-KR" sz="1000" dirty="0" smtClean="0"/>
+              <a:t>1:1</a:t>
+            </a:r>
+            <a:r>
+              <a:rPr lang="ko-KR" altLang="en-US" sz="1000" dirty="0" smtClean="0"/>
+              <a:t>문의에도 첨부파일이 </a:t>
+            </a:r>
+            <a:r>
+              <a:rPr lang="ko-KR" altLang="en-US" sz="1000" dirty="0" err="1" smtClean="0"/>
+              <a:t>있어야하는데</a:t>
+            </a:r>
+            <a:r>
+              <a:rPr lang="en-US" altLang="ko-KR" sz="1000" dirty="0" smtClean="0"/>
+              <a:t>,</a:t>
+            </a:r>
+          </a:p>
+          <a:p>
+            <a:r>
+              <a:rPr lang="ko-KR" altLang="en-US" sz="1000" dirty="0" smtClean="0"/>
+              <a:t>그럼 첨부파일</a:t>
+            </a:r>
+            <a:r>
+              <a:rPr lang="en-US" altLang="ko-KR" sz="1000" dirty="0" smtClean="0"/>
+              <a:t>T</a:t>
+            </a:r>
+            <a:r>
+              <a:rPr lang="ko-KR" altLang="en-US" sz="1000" dirty="0" smtClean="0"/>
+              <a:t>에 연결시키려니 이것은 게시물 번호가 아니고 </a:t>
+            </a:r>
+            <a:r>
+              <a:rPr lang="en-US" altLang="ko-KR" sz="1000" dirty="0" smtClean="0"/>
+              <a:t>1:1</a:t>
+            </a:r>
+            <a:r>
+              <a:rPr lang="ko-KR" altLang="en-US" sz="1000" dirty="0" err="1" smtClean="0"/>
+              <a:t>문의에대한건데</a:t>
+            </a:r>
+            <a:r>
+              <a:rPr lang="ko-KR" altLang="en-US" sz="1000" dirty="0" smtClean="0"/>
+              <a:t> 그러면</a:t>
+            </a:r>
+            <a:endParaRPr lang="en-US" altLang="ko-KR" sz="1000" dirty="0" smtClean="0"/>
+          </a:p>
+          <a:p>
+            <a:r>
+              <a:rPr lang="ko-KR" altLang="en-US" sz="1000" dirty="0" smtClean="0"/>
+              <a:t>첨부파일에 속성을 추가하여야 하나</a:t>
+            </a:r>
+            <a:r>
+              <a:rPr lang="en-US" altLang="ko-KR" sz="1000" dirty="0" smtClean="0"/>
+              <a:t>?</a:t>
+            </a:r>
+          </a:p>
+          <a:p>
+            <a:r>
+              <a:rPr lang="en-US" altLang="ko-KR" sz="1000" dirty="0" smtClean="0">
+                <a:sym typeface="Wingdings" pitchFamily="2" charset="2"/>
+              </a:rPr>
+              <a:t></a:t>
+            </a:r>
+          </a:p>
+          <a:p>
+            <a:r>
+              <a:rPr lang="ko-KR" altLang="en-US" sz="1000" dirty="0" smtClean="0">
+                <a:sym typeface="Wingdings" pitchFamily="2" charset="2"/>
+              </a:rPr>
+              <a:t>첨부파일을 만들지 않고 게시물테이블에 </a:t>
+            </a:r>
+            <a:r>
+              <a:rPr lang="ko-KR" altLang="en-US" sz="1000" dirty="0" err="1" smtClean="0">
+                <a:sym typeface="Wingdings" pitchFamily="2" charset="2"/>
+              </a:rPr>
+              <a:t>합치기로함</a:t>
+            </a:r>
+            <a:endParaRPr lang="en-US" altLang="ko-KR" sz="1000" dirty="0" smtClean="0">
+              <a:sym typeface="Wingdings" pitchFamily="2" charset="2"/>
+            </a:endParaRPr>
+          </a:p>
+        </p:txBody>
+      </p:sp>
+      <p:sp>
+        <p:nvSpPr>
+          <p:cNvPr id="38" name="TextBox 37"/>
+          <p:cNvSpPr txBox="1"/>
+          <p:nvPr/>
+        </p:nvSpPr>
+        <p:spPr>
+          <a:xfrm>
+            <a:off x="10319003" y="-195815"/>
+            <a:ext cx="2194663" cy="553998"/>
+          </a:xfrm>
+          <a:prstGeom prst="rect">
+            <a:avLst/>
+          </a:prstGeom>
+          <a:noFill/>
+        </p:spPr>
+        <p:txBody>
+          <a:bodyPr wrap="square" rtlCol="0">
+            <a:spAutoFit/>
+          </a:bodyPr>
+          <a:lstStyle/>
+          <a:p>
+            <a:r>
+              <a:rPr lang="ko-KR" altLang="en-US" sz="1000" dirty="0" smtClean="0"/>
+              <a:t>공지사항 </a:t>
+            </a:r>
+            <a:r>
+              <a:rPr lang="en-US" altLang="ko-KR" sz="1000" dirty="0" smtClean="0"/>
+              <a:t>FAQ, </a:t>
+            </a:r>
+            <a:r>
+              <a:rPr lang="ko-KR" altLang="en-US" sz="1000" dirty="0" smtClean="0"/>
+              <a:t>페이지 소개 </a:t>
+            </a:r>
+            <a:r>
+              <a:rPr lang="ko-KR" altLang="en-US" sz="1000" dirty="0" err="1" smtClean="0"/>
+              <a:t>이런것들도</a:t>
+            </a:r>
+            <a:r>
+              <a:rPr lang="ko-KR" altLang="en-US" sz="1000" dirty="0" smtClean="0"/>
+              <a:t> 테이블을 따로 만들어야 하나</a:t>
+            </a:r>
+            <a:r>
+              <a:rPr lang="en-US" altLang="ko-KR" sz="1000" dirty="0" smtClean="0"/>
+              <a:t>,</a:t>
+            </a:r>
+          </a:p>
+          <a:p>
+            <a:r>
+              <a:rPr lang="en-US" altLang="ko-KR" sz="1000" dirty="0"/>
+              <a:t> </a:t>
+            </a:r>
+            <a:r>
+              <a:rPr lang="en-US" altLang="ko-KR" sz="1000" dirty="0" smtClean="0"/>
+              <a:t>FAQ</a:t>
+            </a:r>
+            <a:r>
+              <a:rPr lang="ko-KR" altLang="en-US" sz="1000" dirty="0" smtClean="0"/>
+              <a:t>는</a:t>
+            </a:r>
+            <a:r>
+              <a:rPr lang="en-US" altLang="ko-KR" sz="1000" dirty="0" smtClean="0"/>
+              <a:t> DB</a:t>
+            </a:r>
+            <a:r>
+              <a:rPr lang="ko-KR" altLang="en-US" sz="1000" dirty="0" smtClean="0"/>
+              <a:t>에 </a:t>
+            </a:r>
+            <a:r>
+              <a:rPr lang="ko-KR" altLang="en-US" sz="1000" dirty="0" err="1" smtClean="0"/>
+              <a:t>저장하여야하나</a:t>
+            </a:r>
+            <a:endParaRPr lang="ko-KR" altLang="en-US" sz="1000" dirty="0"/>
+          </a:p>
+        </p:txBody>
+      </p:sp>
+      <p:sp>
+        <p:nvSpPr>
+          <p:cNvPr id="145" name="타원 144"/>
+          <p:cNvSpPr/>
+          <p:nvPr/>
+        </p:nvSpPr>
+        <p:spPr>
+          <a:xfrm>
+            <a:off x="3266650" y="-646704"/>
+            <a:ext cx="842298" cy="376836"/>
+          </a:xfrm>
+          <a:prstGeom prst="ellipse">
+            <a:avLst/>
+          </a:prstGeom>
+        </p:spPr>
+        <p:style>
+          <a:lnRef idx="2">
+            <a:schemeClr val="accent1">
+              <a:shade val="50000"/>
+            </a:schemeClr>
+          </a:lnRef>
+          <a:fillRef idx="1">
+            <a:schemeClr val="accent1"/>
+          </a:fillRef>
+          <a:effectRef idx="0">
+            <a:schemeClr val="accent1"/>
+          </a:effectRef>
+          <a:fontRef idx="minor">
+            <a:schemeClr val="lt1"/>
+          </a:fontRef>
+        </p:style>
+        <p:txBody>
+          <a:bodyPr rtlCol="0" anchor="ctr"/>
+          <a:lstStyle/>
+          <a:p>
+            <a:pPr algn="ctr"/>
+            <a:r>
+              <a:rPr lang="ko-KR" altLang="en-US" sz="1000" dirty="0" smtClean="0"/>
+              <a:t>관련항목</a:t>
+            </a:r>
+            <a:endParaRPr lang="ko-KR" altLang="en-US" sz="1000" dirty="0"/>
+          </a:p>
+        </p:txBody>
+      </p:sp>
+      <p:sp>
+        <p:nvSpPr>
+          <p:cNvPr id="147" name="타원 146"/>
+          <p:cNvSpPr/>
+          <p:nvPr/>
+        </p:nvSpPr>
+        <p:spPr>
+          <a:xfrm>
+            <a:off x="12356014" y="7910567"/>
+            <a:ext cx="720080" cy="288032"/>
+          </a:xfrm>
+          <a:prstGeom prst="ellipse">
+            <a:avLst/>
+          </a:prstGeom>
+        </p:spPr>
+        <p:style>
+          <a:lnRef idx="2">
+            <a:schemeClr val="accent1">
+              <a:shade val="50000"/>
+            </a:schemeClr>
+          </a:lnRef>
+          <a:fillRef idx="1">
+            <a:schemeClr val="accent1"/>
+          </a:fillRef>
+          <a:effectRef idx="0">
+            <a:schemeClr val="accent1"/>
+          </a:effectRef>
+          <a:fontRef idx="minor">
+            <a:schemeClr val="lt1"/>
+          </a:fontRef>
+        </p:style>
+        <p:txBody>
+          <a:bodyPr rtlCol="0" anchor="ctr"/>
+          <a:lstStyle/>
+          <a:p>
+            <a:pPr algn="ctr"/>
+            <a:endParaRPr lang="ko-KR" altLang="en-US" sz="1000" dirty="0"/>
+          </a:p>
+        </p:txBody>
+      </p:sp>
+      <p:sp>
+        <p:nvSpPr>
+          <p:cNvPr id="148" name="타원 147"/>
+          <p:cNvSpPr/>
+          <p:nvPr/>
+        </p:nvSpPr>
+        <p:spPr>
+          <a:xfrm>
+            <a:off x="-360040" y="4342185"/>
+            <a:ext cx="720080" cy="283669"/>
+          </a:xfrm>
+          <a:prstGeom prst="ellipse">
+            <a:avLst/>
+          </a:prstGeom>
+        </p:spPr>
+        <p:style>
+          <a:lnRef idx="2">
+            <a:schemeClr val="accent1">
+              <a:shade val="50000"/>
+            </a:schemeClr>
+          </a:lnRef>
+          <a:fillRef idx="1">
+            <a:schemeClr val="accent1"/>
+          </a:fillRef>
+          <a:effectRef idx="0">
+            <a:schemeClr val="accent1"/>
+          </a:effectRef>
+          <a:fontRef idx="minor">
+            <a:schemeClr val="lt1"/>
+          </a:fontRef>
+        </p:style>
+        <p:txBody>
+          <a:bodyPr rtlCol="0" anchor="ctr"/>
+          <a:lstStyle/>
+          <a:p>
+            <a:pPr algn="ctr"/>
+            <a:r>
+              <a:rPr lang="ko-KR" altLang="en-US" sz="1000" dirty="0" smtClean="0"/>
+              <a:t>부모질문</a:t>
+            </a:r>
+            <a:endParaRPr lang="ko-KR" altLang="en-US" sz="1000" dirty="0"/>
+          </a:p>
+        </p:txBody>
+      </p:sp>
+      <p:sp>
+        <p:nvSpPr>
+          <p:cNvPr id="149" name="타원 148"/>
+          <p:cNvSpPr/>
+          <p:nvPr/>
+        </p:nvSpPr>
+        <p:spPr>
+          <a:xfrm>
+            <a:off x="-633750" y="4054153"/>
+            <a:ext cx="720080" cy="288032"/>
+          </a:xfrm>
+          <a:prstGeom prst="ellipse">
+            <a:avLst/>
+          </a:prstGeom>
+        </p:spPr>
+        <p:style>
+          <a:lnRef idx="2">
+            <a:schemeClr val="accent1">
+              <a:shade val="50000"/>
+            </a:schemeClr>
+          </a:lnRef>
+          <a:fillRef idx="1">
+            <a:schemeClr val="accent1"/>
+          </a:fillRef>
+          <a:effectRef idx="0">
+            <a:schemeClr val="accent1"/>
+          </a:effectRef>
+          <a:fontRef idx="minor">
+            <a:schemeClr val="lt1"/>
+          </a:fontRef>
+        </p:style>
+        <p:txBody>
+          <a:bodyPr rtlCol="0" anchor="ctr"/>
+          <a:lstStyle/>
+          <a:p>
+            <a:pPr algn="ctr"/>
+            <a:r>
+              <a:rPr lang="ko-KR" altLang="en-US" sz="1000" dirty="0" smtClean="0"/>
+              <a:t>깊이</a:t>
+            </a:r>
+            <a:endParaRPr lang="ko-KR" altLang="en-US" sz="1000" dirty="0"/>
+          </a:p>
+        </p:txBody>
+      </p:sp>
+      <p:sp>
+        <p:nvSpPr>
+          <p:cNvPr id="160" name="타원 159"/>
+          <p:cNvSpPr/>
+          <p:nvPr/>
+        </p:nvSpPr>
+        <p:spPr>
+          <a:xfrm>
+            <a:off x="4563876" y="4660514"/>
+            <a:ext cx="1233615" cy="452691"/>
+          </a:xfrm>
+          <a:prstGeom prst="ellipse">
+            <a:avLst/>
+          </a:prstGeom>
+        </p:spPr>
+        <p:style>
+          <a:lnRef idx="2">
+            <a:schemeClr val="accent1">
+              <a:shade val="50000"/>
+            </a:schemeClr>
+          </a:lnRef>
+          <a:fillRef idx="1">
+            <a:schemeClr val="accent1"/>
+          </a:fillRef>
+          <a:effectRef idx="0">
+            <a:schemeClr val="accent1"/>
+          </a:effectRef>
+          <a:fontRef idx="minor">
+            <a:schemeClr val="lt1"/>
+          </a:fontRef>
+        </p:style>
+        <p:txBody>
+          <a:bodyPr rtlCol="0" anchor="ctr"/>
+          <a:lstStyle/>
+          <a:p>
+            <a:pPr algn="ctr"/>
+            <a:r>
+              <a:rPr lang="ko-KR" altLang="en-US" sz="1000" dirty="0" smtClean="0"/>
+              <a:t>작성한 글의</a:t>
+            </a:r>
+            <a:endParaRPr lang="en-US" altLang="ko-KR" sz="1000" dirty="0" smtClean="0"/>
+          </a:p>
+          <a:p>
+            <a:pPr algn="ctr"/>
+            <a:r>
+              <a:rPr lang="ko-KR" altLang="en-US" sz="1000" dirty="0" err="1" smtClean="0"/>
+              <a:t>갯수</a:t>
+            </a:r>
+            <a:endParaRPr lang="ko-KR" altLang="en-US" sz="1000" dirty="0"/>
+          </a:p>
+        </p:txBody>
+      </p:sp>
+      <p:sp>
+        <p:nvSpPr>
+          <p:cNvPr id="161" name="타원 160"/>
+          <p:cNvSpPr/>
+          <p:nvPr/>
+        </p:nvSpPr>
+        <p:spPr>
+          <a:xfrm>
+            <a:off x="4068663" y="4274768"/>
+            <a:ext cx="1491843" cy="418502"/>
+          </a:xfrm>
+          <a:prstGeom prst="ellipse">
+            <a:avLst/>
+          </a:prstGeom>
+        </p:spPr>
+        <p:style>
+          <a:lnRef idx="2">
+            <a:schemeClr val="accent1">
+              <a:shade val="50000"/>
+            </a:schemeClr>
+          </a:lnRef>
+          <a:fillRef idx="1">
+            <a:schemeClr val="accent1"/>
+          </a:fillRef>
+          <a:effectRef idx="0">
+            <a:schemeClr val="accent1"/>
+          </a:effectRef>
+          <a:fontRef idx="minor">
+            <a:schemeClr val="lt1"/>
+          </a:fontRef>
+        </p:style>
+        <p:txBody>
+          <a:bodyPr rtlCol="0" anchor="ctr"/>
+          <a:lstStyle/>
+          <a:p>
+            <a:pPr algn="ctr"/>
+            <a:r>
+              <a:rPr lang="ko-KR" altLang="en-US" sz="1000" dirty="0" smtClean="0"/>
+              <a:t>작성한 </a:t>
+            </a:r>
+            <a:r>
+              <a:rPr lang="ko-KR" altLang="en-US" sz="1000" dirty="0" err="1" smtClean="0"/>
+              <a:t>댓글의</a:t>
+            </a:r>
+            <a:r>
+              <a:rPr lang="ko-KR" altLang="en-US" sz="1000" dirty="0" smtClean="0"/>
+              <a:t> </a:t>
+            </a:r>
+            <a:endParaRPr lang="en-US" altLang="ko-KR" sz="1000" dirty="0" smtClean="0"/>
+          </a:p>
+          <a:p>
+            <a:pPr algn="ctr"/>
+            <a:r>
+              <a:rPr lang="ko-KR" altLang="en-US" sz="1000" dirty="0" err="1" smtClean="0"/>
+              <a:t>갯수</a:t>
+            </a:r>
+            <a:endParaRPr lang="ko-KR" altLang="en-US" sz="1000" dirty="0"/>
+          </a:p>
+        </p:txBody>
+      </p:sp>
+      <p:sp>
+        <p:nvSpPr>
+          <p:cNvPr id="66" name="TextBox 65"/>
+          <p:cNvSpPr txBox="1"/>
+          <p:nvPr/>
+        </p:nvSpPr>
+        <p:spPr>
+          <a:xfrm>
+            <a:off x="10404648" y="488612"/>
+            <a:ext cx="2023374" cy="1477328"/>
+          </a:xfrm>
+          <a:prstGeom prst="rect">
+            <a:avLst/>
+          </a:prstGeom>
+          <a:noFill/>
+        </p:spPr>
+        <p:txBody>
+          <a:bodyPr wrap="square" rtlCol="0">
+            <a:spAutoFit/>
+          </a:bodyPr>
+          <a:lstStyle/>
+          <a:p>
+            <a:r>
+              <a:rPr lang="en-US" altLang="ko-KR" dirty="0" smtClean="0"/>
+              <a:t>=</a:t>
+            </a:r>
+            <a:r>
+              <a:rPr lang="en-US" altLang="ko-KR" dirty="0" smtClean="0">
+                <a:sym typeface="Wingdings" pitchFamily="2" charset="2"/>
+              </a:rPr>
+              <a:t></a:t>
+            </a:r>
+          </a:p>
+          <a:p>
+            <a:r>
+              <a:rPr lang="ko-KR" altLang="en-US" dirty="0" smtClean="0"/>
+              <a:t>공지사항</a:t>
+            </a:r>
+            <a:endParaRPr lang="en-US" altLang="ko-KR" dirty="0" smtClean="0"/>
+          </a:p>
+          <a:p>
+            <a:r>
+              <a:rPr lang="en-US" altLang="ko-KR" dirty="0" smtClean="0"/>
+              <a:t>FAQ </a:t>
+            </a:r>
+            <a:r>
+              <a:rPr lang="ko-KR" altLang="en-US" dirty="0" smtClean="0"/>
+              <a:t>테이블 </a:t>
+            </a:r>
+            <a:r>
+              <a:rPr lang="ko-KR" altLang="en-US" dirty="0" err="1" smtClean="0"/>
+              <a:t>만들어야함</a:t>
+            </a:r>
+            <a:endParaRPr lang="en-US" altLang="ko-KR" dirty="0" smtClean="0"/>
+          </a:p>
+          <a:p>
+            <a:endParaRPr lang="ko-KR" altLang="en-US" dirty="0"/>
+          </a:p>
+        </p:txBody>
+      </p:sp>
+      <p:sp>
+        <p:nvSpPr>
+          <p:cNvPr id="167" name="다이아몬드 166"/>
+          <p:cNvSpPr/>
+          <p:nvPr/>
+        </p:nvSpPr>
+        <p:spPr>
+          <a:xfrm>
+            <a:off x="3436711" y="3016846"/>
+            <a:ext cx="1006761" cy="576064"/>
+          </a:xfrm>
+          <a:prstGeom prst="diamond">
+            <a:avLst/>
+          </a:prstGeom>
+        </p:spPr>
+        <p:style>
+          <a:lnRef idx="2">
+            <a:schemeClr val="accent1">
+              <a:shade val="50000"/>
+            </a:schemeClr>
+          </a:lnRef>
+          <a:fillRef idx="1">
+            <a:schemeClr val="accent1"/>
+          </a:fillRef>
+          <a:effectRef idx="0">
+            <a:schemeClr val="accent1"/>
+          </a:effectRef>
+          <a:fontRef idx="minor">
+            <a:schemeClr val="lt1"/>
+          </a:fontRef>
+        </p:style>
+        <p:txBody>
+          <a:bodyPr rtlCol="0" anchor="ctr"/>
+          <a:lstStyle/>
+          <a:p>
+            <a:pPr algn="ctr"/>
+            <a:r>
+              <a:rPr lang="ko-KR" altLang="en-US" sz="1000" smtClean="0"/>
+              <a:t>작성</a:t>
+            </a:r>
+            <a:endParaRPr lang="ko-KR" altLang="en-US" sz="1000"/>
+          </a:p>
+        </p:txBody>
+      </p:sp>
+      <p:cxnSp>
+        <p:nvCxnSpPr>
+          <p:cNvPr id="72" name="직선 연결선 71"/>
+          <p:cNvCxnSpPr>
+            <a:stCxn id="167" idx="0"/>
+            <a:endCxn id="6" idx="2"/>
+          </p:cNvCxnSpPr>
+          <p:nvPr/>
+        </p:nvCxnSpPr>
+        <p:spPr>
+          <a:xfrm flipV="1">
+            <a:off x="3940092" y="2337807"/>
+            <a:ext cx="147884" cy="679039"/>
+          </a:xfrm>
+          <a:prstGeom prst="line">
+            <a:avLst/>
+          </a:prstGeom>
+        </p:spPr>
+        <p:style>
+          <a:lnRef idx="1">
+            <a:schemeClr val="accent1"/>
+          </a:lnRef>
+          <a:fillRef idx="0">
+            <a:schemeClr val="accent1"/>
+          </a:fillRef>
+          <a:effectRef idx="0">
+            <a:schemeClr val="accent1"/>
+          </a:effectRef>
+          <a:fontRef idx="minor">
+            <a:schemeClr val="tx1"/>
+          </a:fontRef>
+        </p:style>
+      </p:cxnSp>
+      <p:cxnSp>
+        <p:nvCxnSpPr>
+          <p:cNvPr id="76" name="직선 연결선 75"/>
+          <p:cNvCxnSpPr>
+            <a:stCxn id="167" idx="2"/>
+            <a:endCxn id="108" idx="0"/>
+          </p:cNvCxnSpPr>
+          <p:nvPr/>
+        </p:nvCxnSpPr>
+        <p:spPr>
+          <a:xfrm flipH="1">
+            <a:off x="3635257" y="3592910"/>
+            <a:ext cx="304835" cy="1987524"/>
           </a:xfrm>
           <a:prstGeom prst="line">
             <a:avLst/>

--- a/ERD.pptx
+++ b/ERD.pptx
@@ -288,7 +288,7 @@
           <a:p>
             <a:fld id="{3160F1E7-80AE-4791-8F30-01301BB05552}" type="datetimeFigureOut">
               <a:rPr lang="ko-KR" altLang="en-US" smtClean="0"/>
-              <a:t>2019-08-09</a:t>
+              <a:t>2019-08-12</a:t>
             </a:fld>
             <a:endParaRPr lang="ko-KR" altLang="en-US"/>
           </a:p>
@@ -458,7 +458,7 @@
           <a:p>
             <a:fld id="{3160F1E7-80AE-4791-8F30-01301BB05552}" type="datetimeFigureOut">
               <a:rPr lang="ko-KR" altLang="en-US" smtClean="0"/>
-              <a:t>2019-08-09</a:t>
+              <a:t>2019-08-12</a:t>
             </a:fld>
             <a:endParaRPr lang="ko-KR" altLang="en-US"/>
           </a:p>
@@ -638,7 +638,7 @@
           <a:p>
             <a:fld id="{3160F1E7-80AE-4791-8F30-01301BB05552}" type="datetimeFigureOut">
               <a:rPr lang="ko-KR" altLang="en-US" smtClean="0"/>
-              <a:t>2019-08-09</a:t>
+              <a:t>2019-08-12</a:t>
             </a:fld>
             <a:endParaRPr lang="ko-KR" altLang="en-US"/>
           </a:p>
@@ -808,7 +808,7 @@
           <a:p>
             <a:fld id="{3160F1E7-80AE-4791-8F30-01301BB05552}" type="datetimeFigureOut">
               <a:rPr lang="ko-KR" altLang="en-US" smtClean="0"/>
-              <a:t>2019-08-09</a:t>
+              <a:t>2019-08-12</a:t>
             </a:fld>
             <a:endParaRPr lang="ko-KR" altLang="en-US"/>
           </a:p>
@@ -1054,7 +1054,7 @@
           <a:p>
             <a:fld id="{3160F1E7-80AE-4791-8F30-01301BB05552}" type="datetimeFigureOut">
               <a:rPr lang="ko-KR" altLang="en-US" smtClean="0"/>
-              <a:t>2019-08-09</a:t>
+              <a:t>2019-08-12</a:t>
             </a:fld>
             <a:endParaRPr lang="ko-KR" altLang="en-US"/>
           </a:p>
@@ -1342,7 +1342,7 @@
           <a:p>
             <a:fld id="{3160F1E7-80AE-4791-8F30-01301BB05552}" type="datetimeFigureOut">
               <a:rPr lang="ko-KR" altLang="en-US" smtClean="0"/>
-              <a:t>2019-08-09</a:t>
+              <a:t>2019-08-12</a:t>
             </a:fld>
             <a:endParaRPr lang="ko-KR" altLang="en-US"/>
           </a:p>
@@ -1764,7 +1764,7 @@
           <a:p>
             <a:fld id="{3160F1E7-80AE-4791-8F30-01301BB05552}" type="datetimeFigureOut">
               <a:rPr lang="ko-KR" altLang="en-US" smtClean="0"/>
-              <a:t>2019-08-09</a:t>
+              <a:t>2019-08-12</a:t>
             </a:fld>
             <a:endParaRPr lang="ko-KR" altLang="en-US"/>
           </a:p>
@@ -1882,7 +1882,7 @@
           <a:p>
             <a:fld id="{3160F1E7-80AE-4791-8F30-01301BB05552}" type="datetimeFigureOut">
               <a:rPr lang="ko-KR" altLang="en-US" smtClean="0"/>
-              <a:t>2019-08-09</a:t>
+              <a:t>2019-08-12</a:t>
             </a:fld>
             <a:endParaRPr lang="ko-KR" altLang="en-US"/>
           </a:p>
@@ -1977,7 +1977,7 @@
           <a:p>
             <a:fld id="{3160F1E7-80AE-4791-8F30-01301BB05552}" type="datetimeFigureOut">
               <a:rPr lang="ko-KR" altLang="en-US" smtClean="0"/>
-              <a:t>2019-08-09</a:t>
+              <a:t>2019-08-12</a:t>
             </a:fld>
             <a:endParaRPr lang="ko-KR" altLang="en-US"/>
           </a:p>
@@ -2254,7 +2254,7 @@
           <a:p>
             <a:fld id="{3160F1E7-80AE-4791-8F30-01301BB05552}" type="datetimeFigureOut">
               <a:rPr lang="ko-KR" altLang="en-US" smtClean="0"/>
-              <a:t>2019-08-09</a:t>
+              <a:t>2019-08-12</a:t>
             </a:fld>
             <a:endParaRPr lang="ko-KR" altLang="en-US"/>
           </a:p>
@@ -2507,7 +2507,7 @@
           <a:p>
             <a:fld id="{3160F1E7-80AE-4791-8F30-01301BB05552}" type="datetimeFigureOut">
               <a:rPr lang="ko-KR" altLang="en-US" smtClean="0"/>
-              <a:t>2019-08-09</a:t>
+              <a:t>2019-08-12</a:t>
             </a:fld>
             <a:endParaRPr lang="ko-KR" altLang="en-US"/>
           </a:p>
@@ -2720,7 +2720,7 @@
           <a:p>
             <a:fld id="{3160F1E7-80AE-4791-8F30-01301BB05552}" type="datetimeFigureOut">
               <a:rPr lang="ko-KR" altLang="en-US" smtClean="0"/>
-              <a:t>2019-08-09</a:t>
+              <a:t>2019-08-12</a:t>
             </a:fld>
             <a:endParaRPr lang="ko-KR" altLang="en-US"/>
           </a:p>
@@ -3103,8 +3103,8 @@
         </p:nvSpPr>
         <p:spPr>
           <a:xfrm>
-            <a:off x="8433437" y="671701"/>
-            <a:ext cx="720080" cy="288032"/>
+            <a:off x="8909045" y="523000"/>
+            <a:ext cx="891662" cy="399525"/>
           </a:xfrm>
           <a:prstGeom prst="ellipse">
             <a:avLst/>
@@ -3132,8 +3132,8 @@
           <a:p>
             <a:pPr algn="ctr"/>
             <a:r>
-              <a:rPr lang="ko-KR" altLang="en-US" sz="1000" dirty="0" smtClean="0"/>
-              <a:t>파일</a:t>
+              <a:rPr lang="ko-KR" altLang="en-US" sz="1000" smtClean="0"/>
+              <a:t>파일명</a:t>
             </a:r>
             <a:endParaRPr lang="ko-KR" altLang="en-US" sz="1000" dirty="0"/>
           </a:p>
@@ -3395,7 +3395,7 @@
         </p:nvSpPr>
         <p:spPr>
           <a:xfrm>
-            <a:off x="4005941" y="796865"/>
+            <a:off x="4020222" y="1104949"/>
             <a:ext cx="893966" cy="288032"/>
           </a:xfrm>
           <a:prstGeom prst="ellipse">
@@ -3439,7 +3439,7 @@
         </p:nvSpPr>
         <p:spPr>
           <a:xfrm>
-            <a:off x="4026725" y="170947"/>
+            <a:off x="4037669" y="473286"/>
             <a:ext cx="720080" cy="288032"/>
           </a:xfrm>
           <a:prstGeom prst="ellipse">
@@ -3483,7 +3483,7 @@
         </p:nvSpPr>
         <p:spPr>
           <a:xfrm>
-            <a:off x="3998411" y="-175057"/>
+            <a:off x="3924679" y="161003"/>
             <a:ext cx="901496" cy="288032"/>
           </a:xfrm>
           <a:prstGeom prst="ellipse">
@@ -3512,7 +3512,7 @@
           <a:p>
             <a:pPr algn="ctr"/>
             <a:r>
-              <a:rPr lang="ko-KR" altLang="en-US" sz="1000" smtClean="0"/>
+              <a:rPr lang="ko-KR" altLang="en-US" sz="1000" dirty="0" err="1" smtClean="0"/>
               <a:t>공감수</a:t>
             </a:r>
             <a:endParaRPr lang="ko-KR" altLang="en-US" sz="1000" dirty="0"/>
@@ -3527,7 +3527,7 @@
         </p:nvSpPr>
         <p:spPr>
           <a:xfrm>
-            <a:off x="4026725" y="1139614"/>
+            <a:off x="3167595" y="-48325"/>
             <a:ext cx="720080" cy="288032"/>
           </a:xfrm>
           <a:prstGeom prst="ellipse">
@@ -3571,7 +3571,7 @@
         </p:nvSpPr>
         <p:spPr>
           <a:xfrm>
-            <a:off x="4019089" y="488612"/>
+            <a:off x="3962191" y="795963"/>
             <a:ext cx="849148" cy="288032"/>
           </a:xfrm>
           <a:prstGeom prst="ellipse">
@@ -3615,7 +3615,7 @@
         </p:nvSpPr>
         <p:spPr>
           <a:xfrm>
-            <a:off x="7076290" y="348109"/>
+            <a:off x="7651783" y="-249831"/>
             <a:ext cx="1171236" cy="524313"/>
           </a:xfrm>
           <a:prstGeom prst="rect">
@@ -3663,7 +3663,7 @@
         </p:nvSpPr>
         <p:spPr>
           <a:xfrm>
-            <a:off x="8310787" y="43247"/>
+            <a:off x="8886280" y="-554693"/>
             <a:ext cx="790449" cy="288032"/>
           </a:xfrm>
           <a:prstGeom prst="ellipse">
@@ -3707,7 +3707,7 @@
         </p:nvSpPr>
         <p:spPr>
           <a:xfrm>
-            <a:off x="8333552" y="352464"/>
+            <a:off x="8909045" y="-245476"/>
             <a:ext cx="864096" cy="288032"/>
           </a:xfrm>
           <a:prstGeom prst="ellipse">
@@ -3759,7 +3759,7 @@
         </p:nvSpPr>
         <p:spPr>
           <a:xfrm>
-            <a:off x="2546570" y="-627293"/>
+            <a:off x="2879892" y="-336357"/>
             <a:ext cx="720080" cy="288032"/>
           </a:xfrm>
           <a:prstGeom prst="ellipse">
@@ -3803,7 +3803,7 @@
         </p:nvSpPr>
         <p:spPr>
           <a:xfrm>
-            <a:off x="-1685017" y="546222"/>
+            <a:off x="-2436930" y="179513"/>
             <a:ext cx="920679" cy="616450"/>
           </a:xfrm>
           <a:prstGeom prst="rect">
@@ -3851,7 +3851,7 @@
         </p:nvSpPr>
         <p:spPr>
           <a:xfrm>
-            <a:off x="-2211126" y="220700"/>
+            <a:off x="-3295771" y="172803"/>
             <a:ext cx="720080" cy="288032"/>
           </a:xfrm>
           <a:prstGeom prst="ellipse">
@@ -3903,7 +3903,7 @@
         </p:nvSpPr>
         <p:spPr>
           <a:xfrm>
-            <a:off x="-1412410" y="220700"/>
+            <a:off x="-3295771" y="498285"/>
             <a:ext cx="878131" cy="288032"/>
           </a:xfrm>
           <a:prstGeom prst="ellipse">
@@ -3947,7 +3947,7 @@
         </p:nvSpPr>
         <p:spPr>
           <a:xfrm>
-            <a:off x="543978" y="652745"/>
+            <a:off x="166469" y="595163"/>
             <a:ext cx="1152128" cy="403403"/>
           </a:xfrm>
           <a:prstGeom prst="diamond">
@@ -4002,8 +4002,8 @@
         </p:nvCxnSpPr>
         <p:spPr>
           <a:xfrm>
-            <a:off x="-764338" y="854447"/>
-            <a:ext cx="1308316" cy="0"/>
+            <a:off x="-1516251" y="487738"/>
+            <a:ext cx="1682720" cy="309127"/>
           </a:xfrm>
           <a:prstGeom prst="line">
             <a:avLst/>
@@ -4040,8 +4040,8 @@
         </p:nvCxnSpPr>
         <p:spPr>
           <a:xfrm>
-            <a:off x="1696106" y="854447"/>
-            <a:ext cx="1838659" cy="1045643"/>
+            <a:off x="1318597" y="796865"/>
+            <a:ext cx="2216168" cy="1103225"/>
           </a:xfrm>
           <a:prstGeom prst="line">
             <a:avLst/>
@@ -4075,7 +4075,7 @@
         </p:nvSpPr>
         <p:spPr>
           <a:xfrm>
-            <a:off x="-729366" y="1931042"/>
+            <a:off x="-2493307" y="1751056"/>
             <a:ext cx="648072" cy="689284"/>
           </a:xfrm>
           <a:prstGeom prst="rect">
@@ -4127,7 +4127,7 @@
         </p:nvSpPr>
         <p:spPr>
           <a:xfrm>
-            <a:off x="-1812672" y="2054338"/>
+            <a:off x="-3576613" y="1874352"/>
             <a:ext cx="975391" cy="288032"/>
           </a:xfrm>
           <a:prstGeom prst="ellipse">
@@ -4179,7 +4179,7 @@
         </p:nvSpPr>
         <p:spPr>
           <a:xfrm>
-            <a:off x="-1826910" y="1766306"/>
+            <a:off x="-3590851" y="1586320"/>
             <a:ext cx="964203" cy="288032"/>
           </a:xfrm>
           <a:prstGeom prst="ellipse">
@@ -4234,7 +4234,7 @@
         </p:nvSpPr>
         <p:spPr>
           <a:xfrm>
-            <a:off x="-1801484" y="2342370"/>
+            <a:off x="-3565425" y="2162384"/>
             <a:ext cx="884189" cy="288032"/>
           </a:xfrm>
           <a:prstGeom prst="ellipse">
@@ -4278,7 +4278,7 @@
         </p:nvSpPr>
         <p:spPr>
           <a:xfrm>
-            <a:off x="5289806" y="449035"/>
+            <a:off x="5865299" y="-148905"/>
             <a:ext cx="967718" cy="328418"/>
           </a:xfrm>
           <a:prstGeom prst="diamond">
@@ -4325,8 +4325,8 @@
         </p:nvCxnSpPr>
         <p:spPr>
           <a:xfrm flipV="1">
-            <a:off x="4641187" y="613244"/>
-            <a:ext cx="648619" cy="1286846"/>
+            <a:off x="4641187" y="15304"/>
+            <a:ext cx="1224112" cy="1884786"/>
           </a:xfrm>
           <a:prstGeom prst="line">
             <a:avLst/>
@@ -4363,7 +4363,7 @@
         </p:nvCxnSpPr>
         <p:spPr>
           <a:xfrm flipV="1">
-            <a:off x="6257524" y="610266"/>
+            <a:off x="6833017" y="12326"/>
             <a:ext cx="818766" cy="2978"/>
           </a:xfrm>
           <a:prstGeom prst="line">
@@ -4392,14 +4392,14 @@
       </p:cxnSp>
       <p:sp>
         <p:nvSpPr>
-          <p:cNvPr id="58" name="직사각형 57"/>
-          <p:cNvSpPr/>
-          <p:nvPr/>
-        </p:nvSpPr>
-        <p:spPr>
-          <a:xfrm>
-            <a:off x="-745831" y="5224542"/>
-            <a:ext cx="944242" cy="749392"/>
+          <p:cNvPr id="60" name="직사각형 59"/>
+          <p:cNvSpPr/>
+          <p:nvPr/>
+        </p:nvSpPr>
+        <p:spPr>
+          <a:xfrm>
+            <a:off x="-2565476" y="3072656"/>
+            <a:ext cx="648072" cy="782688"/>
           </a:xfrm>
           <a:prstGeom prst="rect">
             <a:avLst/>
@@ -4427,8 +4427,8 @@
           <a:p>
             <a:pPr algn="ctr"/>
             <a:r>
-              <a:rPr lang="ko-KR" altLang="en-US" sz="1000" dirty="0" smtClean="0"/>
-              <a:t>공감</a:t>
+              <a:rPr lang="ko-KR" altLang="en-US" sz="1000" dirty="0" err="1" smtClean="0"/>
+              <a:t>설문형</a:t>
             </a:r>
             <a:r>
               <a:rPr lang="en-US" altLang="ko-KR" sz="1000" dirty="0" smtClean="0"/>
@@ -4440,109 +4440,13 @@
       </p:sp>
       <p:sp>
         <p:nvSpPr>
-          <p:cNvPr id="59" name="직사각형 58"/>
-          <p:cNvSpPr/>
-          <p:nvPr/>
-        </p:nvSpPr>
-        <p:spPr>
-          <a:xfrm>
-            <a:off x="6680260" y="1562843"/>
-            <a:ext cx="884852" cy="674493"/>
-          </a:xfrm>
-          <a:prstGeom prst="rect">
-            <a:avLst/>
-          </a:prstGeom>
-        </p:spPr>
-        <p:style>
-          <a:lnRef idx="2">
-            <a:schemeClr val="accent1">
-              <a:shade val="50000"/>
-            </a:schemeClr>
-          </a:lnRef>
-          <a:fillRef idx="1">
-            <a:schemeClr val="accent1"/>
-          </a:fillRef>
-          <a:effectRef idx="0">
-            <a:schemeClr val="accent1"/>
-          </a:effectRef>
-          <a:fontRef idx="minor">
-            <a:schemeClr val="lt1"/>
-          </a:fontRef>
-        </p:style>
-        <p:txBody>
-          <a:bodyPr rtlCol="0" anchor="ctr"/>
-          <a:lstStyle/>
-          <a:p>
-            <a:pPr algn="ctr"/>
-            <a:r>
-              <a:rPr lang="ko-KR" altLang="en-US" sz="1000" dirty="0" err="1" smtClean="0"/>
-              <a:t>댓글</a:t>
-            </a:r>
-            <a:r>
-              <a:rPr lang="en-US" altLang="ko-KR" sz="1000" dirty="0" smtClean="0"/>
-              <a:t>T</a:t>
-            </a:r>
-            <a:endParaRPr lang="ko-KR" altLang="en-US" sz="1000" dirty="0"/>
-          </a:p>
-        </p:txBody>
-      </p:sp>
-      <p:sp>
-        <p:nvSpPr>
-          <p:cNvPr id="60" name="직사각형 59"/>
-          <p:cNvSpPr/>
-          <p:nvPr/>
-        </p:nvSpPr>
-        <p:spPr>
-          <a:xfrm>
-            <a:off x="-745831" y="3231922"/>
-            <a:ext cx="648072" cy="782688"/>
-          </a:xfrm>
-          <a:prstGeom prst="rect">
-            <a:avLst/>
-          </a:prstGeom>
-        </p:spPr>
-        <p:style>
-          <a:lnRef idx="2">
-            <a:schemeClr val="accent1">
-              <a:shade val="50000"/>
-            </a:schemeClr>
-          </a:lnRef>
-          <a:fillRef idx="1">
-            <a:schemeClr val="accent1"/>
-          </a:fillRef>
-          <a:effectRef idx="0">
-            <a:schemeClr val="accent1"/>
-          </a:effectRef>
-          <a:fontRef idx="minor">
-            <a:schemeClr val="lt1"/>
-          </a:fontRef>
-        </p:style>
-        <p:txBody>
-          <a:bodyPr rtlCol="0" anchor="ctr"/>
-          <a:lstStyle/>
-          <a:p>
-            <a:pPr algn="ctr"/>
-            <a:r>
-              <a:rPr lang="ko-KR" altLang="en-US" sz="1000" dirty="0" err="1" smtClean="0"/>
-              <a:t>설문형</a:t>
-            </a:r>
-            <a:r>
-              <a:rPr lang="en-US" altLang="ko-KR" sz="1000" dirty="0" smtClean="0"/>
-              <a:t>T</a:t>
-            </a:r>
-            <a:endParaRPr lang="ko-KR" altLang="en-US" sz="1000" dirty="0"/>
-          </a:p>
-        </p:txBody>
-      </p:sp>
-      <p:sp>
-        <p:nvSpPr>
           <p:cNvPr id="61" name="타원 60"/>
           <p:cNvSpPr/>
           <p:nvPr/>
         </p:nvSpPr>
         <p:spPr>
           <a:xfrm>
-            <a:off x="7648010" y="1715680"/>
+            <a:off x="6311316" y="2578028"/>
             <a:ext cx="932963" cy="288032"/>
           </a:xfrm>
           <a:prstGeom prst="ellipse">
@@ -4597,7 +4501,7 @@
         </p:nvSpPr>
         <p:spPr>
           <a:xfrm>
-            <a:off x="-1818016" y="3749664"/>
+            <a:off x="-3637661" y="3590398"/>
             <a:ext cx="978941" cy="288032"/>
           </a:xfrm>
           <a:prstGeom prst="ellipse">
@@ -4641,7 +4545,7 @@
         </p:nvSpPr>
         <p:spPr>
           <a:xfrm>
-            <a:off x="-1827547" y="3479250"/>
+            <a:off x="-3647192" y="3319984"/>
             <a:ext cx="964203" cy="288032"/>
           </a:xfrm>
           <a:prstGeom prst="ellipse">
@@ -4689,71 +4593,410 @@
           </a:p>
         </p:txBody>
       </p:sp>
-      <p:sp>
-        <p:nvSpPr>
-          <p:cNvPr id="84" name="다이아몬드 83"/>
-          <p:cNvSpPr/>
-          <p:nvPr/>
-        </p:nvSpPr>
-        <p:spPr>
-          <a:xfrm>
-            <a:off x="638629" y="2033716"/>
-            <a:ext cx="999878" cy="484889"/>
-          </a:xfrm>
-          <a:prstGeom prst="diamond">
-            <a:avLst/>
-          </a:prstGeom>
-        </p:spPr>
-        <p:style>
-          <a:lnRef idx="2">
-            <a:schemeClr val="accent1">
-              <a:shade val="50000"/>
-            </a:schemeClr>
-          </a:lnRef>
-          <a:fillRef idx="1">
-            <a:schemeClr val="accent1"/>
-          </a:fillRef>
-          <a:effectRef idx="0">
-            <a:schemeClr val="accent1"/>
-          </a:effectRef>
-          <a:fontRef idx="minor">
-            <a:schemeClr val="lt1"/>
-          </a:fontRef>
-        </p:style>
-        <p:txBody>
-          <a:bodyPr rtlCol="0" anchor="ctr"/>
-          <a:lstStyle/>
-          <a:p>
-            <a:pPr algn="ctr"/>
-            <a:r>
-              <a:rPr lang="ko-KR" altLang="en-US" sz="1000" dirty="0" smtClean="0"/>
-              <a:t>설문</a:t>
-            </a:r>
-            <a:endParaRPr lang="en-US" altLang="ko-KR" sz="1000" dirty="0" smtClean="0"/>
-          </a:p>
-          <a:p>
-            <a:pPr algn="ctr"/>
-            <a:r>
-              <a:rPr lang="ko-KR" altLang="en-US" sz="1000" dirty="0" smtClean="0"/>
-              <a:t>타입</a:t>
-            </a:r>
-            <a:endParaRPr lang="ko-KR" altLang="en-US" sz="1000" dirty="0"/>
-          </a:p>
-        </p:txBody>
-      </p:sp>
       <p:cxnSp>
         <p:nvCxnSpPr>
-          <p:cNvPr id="88" name="직선 연결선 87"/>
+          <p:cNvPr id="104" name="직선 연결선 103"/>
           <p:cNvCxnSpPr>
-            <a:stCxn id="6" idx="1"/>
-            <a:endCxn id="84" idx="3"/>
+            <a:stCxn id="128" idx="1"/>
+            <a:endCxn id="43" idx="3"/>
           </p:cNvCxnSpPr>
           <p:nvPr/>
         </p:nvCxnSpPr>
         <p:spPr>
-          <a:xfrm flipH="1">
-            <a:off x="1638507" y="1900090"/>
-            <a:ext cx="1896258" cy="376071"/>
+          <a:xfrm flipH="1" flipV="1">
+            <a:off x="-1845235" y="2095698"/>
+            <a:ext cx="1496082" cy="2562730"/>
+          </a:xfrm>
+          <a:prstGeom prst="line">
+            <a:avLst/>
+          </a:prstGeom>
+          <a:ln>
+            <a:solidFill>
+              <a:schemeClr val="tx2"/>
+            </a:solidFill>
+          </a:ln>
+        </p:spPr>
+        <p:style>
+          <a:lnRef idx="1">
+            <a:schemeClr val="accent1"/>
+          </a:lnRef>
+          <a:fillRef idx="0">
+            <a:schemeClr val="accent1"/>
+          </a:fillRef>
+          <a:effectRef idx="0">
+            <a:schemeClr val="accent1"/>
+          </a:effectRef>
+          <a:fontRef idx="minor">
+            <a:schemeClr val="tx1"/>
+          </a:fontRef>
+        </p:style>
+      </p:cxnSp>
+      <p:sp>
+        <p:nvSpPr>
+          <p:cNvPr id="109" name="타원 108"/>
+          <p:cNvSpPr/>
+          <p:nvPr/>
+        </p:nvSpPr>
+        <p:spPr>
+          <a:xfrm>
+            <a:off x="6288551" y="2238032"/>
+            <a:ext cx="918984" cy="288032"/>
+          </a:xfrm>
+          <a:prstGeom prst="ellipse">
+            <a:avLst/>
+          </a:prstGeom>
+        </p:spPr>
+        <p:style>
+          <a:lnRef idx="2">
+            <a:schemeClr val="accent2">
+              <a:shade val="50000"/>
+            </a:schemeClr>
+          </a:lnRef>
+          <a:fillRef idx="1">
+            <a:schemeClr val="accent2"/>
+          </a:fillRef>
+          <a:effectRef idx="0">
+            <a:schemeClr val="accent2"/>
+          </a:effectRef>
+          <a:fontRef idx="minor">
+            <a:schemeClr val="lt1"/>
+          </a:fontRef>
+        </p:style>
+        <p:txBody>
+          <a:bodyPr rtlCol="0" anchor="ctr"/>
+          <a:lstStyle/>
+          <a:p>
+            <a:pPr algn="ctr"/>
+            <a:r>
+              <a:rPr lang="ko-KR" altLang="en-US" sz="1000" u="sng" dirty="0" err="1" smtClean="0"/>
+              <a:t>댓글</a:t>
+            </a:r>
+            <a:endParaRPr lang="en-US" altLang="ko-KR" sz="1000" u="sng" dirty="0" smtClean="0"/>
+          </a:p>
+          <a:p>
+            <a:pPr algn="ctr"/>
+            <a:r>
+              <a:rPr lang="ko-KR" altLang="en-US" sz="1000" u="sng" dirty="0" smtClean="0"/>
+              <a:t>번</a:t>
+            </a:r>
+            <a:r>
+              <a:rPr lang="ko-KR" altLang="en-US" sz="1000" u="sng" dirty="0"/>
+              <a:t>호</a:t>
+            </a:r>
+          </a:p>
+        </p:txBody>
+      </p:sp>
+      <p:sp>
+        <p:nvSpPr>
+          <p:cNvPr id="114" name="타원 113"/>
+          <p:cNvSpPr/>
+          <p:nvPr/>
+        </p:nvSpPr>
+        <p:spPr>
+          <a:xfrm>
+            <a:off x="7226280" y="2888077"/>
+            <a:ext cx="1007296" cy="288032"/>
+          </a:xfrm>
+          <a:prstGeom prst="ellipse">
+            <a:avLst/>
+          </a:prstGeom>
+        </p:spPr>
+        <p:style>
+          <a:lnRef idx="2">
+            <a:schemeClr val="accent1">
+              <a:shade val="50000"/>
+            </a:schemeClr>
+          </a:lnRef>
+          <a:fillRef idx="1">
+            <a:schemeClr val="accent1"/>
+          </a:fillRef>
+          <a:effectRef idx="0">
+            <a:schemeClr val="accent1"/>
+          </a:effectRef>
+          <a:fontRef idx="minor">
+            <a:schemeClr val="lt1"/>
+          </a:fontRef>
+        </p:style>
+        <p:txBody>
+          <a:bodyPr rtlCol="0" anchor="ctr"/>
+          <a:lstStyle/>
+          <a:p>
+            <a:pPr algn="ctr"/>
+            <a:r>
+              <a:rPr lang="en-US" altLang="ko-KR" sz="1000" dirty="0" smtClean="0"/>
+              <a:t>Display</a:t>
+            </a:r>
+            <a:r>
+              <a:rPr lang="ko-KR" altLang="en-US" sz="1000" dirty="0" smtClean="0"/>
+              <a:t>상태</a:t>
+            </a:r>
+            <a:endParaRPr lang="ko-KR" altLang="en-US" sz="1000" dirty="0"/>
+          </a:p>
+        </p:txBody>
+      </p:sp>
+      <p:sp>
+        <p:nvSpPr>
+          <p:cNvPr id="115" name="타원 114"/>
+          <p:cNvSpPr/>
+          <p:nvPr/>
+        </p:nvSpPr>
+        <p:spPr>
+          <a:xfrm>
+            <a:off x="7226280" y="2255329"/>
+            <a:ext cx="720080" cy="288032"/>
+          </a:xfrm>
+          <a:prstGeom prst="ellipse">
+            <a:avLst/>
+          </a:prstGeom>
+        </p:spPr>
+        <p:style>
+          <a:lnRef idx="2">
+            <a:schemeClr val="accent1">
+              <a:shade val="50000"/>
+            </a:schemeClr>
+          </a:lnRef>
+          <a:fillRef idx="1">
+            <a:schemeClr val="accent1"/>
+          </a:fillRef>
+          <a:effectRef idx="0">
+            <a:schemeClr val="accent1"/>
+          </a:effectRef>
+          <a:fontRef idx="minor">
+            <a:schemeClr val="lt1"/>
+          </a:fontRef>
+        </p:style>
+        <p:txBody>
+          <a:bodyPr rtlCol="0" anchor="ctr"/>
+          <a:lstStyle/>
+          <a:p>
+            <a:pPr algn="ctr"/>
+            <a:r>
+              <a:rPr lang="ko-KR" altLang="en-US" sz="1000" dirty="0" smtClean="0"/>
+              <a:t>내용</a:t>
+            </a:r>
+            <a:endParaRPr lang="ko-KR" altLang="en-US" sz="1000" dirty="0"/>
+          </a:p>
+        </p:txBody>
+      </p:sp>
+      <p:sp>
+        <p:nvSpPr>
+          <p:cNvPr id="116" name="타원 115"/>
+          <p:cNvSpPr/>
+          <p:nvPr/>
+        </p:nvSpPr>
+        <p:spPr>
+          <a:xfrm>
+            <a:off x="6353692" y="2897318"/>
+            <a:ext cx="872588" cy="288032"/>
+          </a:xfrm>
+          <a:prstGeom prst="ellipse">
+            <a:avLst/>
+          </a:prstGeom>
+        </p:spPr>
+        <p:style>
+          <a:lnRef idx="2">
+            <a:schemeClr val="accent3">
+              <a:shade val="50000"/>
+            </a:schemeClr>
+          </a:lnRef>
+          <a:fillRef idx="1">
+            <a:schemeClr val="accent3"/>
+          </a:fillRef>
+          <a:effectRef idx="0">
+            <a:schemeClr val="accent3"/>
+          </a:effectRef>
+          <a:fontRef idx="minor">
+            <a:schemeClr val="lt1"/>
+          </a:fontRef>
+        </p:style>
+        <p:txBody>
+          <a:bodyPr rtlCol="0" anchor="ctr"/>
+          <a:lstStyle/>
+          <a:p>
+            <a:pPr algn="ctr"/>
+            <a:r>
+              <a:rPr lang="ko-KR" altLang="en-US" sz="1000" dirty="0" smtClean="0"/>
+              <a:t>사용자</a:t>
+            </a:r>
+            <a:endParaRPr lang="en-US" altLang="ko-KR" sz="1000" dirty="0" smtClean="0"/>
+          </a:p>
+          <a:p>
+            <a:pPr algn="ctr"/>
+            <a:r>
+              <a:rPr lang="en-US" altLang="ko-KR" sz="1000" dirty="0" smtClean="0"/>
+              <a:t>E-mail</a:t>
+            </a:r>
+            <a:endParaRPr lang="ko-KR" altLang="en-US" sz="1000" dirty="0"/>
+          </a:p>
+        </p:txBody>
+      </p:sp>
+      <p:sp>
+        <p:nvSpPr>
+          <p:cNvPr id="117" name="타원 116"/>
+          <p:cNvSpPr/>
+          <p:nvPr/>
+        </p:nvSpPr>
+        <p:spPr>
+          <a:xfrm>
+            <a:off x="7244279" y="2568274"/>
+            <a:ext cx="886103" cy="288032"/>
+          </a:xfrm>
+          <a:prstGeom prst="ellipse">
+            <a:avLst/>
+          </a:prstGeom>
+        </p:spPr>
+        <p:style>
+          <a:lnRef idx="2">
+            <a:schemeClr val="accent1">
+              <a:shade val="50000"/>
+            </a:schemeClr>
+          </a:lnRef>
+          <a:fillRef idx="1">
+            <a:schemeClr val="accent1"/>
+          </a:fillRef>
+          <a:effectRef idx="0">
+            <a:schemeClr val="accent1"/>
+          </a:effectRef>
+          <a:fontRef idx="minor">
+            <a:schemeClr val="lt1"/>
+          </a:fontRef>
+        </p:style>
+        <p:txBody>
+          <a:bodyPr rtlCol="0" anchor="ctr"/>
+          <a:lstStyle/>
+          <a:p>
+            <a:pPr algn="ctr"/>
+            <a:r>
+              <a:rPr lang="ko-KR" altLang="en-US" sz="1000" dirty="0" smtClean="0"/>
+              <a:t>작</a:t>
+            </a:r>
+            <a:r>
+              <a:rPr lang="ko-KR" altLang="en-US" sz="1000" dirty="0"/>
+              <a:t>성</a:t>
+            </a:r>
+            <a:r>
+              <a:rPr lang="ko-KR" altLang="en-US" sz="1000" dirty="0" smtClean="0"/>
+              <a:t>일</a:t>
+            </a:r>
+            <a:endParaRPr lang="ko-KR" altLang="en-US" sz="1000" dirty="0"/>
+          </a:p>
+        </p:txBody>
+      </p:sp>
+      <p:sp>
+        <p:nvSpPr>
+          <p:cNvPr id="118" name="타원 117"/>
+          <p:cNvSpPr/>
+          <p:nvPr/>
+        </p:nvSpPr>
+        <p:spPr>
+          <a:xfrm>
+            <a:off x="-3622468" y="2445853"/>
+            <a:ext cx="995820" cy="288032"/>
+          </a:xfrm>
+          <a:prstGeom prst="ellipse">
+            <a:avLst/>
+          </a:prstGeom>
+        </p:spPr>
+        <p:style>
+          <a:lnRef idx="2">
+            <a:schemeClr val="accent1">
+              <a:shade val="50000"/>
+            </a:schemeClr>
+          </a:lnRef>
+          <a:fillRef idx="1">
+            <a:schemeClr val="accent1"/>
+          </a:fillRef>
+          <a:effectRef idx="0">
+            <a:schemeClr val="accent1"/>
+          </a:effectRef>
+          <a:fontRef idx="minor">
+            <a:schemeClr val="lt1"/>
+          </a:fontRef>
+        </p:style>
+        <p:txBody>
+          <a:bodyPr rtlCol="0" anchor="ctr"/>
+          <a:lstStyle/>
+          <a:p>
+            <a:pPr algn="ctr"/>
+            <a:r>
+              <a:rPr lang="ko-KR" altLang="en-US" sz="1000" dirty="0" smtClean="0"/>
+              <a:t>마감</a:t>
+            </a:r>
+            <a:r>
+              <a:rPr lang="ko-KR" altLang="en-US" sz="1000" dirty="0"/>
+              <a:t>일</a:t>
+            </a:r>
+          </a:p>
+        </p:txBody>
+      </p:sp>
+      <p:sp>
+        <p:nvSpPr>
+          <p:cNvPr id="119" name="타원 118"/>
+          <p:cNvSpPr/>
+          <p:nvPr/>
+        </p:nvSpPr>
+        <p:spPr>
+          <a:xfrm>
+            <a:off x="-3593093" y="3878430"/>
+            <a:ext cx="846178" cy="288032"/>
+          </a:xfrm>
+          <a:prstGeom prst="ellipse">
+            <a:avLst/>
+          </a:prstGeom>
+        </p:spPr>
+        <p:style>
+          <a:lnRef idx="2">
+            <a:schemeClr val="accent1">
+              <a:shade val="50000"/>
+            </a:schemeClr>
+          </a:lnRef>
+          <a:fillRef idx="1">
+            <a:schemeClr val="accent1"/>
+          </a:fillRef>
+          <a:effectRef idx="0">
+            <a:schemeClr val="accent1"/>
+          </a:effectRef>
+          <a:fontRef idx="minor">
+            <a:schemeClr val="lt1"/>
+          </a:fontRef>
+        </p:style>
+        <p:txBody>
+          <a:bodyPr rtlCol="0" anchor="ctr"/>
+          <a:lstStyle/>
+          <a:p>
+            <a:pPr algn="ctr"/>
+            <a:r>
+              <a:rPr lang="ko-KR" altLang="en-US" sz="1000" dirty="0" smtClean="0"/>
+              <a:t>필수</a:t>
+            </a:r>
+            <a:endParaRPr lang="en-US" altLang="ko-KR" sz="1000" dirty="0" smtClean="0"/>
+          </a:p>
+          <a:p>
+            <a:pPr algn="ctr"/>
+            <a:r>
+              <a:rPr lang="ko-KR" altLang="en-US" sz="1000" dirty="0" smtClean="0"/>
+              <a:t>여</a:t>
+            </a:r>
+            <a:r>
+              <a:rPr lang="ko-KR" altLang="en-US" sz="1000" dirty="0"/>
+              <a:t>부</a:t>
+            </a:r>
+          </a:p>
+        </p:txBody>
+      </p:sp>
+      <p:cxnSp>
+        <p:nvCxnSpPr>
+          <p:cNvPr id="122" name="직선 연결선 121"/>
+          <p:cNvCxnSpPr>
+            <a:stCxn id="6" idx="3"/>
+            <a:endCxn id="180" idx="1"/>
+          </p:cNvCxnSpPr>
+          <p:nvPr/>
+        </p:nvCxnSpPr>
+        <p:spPr>
+          <a:xfrm>
+            <a:off x="4641187" y="1900090"/>
+            <a:ext cx="2009147" cy="9806"/>
           </a:xfrm>
           <a:prstGeom prst="line">
             <a:avLst/>
@@ -4779,54 +5022,16 @@
           </a:fontRef>
         </p:style>
       </p:cxnSp>
-      <p:cxnSp>
-        <p:nvCxnSpPr>
-          <p:cNvPr id="104" name="직선 연결선 103"/>
-          <p:cNvCxnSpPr>
-            <a:stCxn id="84" idx="1"/>
-            <a:endCxn id="43" idx="3"/>
-          </p:cNvCxnSpPr>
-          <p:nvPr/>
-        </p:nvCxnSpPr>
-        <p:spPr>
-          <a:xfrm flipH="1" flipV="1">
-            <a:off x="-81294" y="2275684"/>
-            <a:ext cx="719923" cy="477"/>
-          </a:xfrm>
-          <a:prstGeom prst="line">
-            <a:avLst/>
-          </a:prstGeom>
-          <a:ln>
-            <a:solidFill>
-              <a:schemeClr val="accent6"/>
-            </a:solidFill>
-          </a:ln>
-        </p:spPr>
-        <p:style>
-          <a:lnRef idx="1">
-            <a:schemeClr val="accent1"/>
-          </a:lnRef>
-          <a:fillRef idx="0">
-            <a:schemeClr val="accent1"/>
-          </a:fillRef>
-          <a:effectRef idx="0">
-            <a:schemeClr val="accent1"/>
-          </a:effectRef>
-          <a:fontRef idx="minor">
-            <a:schemeClr val="tx1"/>
-          </a:fontRef>
-        </p:style>
-      </p:cxnSp>
-      <p:sp>
-        <p:nvSpPr>
-          <p:cNvPr id="109" name="타원 108"/>
-          <p:cNvSpPr/>
-          <p:nvPr/>
-        </p:nvSpPr>
-        <p:spPr>
-          <a:xfrm>
-            <a:off x="7625245" y="1375684"/>
-            <a:ext cx="918984" cy="288032"/>
+      <p:sp>
+        <p:nvSpPr>
+          <p:cNvPr id="155" name="타원 154"/>
+          <p:cNvSpPr/>
+          <p:nvPr/>
+        </p:nvSpPr>
+        <p:spPr>
+          <a:xfrm>
+            <a:off x="-3647192" y="2993691"/>
+            <a:ext cx="983756" cy="288032"/>
           </a:xfrm>
           <a:prstGeom prst="ellipse">
             <a:avLst/>
@@ -4855,7 +5060,7 @@
             <a:pPr algn="ctr"/>
             <a:r>
               <a:rPr lang="ko-KR" altLang="en-US" sz="1000" u="sng" dirty="0" err="1" smtClean="0"/>
-              <a:t>댓글</a:t>
+              <a:t>설문형</a:t>
             </a:r>
             <a:endParaRPr lang="en-US" altLang="ko-KR" sz="1000" u="sng" dirty="0" smtClean="0"/>
           </a:p>
@@ -4874,14 +5079,14 @@
       </p:sp>
       <p:sp>
         <p:nvSpPr>
-          <p:cNvPr id="114" name="타원 113"/>
-          <p:cNvSpPr/>
-          <p:nvPr/>
-        </p:nvSpPr>
-        <p:spPr>
-          <a:xfrm>
-            <a:off x="8562974" y="2025729"/>
-            <a:ext cx="1007296" cy="288032"/>
+          <p:cNvPr id="156" name="타원 155"/>
+          <p:cNvSpPr/>
+          <p:nvPr/>
+        </p:nvSpPr>
+        <p:spPr>
+          <a:xfrm>
+            <a:off x="-3541641" y="1277204"/>
+            <a:ext cx="857950" cy="288032"/>
           </a:xfrm>
           <a:prstGeom prst="ellipse">
             <a:avLst/>
@@ -4889,416 +5094,6 @@
         </p:spPr>
         <p:style>
           <a:lnRef idx="2">
-            <a:schemeClr val="accent1">
-              <a:shade val="50000"/>
-            </a:schemeClr>
-          </a:lnRef>
-          <a:fillRef idx="1">
-            <a:schemeClr val="accent1"/>
-          </a:fillRef>
-          <a:effectRef idx="0">
-            <a:schemeClr val="accent1"/>
-          </a:effectRef>
-          <a:fontRef idx="minor">
-            <a:schemeClr val="lt1"/>
-          </a:fontRef>
-        </p:style>
-        <p:txBody>
-          <a:bodyPr rtlCol="0" anchor="ctr"/>
-          <a:lstStyle/>
-          <a:p>
-            <a:pPr algn="ctr"/>
-            <a:r>
-              <a:rPr lang="en-US" altLang="ko-KR" sz="1000" dirty="0" smtClean="0"/>
-              <a:t>Display</a:t>
-            </a:r>
-            <a:r>
-              <a:rPr lang="ko-KR" altLang="en-US" sz="1000" dirty="0" smtClean="0"/>
-              <a:t>상태</a:t>
-            </a:r>
-            <a:endParaRPr lang="ko-KR" altLang="en-US" sz="1000" dirty="0"/>
-          </a:p>
-        </p:txBody>
-      </p:sp>
-      <p:sp>
-        <p:nvSpPr>
-          <p:cNvPr id="115" name="타원 114"/>
-          <p:cNvSpPr/>
-          <p:nvPr/>
-        </p:nvSpPr>
-        <p:spPr>
-          <a:xfrm>
-            <a:off x="8562974" y="1392981"/>
-            <a:ext cx="720080" cy="288032"/>
-          </a:xfrm>
-          <a:prstGeom prst="ellipse">
-            <a:avLst/>
-          </a:prstGeom>
-        </p:spPr>
-        <p:style>
-          <a:lnRef idx="2">
-            <a:schemeClr val="accent1">
-              <a:shade val="50000"/>
-            </a:schemeClr>
-          </a:lnRef>
-          <a:fillRef idx="1">
-            <a:schemeClr val="accent1"/>
-          </a:fillRef>
-          <a:effectRef idx="0">
-            <a:schemeClr val="accent1"/>
-          </a:effectRef>
-          <a:fontRef idx="minor">
-            <a:schemeClr val="lt1"/>
-          </a:fontRef>
-        </p:style>
-        <p:txBody>
-          <a:bodyPr rtlCol="0" anchor="ctr"/>
-          <a:lstStyle/>
-          <a:p>
-            <a:pPr algn="ctr"/>
-            <a:r>
-              <a:rPr lang="ko-KR" altLang="en-US" sz="1000" dirty="0" smtClean="0"/>
-              <a:t>내용</a:t>
-            </a:r>
-            <a:endParaRPr lang="ko-KR" altLang="en-US" sz="1000" dirty="0"/>
-          </a:p>
-        </p:txBody>
-      </p:sp>
-      <p:sp>
-        <p:nvSpPr>
-          <p:cNvPr id="116" name="타원 115"/>
-          <p:cNvSpPr/>
-          <p:nvPr/>
-        </p:nvSpPr>
-        <p:spPr>
-          <a:xfrm>
-            <a:off x="7690386" y="2034970"/>
-            <a:ext cx="872588" cy="288032"/>
-          </a:xfrm>
-          <a:prstGeom prst="ellipse">
-            <a:avLst/>
-          </a:prstGeom>
-        </p:spPr>
-        <p:style>
-          <a:lnRef idx="2">
-            <a:schemeClr val="accent3">
-              <a:shade val="50000"/>
-            </a:schemeClr>
-          </a:lnRef>
-          <a:fillRef idx="1">
-            <a:schemeClr val="accent3"/>
-          </a:fillRef>
-          <a:effectRef idx="0">
-            <a:schemeClr val="accent3"/>
-          </a:effectRef>
-          <a:fontRef idx="minor">
-            <a:schemeClr val="lt1"/>
-          </a:fontRef>
-        </p:style>
-        <p:txBody>
-          <a:bodyPr rtlCol="0" anchor="ctr"/>
-          <a:lstStyle/>
-          <a:p>
-            <a:pPr algn="ctr"/>
-            <a:r>
-              <a:rPr lang="ko-KR" altLang="en-US" sz="1000" dirty="0" smtClean="0"/>
-              <a:t>사용자</a:t>
-            </a:r>
-            <a:endParaRPr lang="en-US" altLang="ko-KR" sz="1000" dirty="0" smtClean="0"/>
-          </a:p>
-          <a:p>
-            <a:pPr algn="ctr"/>
-            <a:r>
-              <a:rPr lang="en-US" altLang="ko-KR" sz="1000" dirty="0" smtClean="0"/>
-              <a:t>E-mail</a:t>
-            </a:r>
-            <a:endParaRPr lang="ko-KR" altLang="en-US" sz="1000" dirty="0"/>
-          </a:p>
-        </p:txBody>
-      </p:sp>
-      <p:sp>
-        <p:nvSpPr>
-          <p:cNvPr id="117" name="타원 116"/>
-          <p:cNvSpPr/>
-          <p:nvPr/>
-        </p:nvSpPr>
-        <p:spPr>
-          <a:xfrm>
-            <a:off x="8580973" y="1705926"/>
-            <a:ext cx="886103" cy="288032"/>
-          </a:xfrm>
-          <a:prstGeom prst="ellipse">
-            <a:avLst/>
-          </a:prstGeom>
-        </p:spPr>
-        <p:style>
-          <a:lnRef idx="2">
-            <a:schemeClr val="accent1">
-              <a:shade val="50000"/>
-            </a:schemeClr>
-          </a:lnRef>
-          <a:fillRef idx="1">
-            <a:schemeClr val="accent1"/>
-          </a:fillRef>
-          <a:effectRef idx="0">
-            <a:schemeClr val="accent1"/>
-          </a:effectRef>
-          <a:fontRef idx="minor">
-            <a:schemeClr val="lt1"/>
-          </a:fontRef>
-        </p:style>
-        <p:txBody>
-          <a:bodyPr rtlCol="0" anchor="ctr"/>
-          <a:lstStyle/>
-          <a:p>
-            <a:pPr algn="ctr"/>
-            <a:r>
-              <a:rPr lang="ko-KR" altLang="en-US" sz="1000" dirty="0" smtClean="0"/>
-              <a:t>등록일</a:t>
-            </a:r>
-            <a:endParaRPr lang="ko-KR" altLang="en-US" sz="1000" dirty="0"/>
-          </a:p>
-        </p:txBody>
-      </p:sp>
-      <p:sp>
-        <p:nvSpPr>
-          <p:cNvPr id="118" name="타원 117"/>
-          <p:cNvSpPr/>
-          <p:nvPr/>
-        </p:nvSpPr>
-        <p:spPr>
-          <a:xfrm>
-            <a:off x="-1858527" y="2625839"/>
-            <a:ext cx="995820" cy="288032"/>
-          </a:xfrm>
-          <a:prstGeom prst="ellipse">
-            <a:avLst/>
-          </a:prstGeom>
-        </p:spPr>
-        <p:style>
-          <a:lnRef idx="2">
-            <a:schemeClr val="accent1">
-              <a:shade val="50000"/>
-            </a:schemeClr>
-          </a:lnRef>
-          <a:fillRef idx="1">
-            <a:schemeClr val="accent1"/>
-          </a:fillRef>
-          <a:effectRef idx="0">
-            <a:schemeClr val="accent1"/>
-          </a:effectRef>
-          <a:fontRef idx="minor">
-            <a:schemeClr val="lt1"/>
-          </a:fontRef>
-        </p:style>
-        <p:txBody>
-          <a:bodyPr rtlCol="0" anchor="ctr"/>
-          <a:lstStyle/>
-          <a:p>
-            <a:pPr algn="ctr"/>
-            <a:r>
-              <a:rPr lang="ko-KR" altLang="en-US" sz="1000" dirty="0" smtClean="0"/>
-              <a:t>마감</a:t>
-            </a:r>
-            <a:r>
-              <a:rPr lang="ko-KR" altLang="en-US" sz="1000" dirty="0"/>
-              <a:t>일</a:t>
-            </a:r>
-          </a:p>
-        </p:txBody>
-      </p:sp>
-      <p:sp>
-        <p:nvSpPr>
-          <p:cNvPr id="119" name="타원 118"/>
-          <p:cNvSpPr/>
-          <p:nvPr/>
-        </p:nvSpPr>
-        <p:spPr>
-          <a:xfrm>
-            <a:off x="-1773448" y="4037696"/>
-            <a:ext cx="846178" cy="288032"/>
-          </a:xfrm>
-          <a:prstGeom prst="ellipse">
-            <a:avLst/>
-          </a:prstGeom>
-        </p:spPr>
-        <p:style>
-          <a:lnRef idx="2">
-            <a:schemeClr val="accent1">
-              <a:shade val="50000"/>
-            </a:schemeClr>
-          </a:lnRef>
-          <a:fillRef idx="1">
-            <a:schemeClr val="accent1"/>
-          </a:fillRef>
-          <a:effectRef idx="0">
-            <a:schemeClr val="accent1"/>
-          </a:effectRef>
-          <a:fontRef idx="minor">
-            <a:schemeClr val="lt1"/>
-          </a:fontRef>
-        </p:style>
-        <p:txBody>
-          <a:bodyPr rtlCol="0" anchor="ctr"/>
-          <a:lstStyle/>
-          <a:p>
-            <a:pPr algn="ctr"/>
-            <a:r>
-              <a:rPr lang="ko-KR" altLang="en-US" sz="1000" dirty="0" smtClean="0"/>
-              <a:t>필수</a:t>
-            </a:r>
-            <a:endParaRPr lang="en-US" altLang="ko-KR" sz="1000" dirty="0" smtClean="0"/>
-          </a:p>
-          <a:p>
-            <a:pPr algn="ctr"/>
-            <a:r>
-              <a:rPr lang="ko-KR" altLang="en-US" sz="1000" dirty="0" smtClean="0"/>
-              <a:t>여</a:t>
-            </a:r>
-            <a:r>
-              <a:rPr lang="ko-KR" altLang="en-US" sz="1000" dirty="0"/>
-              <a:t>부</a:t>
-            </a:r>
-          </a:p>
-        </p:txBody>
-      </p:sp>
-      <p:sp>
-        <p:nvSpPr>
-          <p:cNvPr id="120" name="다이아몬드 119"/>
-          <p:cNvSpPr/>
-          <p:nvPr/>
-        </p:nvSpPr>
-        <p:spPr>
-          <a:xfrm>
-            <a:off x="5258136" y="1712377"/>
-            <a:ext cx="1014313" cy="370680"/>
-          </a:xfrm>
-          <a:prstGeom prst="diamond">
-            <a:avLst/>
-          </a:prstGeom>
-        </p:spPr>
-        <p:style>
-          <a:lnRef idx="2">
-            <a:schemeClr val="accent1">
-              <a:shade val="50000"/>
-            </a:schemeClr>
-          </a:lnRef>
-          <a:fillRef idx="1">
-            <a:schemeClr val="accent1"/>
-          </a:fillRef>
-          <a:effectRef idx="0">
-            <a:schemeClr val="accent1"/>
-          </a:effectRef>
-          <a:fontRef idx="minor">
-            <a:schemeClr val="lt1"/>
-          </a:fontRef>
-        </p:style>
-        <p:txBody>
-          <a:bodyPr rtlCol="0" anchor="ctr"/>
-          <a:lstStyle/>
-          <a:p>
-            <a:pPr algn="ctr"/>
-            <a:r>
-              <a:rPr lang="ko-KR" altLang="en-US" sz="1000" dirty="0" smtClean="0"/>
-              <a:t>참여</a:t>
-            </a:r>
-            <a:endParaRPr lang="ko-KR" altLang="en-US" sz="1000" dirty="0"/>
-          </a:p>
-        </p:txBody>
-      </p:sp>
-      <p:cxnSp>
-        <p:nvCxnSpPr>
-          <p:cNvPr id="122" name="직선 연결선 121"/>
-          <p:cNvCxnSpPr>
-            <a:stCxn id="6" idx="3"/>
-            <a:endCxn id="120" idx="1"/>
-          </p:cNvCxnSpPr>
-          <p:nvPr/>
-        </p:nvCxnSpPr>
-        <p:spPr>
-          <a:xfrm flipV="1">
-            <a:off x="4641187" y="1897717"/>
-            <a:ext cx="616949" cy="2373"/>
-          </a:xfrm>
-          <a:prstGeom prst="line">
-            <a:avLst/>
-          </a:prstGeom>
-          <a:ln>
-            <a:solidFill>
-              <a:schemeClr val="accent6"/>
-            </a:solidFill>
-          </a:ln>
-        </p:spPr>
-        <p:style>
-          <a:lnRef idx="1">
-            <a:schemeClr val="accent1"/>
-          </a:lnRef>
-          <a:fillRef idx="0">
-            <a:schemeClr val="accent1"/>
-          </a:fillRef>
-          <a:effectRef idx="0">
-            <a:schemeClr val="accent1"/>
-          </a:effectRef>
-          <a:fontRef idx="minor">
-            <a:schemeClr val="tx1"/>
-          </a:fontRef>
-        </p:style>
-      </p:cxnSp>
-      <p:cxnSp>
-        <p:nvCxnSpPr>
-          <p:cNvPr id="125" name="직선 연결선 124"/>
-          <p:cNvCxnSpPr>
-            <a:stCxn id="120" idx="3"/>
-            <a:endCxn id="59" idx="1"/>
-          </p:cNvCxnSpPr>
-          <p:nvPr/>
-        </p:nvCxnSpPr>
-        <p:spPr>
-          <a:xfrm>
-            <a:off x="6272449" y="1897717"/>
-            <a:ext cx="407811" cy="2373"/>
-          </a:xfrm>
-          <a:prstGeom prst="line">
-            <a:avLst/>
-          </a:prstGeom>
-          <a:ln>
-            <a:solidFill>
-              <a:schemeClr val="accent6"/>
-            </a:solidFill>
-          </a:ln>
-        </p:spPr>
-        <p:style>
-          <a:lnRef idx="1">
-            <a:schemeClr val="accent1"/>
-          </a:lnRef>
-          <a:fillRef idx="0">
-            <a:schemeClr val="accent1"/>
-          </a:fillRef>
-          <a:effectRef idx="0">
-            <a:schemeClr val="accent1"/>
-          </a:effectRef>
-          <a:fontRef idx="minor">
-            <a:schemeClr val="tx1"/>
-          </a:fontRef>
-        </p:style>
-      </p:cxnSp>
-      <p:sp>
-        <p:nvSpPr>
-          <p:cNvPr id="155" name="타원 154"/>
-          <p:cNvSpPr/>
-          <p:nvPr/>
-        </p:nvSpPr>
-        <p:spPr>
-          <a:xfrm>
-            <a:off x="-1827547" y="3152957"/>
-            <a:ext cx="983756" cy="288032"/>
-          </a:xfrm>
-          <a:prstGeom prst="ellipse">
-            <a:avLst/>
-          </a:prstGeom>
-        </p:spPr>
-        <p:style>
-          <a:lnRef idx="2">
             <a:schemeClr val="accent2">
               <a:shade val="50000"/>
             </a:schemeClr>
@@ -5319,8 +5114,12 @@
           <a:p>
             <a:pPr algn="ctr"/>
             <a:r>
-              <a:rPr lang="ko-KR" altLang="en-US" sz="1000" u="sng" dirty="0" err="1" smtClean="0"/>
-              <a:t>설문형</a:t>
+              <a:rPr lang="en-US" altLang="ko-KR" sz="1000" u="sng" dirty="0" smtClean="0"/>
+              <a:t>VS</a:t>
+            </a:r>
+            <a:r>
+              <a:rPr lang="ko-KR" altLang="en-US" sz="1000" u="sng" dirty="0" smtClean="0"/>
+              <a:t>형</a:t>
             </a:r>
             <a:endParaRPr lang="en-US" altLang="ko-KR" sz="1000" u="sng" dirty="0" smtClean="0"/>
           </a:p>
@@ -5339,65 +5138,6 @@
       </p:sp>
       <p:sp>
         <p:nvSpPr>
-          <p:cNvPr id="156" name="타원 155"/>
-          <p:cNvSpPr/>
-          <p:nvPr/>
-        </p:nvSpPr>
-        <p:spPr>
-          <a:xfrm>
-            <a:off x="-1777700" y="1457190"/>
-            <a:ext cx="857950" cy="288032"/>
-          </a:xfrm>
-          <a:prstGeom prst="ellipse">
-            <a:avLst/>
-          </a:prstGeom>
-        </p:spPr>
-        <p:style>
-          <a:lnRef idx="2">
-            <a:schemeClr val="accent2">
-              <a:shade val="50000"/>
-            </a:schemeClr>
-          </a:lnRef>
-          <a:fillRef idx="1">
-            <a:schemeClr val="accent2"/>
-          </a:fillRef>
-          <a:effectRef idx="0">
-            <a:schemeClr val="accent2"/>
-          </a:effectRef>
-          <a:fontRef idx="minor">
-            <a:schemeClr val="lt1"/>
-          </a:fontRef>
-        </p:style>
-        <p:txBody>
-          <a:bodyPr rtlCol="0" anchor="ctr"/>
-          <a:lstStyle/>
-          <a:p>
-            <a:pPr algn="ctr"/>
-            <a:r>
-              <a:rPr lang="en-US" altLang="ko-KR" sz="1000" u="sng" dirty="0" smtClean="0"/>
-              <a:t>VS</a:t>
-            </a:r>
-            <a:r>
-              <a:rPr lang="ko-KR" altLang="en-US" sz="1000" u="sng" dirty="0" smtClean="0"/>
-              <a:t>형</a:t>
-            </a:r>
-            <a:endParaRPr lang="en-US" altLang="ko-KR" sz="1000" u="sng" dirty="0" smtClean="0"/>
-          </a:p>
-          <a:p>
-            <a:pPr algn="ctr"/>
-            <a:r>
-              <a:rPr lang="ko-KR" altLang="en-US" sz="1000" u="sng" dirty="0" smtClean="0"/>
-              <a:t>번</a:t>
-            </a:r>
-            <a:r>
-              <a:rPr lang="ko-KR" altLang="en-US" sz="1000" u="sng" dirty="0"/>
-              <a:t>호</a:t>
-            </a:r>
-          </a:p>
-        </p:txBody>
-      </p:sp>
-      <p:sp>
-        <p:nvSpPr>
           <p:cNvPr id="171" name="다이아몬드 170"/>
           <p:cNvSpPr/>
           <p:nvPr/>
@@ -5433,61 +5173,6 @@
           <a:p>
             <a:pPr algn="ctr"/>
             <a:endParaRPr lang="ko-KR" altLang="en-US" sz="1000"/>
-          </a:p>
-        </p:txBody>
-      </p:sp>
-      <p:sp>
-        <p:nvSpPr>
-          <p:cNvPr id="172" name="다이아몬드 171"/>
-          <p:cNvSpPr/>
-          <p:nvPr/>
-        </p:nvSpPr>
-        <p:spPr>
-          <a:xfrm>
-            <a:off x="669992" y="3335234"/>
-            <a:ext cx="900100" cy="576064"/>
-          </a:xfrm>
-          <a:prstGeom prst="diamond">
-            <a:avLst/>
-          </a:prstGeom>
-        </p:spPr>
-        <p:style>
-          <a:lnRef idx="2">
-            <a:schemeClr val="accent1">
-              <a:shade val="50000"/>
-            </a:schemeClr>
-          </a:lnRef>
-          <a:fillRef idx="1">
-            <a:schemeClr val="accent1"/>
-          </a:fillRef>
-          <a:effectRef idx="0">
-            <a:schemeClr val="accent1"/>
-          </a:effectRef>
-          <a:fontRef idx="minor">
-            <a:schemeClr val="lt1"/>
-          </a:fontRef>
-        </p:style>
-        <p:txBody>
-          <a:bodyPr rtlCol="0" anchor="ctr"/>
-          <a:lstStyle/>
-          <a:p>
-            <a:pPr algn="ctr"/>
-            <a:r>
-              <a:rPr lang="ko-KR" altLang="en-US" sz="1000" dirty="0" smtClean="0"/>
-              <a:t>설문</a:t>
-            </a:r>
-            <a:endParaRPr lang="en-US" altLang="ko-KR" sz="1000" dirty="0" smtClean="0"/>
-          </a:p>
-          <a:p>
-            <a:pPr algn="ctr"/>
-            <a:r>
-              <a:rPr lang="ko-KR" altLang="en-US" sz="1000" dirty="0" smtClean="0"/>
-              <a:t>타</a:t>
-            </a:r>
-            <a:r>
-              <a:rPr lang="ko-KR" altLang="en-US" sz="1000" dirty="0"/>
-              <a:t>입</a:t>
-            </a:r>
           </a:p>
         </p:txBody>
       </p:sp>
@@ -5496,21 +5181,21 @@
           <p:cNvPr id="174" name="직선 연결선 173"/>
           <p:cNvCxnSpPr>
             <a:stCxn id="60" idx="3"/>
-            <a:endCxn id="172" idx="1"/>
+            <a:endCxn id="128" idx="1"/>
           </p:cNvCxnSpPr>
           <p:nvPr/>
         </p:nvCxnSpPr>
         <p:spPr>
           <a:xfrm>
-            <a:off x="-97759" y="3623266"/>
-            <a:ext cx="767751" cy="0"/>
+            <a:off x="-1917404" y="3464000"/>
+            <a:ext cx="1568251" cy="1194428"/>
           </a:xfrm>
           <a:prstGeom prst="line">
             <a:avLst/>
           </a:prstGeom>
           <a:ln>
             <a:solidFill>
-              <a:schemeClr val="accent6"/>
+              <a:schemeClr val="tx2"/>
             </a:solidFill>
           </a:ln>
         </p:spPr>
@@ -5533,22 +5218,22 @@
         <p:nvCxnSpPr>
           <p:cNvPr id="177" name="직선 연결선 176"/>
           <p:cNvCxnSpPr>
-            <a:stCxn id="172" idx="3"/>
-            <a:endCxn id="6" idx="1"/>
+            <a:stCxn id="128" idx="3"/>
+            <a:endCxn id="108" idx="1"/>
           </p:cNvCxnSpPr>
           <p:nvPr/>
         </p:nvCxnSpPr>
         <p:spPr>
-          <a:xfrm flipV="1">
-            <a:off x="1570092" y="1900090"/>
-            <a:ext cx="1964673" cy="1723176"/>
+          <a:xfrm>
+            <a:off x="458028" y="4658428"/>
+            <a:ext cx="3585202" cy="2376329"/>
           </a:xfrm>
           <a:prstGeom prst="line">
             <a:avLst/>
           </a:prstGeom>
           <a:ln>
             <a:solidFill>
-              <a:schemeClr val="accent6"/>
+              <a:schemeClr val="tx2"/>
             </a:solidFill>
           </a:ln>
         </p:spPr>
@@ -5575,7 +5260,7 @@
         </p:nvSpPr>
         <p:spPr>
           <a:xfrm>
-            <a:off x="-2045057" y="4325728"/>
+            <a:off x="-3861899" y="4147012"/>
             <a:ext cx="720080" cy="288032"/>
           </a:xfrm>
           <a:prstGeom prst="ellipse">
@@ -5619,7 +5304,7 @@
         </p:nvSpPr>
         <p:spPr>
           <a:xfrm>
-            <a:off x="-1799433" y="5486652"/>
+            <a:off x="1953811" y="4308586"/>
             <a:ext cx="880086" cy="288032"/>
           </a:xfrm>
           <a:prstGeom prst="ellipse">
@@ -5674,7 +5359,7 @@
         </p:nvSpPr>
         <p:spPr>
           <a:xfrm>
-            <a:off x="-1777700" y="5080526"/>
+            <a:off x="2054523" y="4002252"/>
             <a:ext cx="817390" cy="288032"/>
           </a:xfrm>
           <a:prstGeom prst="ellipse">
@@ -5733,7 +5418,7 @@
         </p:nvSpPr>
         <p:spPr>
           <a:xfrm>
-            <a:off x="-1740349" y="6154683"/>
+            <a:off x="2027084" y="4965952"/>
             <a:ext cx="830743" cy="288032"/>
           </a:xfrm>
           <a:prstGeom prst="ellipse">
@@ -5785,7 +5470,7 @@
         </p:nvSpPr>
         <p:spPr>
           <a:xfrm>
-            <a:off x="-1782093" y="5791013"/>
+            <a:off x="1988491" y="4607129"/>
             <a:ext cx="845406" cy="323210"/>
           </a:xfrm>
           <a:prstGeom prst="ellipse">
@@ -5815,132 +5500,16 @@
             <a:pPr algn="ctr"/>
             <a:r>
               <a:rPr lang="ko-KR" altLang="en-US" sz="1000" dirty="0" smtClean="0"/>
-              <a:t>사용자아이디</a:t>
+              <a:t>사용자</a:t>
+            </a:r>
+            <a:r>
+              <a:rPr lang="en-US" altLang="ko-KR" sz="1000" dirty="0" smtClean="0"/>
+              <a:t>E-mail</a:t>
             </a:r>
             <a:endParaRPr lang="ko-KR" altLang="en-US" sz="1000" dirty="0"/>
           </a:p>
         </p:txBody>
       </p:sp>
-      <p:sp>
-        <p:nvSpPr>
-          <p:cNvPr id="200" name="다이아몬드 199"/>
-          <p:cNvSpPr/>
-          <p:nvPr/>
-        </p:nvSpPr>
-        <p:spPr>
-          <a:xfrm>
-            <a:off x="450251" y="5433992"/>
-            <a:ext cx="1080120" cy="330492"/>
-          </a:xfrm>
-          <a:prstGeom prst="diamond">
-            <a:avLst/>
-          </a:prstGeom>
-        </p:spPr>
-        <p:style>
-          <a:lnRef idx="2">
-            <a:schemeClr val="accent1">
-              <a:shade val="50000"/>
-            </a:schemeClr>
-          </a:lnRef>
-          <a:fillRef idx="1">
-            <a:schemeClr val="accent1"/>
-          </a:fillRef>
-          <a:effectRef idx="0">
-            <a:schemeClr val="accent1"/>
-          </a:effectRef>
-          <a:fontRef idx="minor">
-            <a:schemeClr val="lt1"/>
-          </a:fontRef>
-        </p:style>
-        <p:txBody>
-          <a:bodyPr rtlCol="0" anchor="ctr"/>
-          <a:lstStyle/>
-          <a:p>
-            <a:pPr algn="ctr"/>
-            <a:r>
-              <a:rPr lang="ko-KR" altLang="en-US" sz="1000" dirty="0" smtClean="0"/>
-              <a:t>공감</a:t>
-            </a:r>
-            <a:endParaRPr lang="ko-KR" altLang="en-US" sz="1000" dirty="0"/>
-          </a:p>
-        </p:txBody>
-      </p:sp>
-      <p:cxnSp>
-        <p:nvCxnSpPr>
-          <p:cNvPr id="202" name="직선 연결선 201"/>
-          <p:cNvCxnSpPr>
-            <a:stCxn id="6" idx="1"/>
-            <a:endCxn id="200" idx="3"/>
-          </p:cNvCxnSpPr>
-          <p:nvPr/>
-        </p:nvCxnSpPr>
-        <p:spPr>
-          <a:xfrm flipH="1">
-            <a:off x="1530371" y="1900090"/>
-            <a:ext cx="2004394" cy="3699148"/>
-          </a:xfrm>
-          <a:prstGeom prst="line">
-            <a:avLst/>
-          </a:prstGeom>
-          <a:ln>
-            <a:solidFill>
-              <a:schemeClr val="accent6"/>
-            </a:solidFill>
-          </a:ln>
-        </p:spPr>
-        <p:style>
-          <a:lnRef idx="1">
-            <a:schemeClr val="accent1"/>
-          </a:lnRef>
-          <a:fillRef idx="0">
-            <a:schemeClr val="accent1"/>
-          </a:fillRef>
-          <a:effectRef idx="0">
-            <a:schemeClr val="accent1"/>
-          </a:effectRef>
-          <a:fontRef idx="minor">
-            <a:schemeClr val="tx1"/>
-          </a:fontRef>
-        </p:style>
-      </p:cxnSp>
-      <p:cxnSp>
-        <p:nvCxnSpPr>
-          <p:cNvPr id="204" name="직선 연결선 203"/>
-          <p:cNvCxnSpPr>
-            <a:stCxn id="200" idx="1"/>
-            <a:endCxn id="58" idx="3"/>
-          </p:cNvCxnSpPr>
-          <p:nvPr/>
-        </p:nvCxnSpPr>
-        <p:spPr>
-          <a:xfrm flipH="1">
-            <a:off x="198411" y="5599238"/>
-            <a:ext cx="251840" cy="0"/>
-          </a:xfrm>
-          <a:prstGeom prst="line">
-            <a:avLst/>
-          </a:prstGeom>
-          <a:ln>
-            <a:solidFill>
-              <a:schemeClr val="accent6"/>
-            </a:solidFill>
-          </a:ln>
-        </p:spPr>
-        <p:style>
-          <a:lnRef idx="1">
-            <a:schemeClr val="accent1"/>
-          </a:lnRef>
-          <a:fillRef idx="0">
-            <a:schemeClr val="accent1"/>
-          </a:fillRef>
-          <a:effectRef idx="0">
-            <a:schemeClr val="accent1"/>
-          </a:effectRef>
-          <a:fontRef idx="minor">
-            <a:schemeClr val="tx1"/>
-          </a:fontRef>
-        </p:style>
-      </p:cxnSp>
       <p:sp>
         <p:nvSpPr>
           <p:cNvPr id="230" name="직사각형 229"/>
@@ -5989,8 +5558,8 @@
         </p:nvSpPr>
         <p:spPr>
           <a:xfrm>
-            <a:off x="7754451" y="4348488"/>
-            <a:ext cx="720080" cy="288032"/>
+            <a:off x="8794989" y="3894887"/>
+            <a:ext cx="954587" cy="388314"/>
           </a:xfrm>
           <a:prstGeom prst="ellipse">
             <a:avLst/>
@@ -6026,8 +5595,16 @@
               <a:t>/</a:t>
             </a:r>
             <a:r>
-              <a:rPr lang="ko-KR" altLang="en-US" sz="1000" u="sng" dirty="0" err="1" smtClean="0"/>
-              <a:t>반번호</a:t>
+              <a:rPr lang="ko-KR" altLang="en-US" sz="1000" u="sng" dirty="0" smtClean="0"/>
+              <a:t>반</a:t>
+            </a:r>
+            <a:endParaRPr lang="en-US" altLang="ko-KR" sz="1000" u="sng" dirty="0" smtClean="0"/>
+          </a:p>
+          <a:p>
+            <a:pPr algn="ctr"/>
+            <a:r>
+              <a:rPr lang="ko-KR" altLang="en-US" sz="1000" u="sng" dirty="0" smtClean="0"/>
+              <a:t>번호</a:t>
             </a:r>
             <a:endParaRPr lang="ko-KR" altLang="en-US" sz="1000" u="sng" dirty="0"/>
           </a:p>
@@ -6041,8 +5618,8 @@
         </p:nvSpPr>
         <p:spPr>
           <a:xfrm>
-            <a:off x="8474531" y="4372513"/>
-            <a:ext cx="720080" cy="288032"/>
+            <a:off x="9077394" y="4267500"/>
+            <a:ext cx="720080" cy="339629"/>
           </a:xfrm>
           <a:prstGeom prst="ellipse">
             <a:avLst/>
@@ -6085,8 +5662,8 @@
         </p:nvSpPr>
         <p:spPr>
           <a:xfrm>
-            <a:off x="9204091" y="4372513"/>
-            <a:ext cx="981314" cy="288032"/>
+            <a:off x="9107264" y="4579337"/>
+            <a:ext cx="981314" cy="365635"/>
           </a:xfrm>
           <a:prstGeom prst="ellipse">
             <a:avLst/>
@@ -6122,13 +5699,10 @@
           <a:p>
             <a:pPr algn="ctr"/>
             <a:r>
-              <a:rPr lang="ko-KR" altLang="en-US" sz="1000" dirty="0" smtClean="0"/>
-              <a:t>아이</a:t>
-            </a:r>
-            <a:r>
-              <a:rPr lang="ko-KR" altLang="en-US" sz="1000" dirty="0"/>
-              <a:t>디</a:t>
-            </a:r>
+              <a:rPr lang="en-US" altLang="ko-KR" sz="1000" dirty="0" smtClean="0"/>
+              <a:t>E-mail</a:t>
+            </a:r>
+            <a:endParaRPr lang="ko-KR" altLang="en-US" sz="1000" dirty="0"/>
           </a:p>
         </p:txBody>
       </p:sp>
@@ -6140,8 +5714,8 @@
         </p:nvSpPr>
         <p:spPr>
           <a:xfrm>
-            <a:off x="8049939" y="4660545"/>
-            <a:ext cx="971580" cy="288032"/>
+            <a:off x="9042290" y="4966902"/>
+            <a:ext cx="971580" cy="356220"/>
           </a:xfrm>
           <a:prstGeom prst="ellipse">
             <a:avLst/>
@@ -6203,7 +5777,7 @@
         </p:nvSpPr>
         <p:spPr>
           <a:xfrm>
-            <a:off x="3061367" y="-78147"/>
+            <a:off x="3947995" y="-94700"/>
             <a:ext cx="1007296" cy="288032"/>
           </a:xfrm>
           <a:prstGeom prst="ellipse">
@@ -6251,7 +5825,7 @@
         </p:nvSpPr>
         <p:spPr>
           <a:xfrm>
-            <a:off x="-1345446" y="4315152"/>
+            <a:off x="-3165091" y="4155886"/>
             <a:ext cx="995820" cy="288032"/>
           </a:xfrm>
           <a:prstGeom prst="ellipse">
@@ -6290,39 +5864,6 @@
           </a:p>
         </p:txBody>
       </p:sp>
-      <p:cxnSp>
-        <p:nvCxnSpPr>
-          <p:cNvPr id="30" name="직선 연결선 29"/>
-          <p:cNvCxnSpPr>
-            <a:stCxn id="59" idx="2"/>
-            <a:endCxn id="105" idx="0"/>
-          </p:cNvCxnSpPr>
-          <p:nvPr/>
-        </p:nvCxnSpPr>
-        <p:spPr>
-          <a:xfrm>
-            <a:off x="7122686" y="2237336"/>
-            <a:ext cx="19" cy="1893719"/>
-          </a:xfrm>
-          <a:prstGeom prst="line">
-            <a:avLst/>
-          </a:prstGeom>
-        </p:spPr>
-        <p:style>
-          <a:lnRef idx="1">
-            <a:schemeClr val="accent1"/>
-          </a:lnRef>
-          <a:fillRef idx="0">
-            <a:schemeClr val="accent1"/>
-          </a:fillRef>
-          <a:effectRef idx="0">
-            <a:schemeClr val="accent1"/>
-          </a:effectRef>
-          <a:fontRef idx="minor">
-            <a:schemeClr val="tx1"/>
-          </a:fontRef>
-        </p:style>
-      </p:cxnSp>
       <p:sp>
         <p:nvSpPr>
           <p:cNvPr id="105" name="다이아몬드 104"/>
@@ -6331,7 +5872,7 @@
         </p:nvSpPr>
         <p:spPr>
           <a:xfrm>
-            <a:off x="6553465" y="4131055"/>
+            <a:off x="8041856" y="4266717"/>
             <a:ext cx="1138480" cy="792101"/>
           </a:xfrm>
           <a:prstGeom prst="diamond">
@@ -6395,7 +5936,7 @@
         </p:nvSpPr>
         <p:spPr>
           <a:xfrm>
-            <a:off x="2906610" y="5580434"/>
+            <a:off x="4043230" y="6522745"/>
             <a:ext cx="1457294" cy="1024024"/>
           </a:xfrm>
           <a:prstGeom prst="rect">
@@ -6443,7 +5984,7 @@
         </p:nvSpPr>
         <p:spPr>
           <a:xfrm>
-            <a:off x="2582574" y="4652193"/>
+            <a:off x="5504034" y="8018579"/>
             <a:ext cx="648072" cy="360040"/>
           </a:xfrm>
           <a:prstGeom prst="ellipse">
@@ -6487,7 +6028,7 @@
         </p:nvSpPr>
         <p:spPr>
           <a:xfrm>
-            <a:off x="2713860" y="5018143"/>
+            <a:off x="5357001" y="6927904"/>
             <a:ext cx="1080120" cy="360040"/>
           </a:xfrm>
           <a:prstGeom prst="ellipse">
@@ -6539,7 +6080,7 @@
         </p:nvSpPr>
         <p:spPr>
           <a:xfrm>
-            <a:off x="2437154" y="5258105"/>
+            <a:off x="5487653" y="6567864"/>
             <a:ext cx="900100" cy="360040"/>
           </a:xfrm>
           <a:prstGeom prst="ellipse">
@@ -6591,7 +6132,7 @@
         </p:nvSpPr>
         <p:spPr>
           <a:xfrm>
-            <a:off x="3722855" y="5256398"/>
+            <a:off x="6189335" y="8054583"/>
             <a:ext cx="648072" cy="360040"/>
           </a:xfrm>
           <a:prstGeom prst="ellipse">
@@ -6635,7 +6176,7 @@
         </p:nvSpPr>
         <p:spPr>
           <a:xfrm>
-            <a:off x="3228380" y="4665420"/>
+            <a:off x="5487279" y="7658738"/>
             <a:ext cx="648072" cy="360040"/>
           </a:xfrm>
           <a:prstGeom prst="ellipse">
@@ -6682,7 +6223,7 @@
         </p:nvSpPr>
         <p:spPr>
           <a:xfrm>
-            <a:off x="4260065" y="5243065"/>
+            <a:off x="5541263" y="7303427"/>
             <a:ext cx="648072" cy="360040"/>
           </a:xfrm>
           <a:prstGeom prst="ellipse">
@@ -6726,7 +6267,7 @@
         </p:nvSpPr>
         <p:spPr>
           <a:xfrm>
-            <a:off x="2967515" y="4312484"/>
+            <a:off x="6208355" y="7313796"/>
             <a:ext cx="1079376" cy="360040"/>
           </a:xfrm>
           <a:prstGeom prst="ellipse">
@@ -6781,7 +6322,7 @@
         </p:nvSpPr>
         <p:spPr>
           <a:xfrm>
-            <a:off x="3752865" y="4926744"/>
+            <a:off x="6155713" y="7683395"/>
             <a:ext cx="1032656" cy="360040"/>
           </a:xfrm>
           <a:prstGeom prst="ellipse">
@@ -6825,7 +6366,7 @@
         </p:nvSpPr>
         <p:spPr>
           <a:xfrm>
-            <a:off x="3876452" y="4608511"/>
+            <a:off x="7150709" y="6674717"/>
             <a:ext cx="710940" cy="360040"/>
           </a:xfrm>
           <a:prstGeom prst="ellipse">
@@ -6877,7 +6418,7 @@
         </p:nvSpPr>
         <p:spPr>
           <a:xfrm>
-            <a:off x="-203483" y="7170119"/>
+            <a:off x="-820901" y="6956892"/>
             <a:ext cx="1224136" cy="360040"/>
           </a:xfrm>
           <a:prstGeom prst="ellipse">
@@ -6932,7 +6473,7 @@
         </p:nvSpPr>
         <p:spPr>
           <a:xfrm>
-            <a:off x="1014941" y="7166983"/>
+            <a:off x="397523" y="6953756"/>
             <a:ext cx="846206" cy="360040"/>
           </a:xfrm>
           <a:prstGeom prst="ellipse">
@@ -6984,7 +6525,7 @@
         </p:nvSpPr>
         <p:spPr>
           <a:xfrm>
-            <a:off x="408585" y="7597675"/>
+            <a:off x="-208833" y="7384448"/>
             <a:ext cx="828316" cy="720080"/>
           </a:xfrm>
           <a:prstGeom prst="rect">
@@ -7032,7 +6573,7 @@
         </p:nvSpPr>
         <p:spPr>
           <a:xfrm>
-            <a:off x="463465" y="6806943"/>
+            <a:off x="-153953" y="6593716"/>
             <a:ext cx="1035512" cy="360040"/>
           </a:xfrm>
           <a:prstGeom prst="ellipse">
@@ -7087,7 +6628,7 @@
         </p:nvSpPr>
         <p:spPr>
           <a:xfrm>
-            <a:off x="-184607" y="6809565"/>
+            <a:off x="-802025" y="6596338"/>
             <a:ext cx="648072" cy="360040"/>
           </a:xfrm>
           <a:prstGeom prst="ellipse">
@@ -7134,7 +6675,7 @@
         </p:nvSpPr>
         <p:spPr>
           <a:xfrm>
-            <a:off x="1910998" y="7669683"/>
+            <a:off x="1797636" y="7694310"/>
             <a:ext cx="1008112" cy="576064"/>
           </a:xfrm>
           <a:prstGeom prst="diamond">
@@ -7178,7 +6719,7 @@
         </p:nvSpPr>
         <p:spPr>
           <a:xfrm>
-            <a:off x="1537111" y="6810079"/>
+            <a:off x="919693" y="6596852"/>
             <a:ext cx="633634" cy="360040"/>
           </a:xfrm>
           <a:prstGeom prst="ellipse">
@@ -7233,8 +6774,8 @@
         </p:nvCxnSpPr>
         <p:spPr>
           <a:xfrm>
-            <a:off x="1236901" y="7957715"/>
-            <a:ext cx="674097" cy="0"/>
+            <a:off x="619483" y="7744488"/>
+            <a:ext cx="1178153" cy="237854"/>
           </a:xfrm>
           <a:prstGeom prst="line">
             <a:avLst/>
@@ -7260,14 +6801,14 @@
           <p:cNvPr id="254" name="직선 연결선 253"/>
           <p:cNvCxnSpPr>
             <a:stCxn id="108" idx="2"/>
-            <a:endCxn id="134" idx="0"/>
+            <a:endCxn id="134" idx="3"/>
           </p:cNvCxnSpPr>
           <p:nvPr/>
         </p:nvCxnSpPr>
         <p:spPr>
           <a:xfrm flipH="1">
-            <a:off x="2415054" y="6604458"/>
-            <a:ext cx="1220203" cy="1065225"/>
+            <a:off x="2805748" y="7546769"/>
+            <a:ext cx="1966129" cy="435573"/>
           </a:xfrm>
           <a:prstGeom prst="line">
             <a:avLst/>
@@ -7299,8 +6840,8 @@
         </p:nvCxnSpPr>
         <p:spPr>
           <a:xfrm flipH="1">
-            <a:off x="4363904" y="4923156"/>
-            <a:ext cx="2758801" cy="1169290"/>
+            <a:off x="5500524" y="5058818"/>
+            <a:ext cx="3110572" cy="1975939"/>
           </a:xfrm>
           <a:prstGeom prst="line">
             <a:avLst/>
@@ -7329,7 +6870,7 @@
         </p:nvSpPr>
         <p:spPr>
           <a:xfrm>
-            <a:off x="10548664" y="5369098"/>
+            <a:off x="10923831" y="-68874"/>
             <a:ext cx="2808312" cy="1169551"/>
           </a:xfrm>
           <a:prstGeom prst="rect">
@@ -7432,7 +6973,7 @@
         </p:nvSpPr>
         <p:spPr>
           <a:xfrm>
-            <a:off x="10319003" y="-195815"/>
+            <a:off x="11230656" y="-1223279"/>
             <a:ext cx="2194663" cy="553998"/>
           </a:xfrm>
           <a:prstGeom prst="rect">
@@ -7508,8 +7049,8 @@
         </p:nvSpPr>
         <p:spPr>
           <a:xfrm>
-            <a:off x="3266650" y="-646704"/>
-            <a:ext cx="842298" cy="376836"/>
+            <a:off x="-3346724" y="-760554"/>
+            <a:ext cx="1129514" cy="376836"/>
           </a:xfrm>
           <a:prstGeom prst="ellipse">
             <a:avLst/>
@@ -7592,7 +7133,7 @@
         </p:nvSpPr>
         <p:spPr>
           <a:xfrm>
-            <a:off x="-360040" y="4342185"/>
+            <a:off x="-2179685" y="4182919"/>
             <a:ext cx="720080" cy="283669"/>
           </a:xfrm>
           <a:prstGeom prst="ellipse">
@@ -7636,7 +7177,7 @@
         </p:nvSpPr>
         <p:spPr>
           <a:xfrm>
-            <a:off x="-633750" y="4054153"/>
+            <a:off x="-2453395" y="3894887"/>
             <a:ext cx="720080" cy="288032"/>
           </a:xfrm>
           <a:prstGeom prst="ellipse">
@@ -7680,7 +7221,7 @@
         </p:nvSpPr>
         <p:spPr>
           <a:xfrm>
-            <a:off x="4563876" y="4660514"/>
+            <a:off x="6833017" y="7972253"/>
             <a:ext cx="1233615" cy="452691"/>
           </a:xfrm>
           <a:prstGeom prst="ellipse">
@@ -7732,7 +7273,7 @@
         </p:nvSpPr>
         <p:spPr>
           <a:xfrm>
-            <a:off x="4068663" y="4274768"/>
+            <a:off x="7119253" y="7535237"/>
             <a:ext cx="1491843" cy="418502"/>
           </a:xfrm>
           <a:prstGeom prst="ellipse">
@@ -7792,8 +7333,8 @@
         </p:nvSpPr>
         <p:spPr>
           <a:xfrm>
-            <a:off x="10404648" y="488612"/>
-            <a:ext cx="2023374" cy="1477328"/>
+            <a:off x="11487714" y="-669994"/>
+            <a:ext cx="1680546" cy="830997"/>
           </a:xfrm>
           <a:prstGeom prst="rect">
             <a:avLst/>
@@ -7807,11 +7348,11 @@
           <a:lstStyle/>
           <a:p>
             <a:r>
-              <a:rPr lang="en-US" altLang="ko-KR" dirty="0" smtClean="0"/>
+              <a:rPr lang="en-US" altLang="ko-KR" sz="1000" dirty="0" smtClean="0"/>
               <a:t>=</a:t>
             </a:r>
             <a:r>
-              <a:rPr lang="en-US" altLang="ko-KR" dirty="0" smtClean="0">
+              <a:rPr lang="en-US" altLang="ko-KR" sz="1000" dirty="0" smtClean="0">
                 <a:sym typeface="Wingdings" pitchFamily="2" charset="2"/>
               </a:rPr>
               <a:t></a:t>
@@ -7819,25 +7360,25 @@
           </a:p>
           <a:p>
             <a:r>
-              <a:rPr lang="ko-KR" altLang="en-US" dirty="0" smtClean="0"/>
+              <a:rPr lang="ko-KR" altLang="en-US" sz="1000" dirty="0" smtClean="0"/>
               <a:t>공지사항</a:t>
             </a:r>
-            <a:endParaRPr lang="en-US" altLang="ko-KR" dirty="0" smtClean="0"/>
-          </a:p>
-          <a:p>
-            <a:r>
-              <a:rPr lang="en-US" altLang="ko-KR" dirty="0" smtClean="0"/>
+            <a:endParaRPr lang="en-US" altLang="ko-KR" sz="1000" dirty="0" smtClean="0"/>
+          </a:p>
+          <a:p>
+            <a:r>
+              <a:rPr lang="en-US" altLang="ko-KR" sz="1000" dirty="0" smtClean="0"/>
               <a:t>FAQ </a:t>
             </a:r>
             <a:r>
-              <a:rPr lang="ko-KR" altLang="en-US" dirty="0" smtClean="0"/>
+              <a:rPr lang="ko-KR" altLang="en-US" sz="1000" dirty="0" smtClean="0"/>
               <a:t>테이블 </a:t>
             </a:r>
             <a:r>
-              <a:rPr lang="ko-KR" altLang="en-US" dirty="0" err="1" smtClean="0"/>
+              <a:rPr lang="ko-KR" altLang="en-US" sz="1000" dirty="0" err="1" smtClean="0"/>
               <a:t>만들어야함</a:t>
             </a:r>
-            <a:endParaRPr lang="en-US" altLang="ko-KR" dirty="0" smtClean="0"/>
+            <a:endParaRPr lang="en-US" altLang="ko-KR" sz="1000" dirty="0" smtClean="0"/>
           </a:p>
           <a:p>
             <a:endParaRPr lang="ko-KR" altLang="en-US" dirty="0"/>
@@ -7852,7 +7393,7 @@
         </p:nvSpPr>
         <p:spPr>
           <a:xfrm>
-            <a:off x="3436711" y="3016846"/>
+            <a:off x="4493763" y="3533731"/>
             <a:ext cx="1006761" cy="576064"/>
           </a:xfrm>
           <a:prstGeom prst="diamond">
@@ -7898,13 +7439,18 @@
           <p:nvPr/>
         </p:nvCxnSpPr>
         <p:spPr>
-          <a:xfrm flipV="1">
-            <a:off x="3940092" y="2337807"/>
-            <a:ext cx="147884" cy="679039"/>
+          <a:xfrm flipH="1" flipV="1">
+            <a:off x="4087976" y="2337807"/>
+            <a:ext cx="909168" cy="1195924"/>
           </a:xfrm>
           <a:prstGeom prst="line">
             <a:avLst/>
           </a:prstGeom>
+          <a:ln>
+            <a:solidFill>
+              <a:schemeClr val="accent6"/>
+            </a:solidFill>
+          </a:ln>
         </p:spPr>
         <p:style>
           <a:lnRef idx="1">
@@ -7932,12 +7478,17 @@
         </p:nvCxnSpPr>
         <p:spPr>
           <a:xfrm flipH="1">
-            <a:off x="3635257" y="3592910"/>
-            <a:ext cx="304835" cy="1987524"/>
+            <a:off x="4771877" y="4109795"/>
+            <a:ext cx="225267" cy="2412950"/>
           </a:xfrm>
           <a:prstGeom prst="line">
             <a:avLst/>
           </a:prstGeom>
+          <a:ln>
+            <a:solidFill>
+              <a:schemeClr val="tx2"/>
+            </a:solidFill>
+          </a:ln>
         </p:spPr>
         <p:style>
           <a:lnRef idx="1">
@@ -7954,6 +7505,1219 @@
           </a:fontRef>
         </p:style>
       </p:cxnSp>
+      <p:sp>
+        <p:nvSpPr>
+          <p:cNvPr id="128" name="직사각형 127"/>
+          <p:cNvSpPr/>
+          <p:nvPr/>
+        </p:nvSpPr>
+        <p:spPr>
+          <a:xfrm>
+            <a:off x="-349153" y="4358771"/>
+            <a:ext cx="807181" cy="599314"/>
+          </a:xfrm>
+          <a:prstGeom prst="rect">
+            <a:avLst/>
+          </a:prstGeom>
+        </p:spPr>
+        <p:style>
+          <a:lnRef idx="2">
+            <a:schemeClr val="accent1">
+              <a:shade val="50000"/>
+            </a:schemeClr>
+          </a:lnRef>
+          <a:fillRef idx="1">
+            <a:schemeClr val="accent1"/>
+          </a:fillRef>
+          <a:effectRef idx="0">
+            <a:schemeClr val="accent1"/>
+          </a:effectRef>
+          <a:fontRef idx="minor">
+            <a:schemeClr val="lt1"/>
+          </a:fontRef>
+        </p:style>
+        <p:txBody>
+          <a:bodyPr rtlCol="0" anchor="ctr"/>
+          <a:lstStyle/>
+          <a:p>
+            <a:pPr algn="ctr"/>
+            <a:r>
+              <a:rPr lang="ko-KR" altLang="en-US" sz="1000" dirty="0" smtClean="0"/>
+              <a:t>참여내역</a:t>
+            </a:r>
+            <a:r>
+              <a:rPr lang="en-US" altLang="ko-KR" sz="1000" dirty="0" smtClean="0"/>
+              <a:t>T</a:t>
+            </a:r>
+            <a:endParaRPr lang="ko-KR" altLang="en-US" sz="1000" dirty="0"/>
+          </a:p>
+        </p:txBody>
+      </p:sp>
+      <p:sp>
+        <p:nvSpPr>
+          <p:cNvPr id="136" name="타원 135"/>
+          <p:cNvSpPr/>
+          <p:nvPr/>
+        </p:nvSpPr>
+        <p:spPr>
+          <a:xfrm>
+            <a:off x="-466798" y="4999234"/>
+            <a:ext cx="1072821" cy="356220"/>
+          </a:xfrm>
+          <a:prstGeom prst="ellipse">
+            <a:avLst/>
+          </a:prstGeom>
+        </p:spPr>
+        <p:style>
+          <a:lnRef idx="2">
+            <a:schemeClr val="accent2">
+              <a:shade val="50000"/>
+            </a:schemeClr>
+          </a:lnRef>
+          <a:fillRef idx="1">
+            <a:schemeClr val="accent2"/>
+          </a:fillRef>
+          <a:effectRef idx="0">
+            <a:schemeClr val="accent2"/>
+          </a:effectRef>
+          <a:fontRef idx="minor">
+            <a:schemeClr val="lt1"/>
+          </a:fontRef>
+        </p:style>
+        <p:txBody>
+          <a:bodyPr rtlCol="0" anchor="ctr"/>
+          <a:lstStyle/>
+          <a:p>
+            <a:pPr algn="ctr"/>
+            <a:r>
+              <a:rPr lang="ko-KR" altLang="en-US" sz="1000" dirty="0" smtClean="0"/>
+              <a:t>참여내역</a:t>
+            </a:r>
+            <a:endParaRPr lang="en-US" altLang="ko-KR" sz="1000" dirty="0" smtClean="0"/>
+          </a:p>
+          <a:p>
+            <a:pPr algn="ctr"/>
+            <a:r>
+              <a:rPr lang="ko-KR" altLang="en-US" sz="1000" dirty="0" smtClean="0"/>
+              <a:t>번</a:t>
+            </a:r>
+            <a:r>
+              <a:rPr lang="ko-KR" altLang="en-US" sz="1000" dirty="0"/>
+              <a:t>호</a:t>
+            </a:r>
+            <a:endParaRPr lang="ko-KR" altLang="en-US" sz="1000" dirty="0"/>
+          </a:p>
+        </p:txBody>
+      </p:sp>
+      <p:sp>
+        <p:nvSpPr>
+          <p:cNvPr id="140" name="타원 139"/>
+          <p:cNvSpPr/>
+          <p:nvPr/>
+        </p:nvSpPr>
+        <p:spPr>
+          <a:xfrm>
+            <a:off x="-563091" y="5659455"/>
+            <a:ext cx="857950" cy="288032"/>
+          </a:xfrm>
+          <a:prstGeom prst="ellipse">
+            <a:avLst/>
+          </a:prstGeom>
+        </p:spPr>
+        <p:style>
+          <a:lnRef idx="2">
+            <a:schemeClr val="accent3">
+              <a:shade val="50000"/>
+            </a:schemeClr>
+          </a:lnRef>
+          <a:fillRef idx="1">
+            <a:schemeClr val="accent3"/>
+          </a:fillRef>
+          <a:effectRef idx="0">
+            <a:schemeClr val="accent3"/>
+          </a:effectRef>
+          <a:fontRef idx="minor">
+            <a:schemeClr val="lt1"/>
+          </a:fontRef>
+        </p:style>
+        <p:txBody>
+          <a:bodyPr rtlCol="0" anchor="ctr"/>
+          <a:lstStyle/>
+          <a:p>
+            <a:pPr algn="ctr"/>
+            <a:r>
+              <a:rPr lang="en-US" altLang="ko-KR" sz="1000" u="sng" dirty="0" smtClean="0"/>
+              <a:t>VS</a:t>
+            </a:r>
+            <a:r>
+              <a:rPr lang="ko-KR" altLang="en-US" sz="1000" u="sng" dirty="0" smtClean="0"/>
+              <a:t>형</a:t>
+            </a:r>
+            <a:endParaRPr lang="en-US" altLang="ko-KR" sz="1000" u="sng" dirty="0" smtClean="0"/>
+          </a:p>
+          <a:p>
+            <a:pPr algn="ctr"/>
+            <a:r>
+              <a:rPr lang="ko-KR" altLang="en-US" sz="1000" u="sng" dirty="0" smtClean="0"/>
+              <a:t>번</a:t>
+            </a:r>
+            <a:r>
+              <a:rPr lang="ko-KR" altLang="en-US" sz="1000" u="sng" dirty="0"/>
+              <a:t>호</a:t>
+            </a:r>
+          </a:p>
+        </p:txBody>
+      </p:sp>
+      <p:sp>
+        <p:nvSpPr>
+          <p:cNvPr id="142" name="타원 141"/>
+          <p:cNvSpPr/>
+          <p:nvPr/>
+        </p:nvSpPr>
+        <p:spPr>
+          <a:xfrm>
+            <a:off x="-491878" y="5371423"/>
+            <a:ext cx="983756" cy="288032"/>
+          </a:xfrm>
+          <a:prstGeom prst="ellipse">
+            <a:avLst/>
+          </a:prstGeom>
+        </p:spPr>
+        <p:style>
+          <a:lnRef idx="2">
+            <a:schemeClr val="accent3">
+              <a:shade val="50000"/>
+            </a:schemeClr>
+          </a:lnRef>
+          <a:fillRef idx="1">
+            <a:schemeClr val="accent3"/>
+          </a:fillRef>
+          <a:effectRef idx="0">
+            <a:schemeClr val="accent3"/>
+          </a:effectRef>
+          <a:fontRef idx="minor">
+            <a:schemeClr val="lt1"/>
+          </a:fontRef>
+        </p:style>
+        <p:txBody>
+          <a:bodyPr rtlCol="0" anchor="ctr"/>
+          <a:lstStyle/>
+          <a:p>
+            <a:pPr algn="ctr"/>
+            <a:r>
+              <a:rPr lang="ko-KR" altLang="en-US" sz="1000" u="sng" dirty="0" err="1" smtClean="0"/>
+              <a:t>설문형</a:t>
+            </a:r>
+            <a:endParaRPr lang="en-US" altLang="ko-KR" sz="1000" u="sng" dirty="0" smtClean="0"/>
+          </a:p>
+          <a:p>
+            <a:pPr algn="ctr"/>
+            <a:r>
+              <a:rPr lang="ko-KR" altLang="en-US" sz="1000" u="sng" dirty="0" smtClean="0"/>
+              <a:t>번</a:t>
+            </a:r>
+            <a:r>
+              <a:rPr lang="ko-KR" altLang="en-US" sz="1000" u="sng" dirty="0"/>
+              <a:t>호</a:t>
+            </a:r>
+          </a:p>
+        </p:txBody>
+      </p:sp>
+      <p:sp>
+        <p:nvSpPr>
+          <p:cNvPr id="143" name="타원 142"/>
+          <p:cNvSpPr/>
+          <p:nvPr/>
+        </p:nvSpPr>
+        <p:spPr>
+          <a:xfrm>
+            <a:off x="-1453927" y="5394323"/>
+            <a:ext cx="1023591" cy="444786"/>
+          </a:xfrm>
+          <a:prstGeom prst="ellipse">
+            <a:avLst/>
+          </a:prstGeom>
+        </p:spPr>
+        <p:style>
+          <a:lnRef idx="2">
+            <a:schemeClr val="accent3">
+              <a:shade val="50000"/>
+            </a:schemeClr>
+          </a:lnRef>
+          <a:fillRef idx="1">
+            <a:schemeClr val="accent3"/>
+          </a:fillRef>
+          <a:effectRef idx="0">
+            <a:schemeClr val="accent3"/>
+          </a:effectRef>
+          <a:fontRef idx="minor">
+            <a:schemeClr val="lt1"/>
+          </a:fontRef>
+        </p:style>
+        <p:txBody>
+          <a:bodyPr rtlCol="0" anchor="ctr"/>
+          <a:lstStyle/>
+          <a:p>
+            <a:pPr algn="ctr"/>
+            <a:r>
+              <a:rPr lang="ko-KR" altLang="en-US" sz="1000" dirty="0" smtClean="0"/>
+              <a:t>사용자</a:t>
+            </a:r>
+            <a:endParaRPr lang="en-US" altLang="ko-KR" sz="1000" dirty="0" smtClean="0"/>
+          </a:p>
+          <a:p>
+            <a:pPr algn="ctr"/>
+            <a:r>
+              <a:rPr lang="en-US" altLang="ko-KR" sz="1000" dirty="0"/>
+              <a:t>E</a:t>
+            </a:r>
+            <a:r>
+              <a:rPr lang="en-US" altLang="ko-KR" sz="1000" dirty="0" smtClean="0"/>
+              <a:t>-mail</a:t>
+            </a:r>
+            <a:endParaRPr lang="ko-KR" altLang="en-US" sz="1000" dirty="0"/>
+          </a:p>
+        </p:txBody>
+      </p:sp>
+      <p:sp>
+        <p:nvSpPr>
+          <p:cNvPr id="146" name="다이아몬드 145"/>
+          <p:cNvSpPr/>
+          <p:nvPr/>
+        </p:nvSpPr>
+        <p:spPr>
+          <a:xfrm>
+            <a:off x="-55411" y="-948869"/>
+            <a:ext cx="1468696" cy="383723"/>
+          </a:xfrm>
+          <a:prstGeom prst="diamond">
+            <a:avLst/>
+          </a:prstGeom>
+        </p:spPr>
+        <p:style>
+          <a:lnRef idx="2">
+            <a:schemeClr val="accent1">
+              <a:shade val="50000"/>
+            </a:schemeClr>
+          </a:lnRef>
+          <a:fillRef idx="1">
+            <a:schemeClr val="accent1"/>
+          </a:fillRef>
+          <a:effectRef idx="0">
+            <a:schemeClr val="accent1"/>
+          </a:effectRef>
+          <a:fontRef idx="minor">
+            <a:schemeClr val="lt1"/>
+          </a:fontRef>
+        </p:style>
+        <p:txBody>
+          <a:bodyPr rtlCol="0" anchor="ctr"/>
+          <a:lstStyle/>
+          <a:p>
+            <a:pPr algn="ctr"/>
+            <a:r>
+              <a:rPr lang="ko-KR" altLang="en-US" sz="1000" dirty="0" smtClean="0"/>
+              <a:t>관련항목</a:t>
+            </a:r>
+            <a:endParaRPr lang="ko-KR" altLang="en-US" sz="1000" dirty="0"/>
+          </a:p>
+        </p:txBody>
+      </p:sp>
+      <p:sp>
+        <p:nvSpPr>
+          <p:cNvPr id="150" name="직사각형 149"/>
+          <p:cNvSpPr/>
+          <p:nvPr/>
+        </p:nvSpPr>
+        <p:spPr>
+          <a:xfrm>
+            <a:off x="-2114104" y="-1060211"/>
+            <a:ext cx="1127503" cy="599314"/>
+          </a:xfrm>
+          <a:prstGeom prst="rect">
+            <a:avLst/>
+          </a:prstGeom>
+        </p:spPr>
+        <p:style>
+          <a:lnRef idx="2">
+            <a:schemeClr val="accent1">
+              <a:shade val="50000"/>
+            </a:schemeClr>
+          </a:lnRef>
+          <a:fillRef idx="1">
+            <a:schemeClr val="accent1"/>
+          </a:fillRef>
+          <a:effectRef idx="0">
+            <a:schemeClr val="accent1"/>
+          </a:effectRef>
+          <a:fontRef idx="minor">
+            <a:schemeClr val="lt1"/>
+          </a:fontRef>
+        </p:style>
+        <p:txBody>
+          <a:bodyPr rtlCol="0" anchor="ctr"/>
+          <a:lstStyle/>
+          <a:p>
+            <a:pPr algn="ctr"/>
+            <a:r>
+              <a:rPr lang="ko-KR" altLang="en-US" sz="1000" dirty="0"/>
+              <a:t>문의사항</a:t>
+            </a:r>
+            <a:endParaRPr lang="en-US" altLang="ko-KR" sz="1000" dirty="0"/>
+          </a:p>
+          <a:p>
+            <a:pPr algn="ctr"/>
+            <a:r>
+              <a:rPr lang="ko-KR" altLang="en-US" sz="1000" dirty="0"/>
+              <a:t>항목</a:t>
+            </a:r>
+            <a:endParaRPr lang="ko-KR" altLang="en-US" sz="1000" dirty="0"/>
+          </a:p>
+        </p:txBody>
+      </p:sp>
+      <p:sp>
+        <p:nvSpPr>
+          <p:cNvPr id="151" name="타원 150"/>
+          <p:cNvSpPr/>
+          <p:nvPr/>
+        </p:nvSpPr>
+        <p:spPr>
+          <a:xfrm>
+            <a:off x="-3405633" y="-1139362"/>
+            <a:ext cx="1273270" cy="378808"/>
+          </a:xfrm>
+          <a:prstGeom prst="ellipse">
+            <a:avLst/>
+          </a:prstGeom>
+        </p:spPr>
+        <p:style>
+          <a:lnRef idx="2">
+            <a:schemeClr val="accent2">
+              <a:shade val="50000"/>
+            </a:schemeClr>
+          </a:lnRef>
+          <a:fillRef idx="1">
+            <a:schemeClr val="accent2"/>
+          </a:fillRef>
+          <a:effectRef idx="0">
+            <a:schemeClr val="accent2"/>
+          </a:effectRef>
+          <a:fontRef idx="minor">
+            <a:schemeClr val="lt1"/>
+          </a:fontRef>
+        </p:style>
+        <p:txBody>
+          <a:bodyPr rtlCol="0" anchor="ctr"/>
+          <a:lstStyle/>
+          <a:p>
+            <a:pPr algn="ctr"/>
+            <a:r>
+              <a:rPr lang="ko-KR" altLang="en-US" sz="1000" dirty="0" smtClean="0"/>
+              <a:t>문의사항</a:t>
+            </a:r>
+            <a:endParaRPr lang="en-US" altLang="ko-KR" sz="1000" dirty="0" smtClean="0"/>
+          </a:p>
+          <a:p>
+            <a:pPr algn="ctr"/>
+            <a:r>
+              <a:rPr lang="ko-KR" altLang="en-US" sz="1000" dirty="0" smtClean="0"/>
+              <a:t>항목번</a:t>
+            </a:r>
+            <a:r>
+              <a:rPr lang="ko-KR" altLang="en-US" sz="1000" dirty="0"/>
+              <a:t>호</a:t>
+            </a:r>
+            <a:endParaRPr lang="ko-KR" altLang="en-US" sz="1000" dirty="0"/>
+          </a:p>
+        </p:txBody>
+      </p:sp>
+      <p:cxnSp>
+        <p:nvCxnSpPr>
+          <p:cNvPr id="33" name="직선 연결선 32"/>
+          <p:cNvCxnSpPr>
+            <a:stCxn id="6" idx="1"/>
+            <a:endCxn id="146" idx="3"/>
+          </p:cNvCxnSpPr>
+          <p:nvPr/>
+        </p:nvCxnSpPr>
+        <p:spPr>
+          <a:xfrm flipH="1" flipV="1">
+            <a:off x="1413285" y="-757007"/>
+            <a:ext cx="2121480" cy="2657097"/>
+          </a:xfrm>
+          <a:prstGeom prst="line">
+            <a:avLst/>
+          </a:prstGeom>
+          <a:ln>
+            <a:solidFill>
+              <a:schemeClr val="accent6"/>
+            </a:solidFill>
+          </a:ln>
+        </p:spPr>
+        <p:style>
+          <a:lnRef idx="1">
+            <a:schemeClr val="accent1"/>
+          </a:lnRef>
+          <a:fillRef idx="0">
+            <a:schemeClr val="accent1"/>
+          </a:fillRef>
+          <a:effectRef idx="0">
+            <a:schemeClr val="accent1"/>
+          </a:effectRef>
+          <a:fontRef idx="minor">
+            <a:schemeClr val="tx1"/>
+          </a:fontRef>
+        </p:style>
+      </p:cxnSp>
+      <p:cxnSp>
+        <p:nvCxnSpPr>
+          <p:cNvPr id="35" name="직선 연결선 34"/>
+          <p:cNvCxnSpPr>
+            <a:stCxn id="146" idx="1"/>
+            <a:endCxn id="150" idx="3"/>
+          </p:cNvCxnSpPr>
+          <p:nvPr/>
+        </p:nvCxnSpPr>
+        <p:spPr>
+          <a:xfrm flipH="1" flipV="1">
+            <a:off x="-986601" y="-760554"/>
+            <a:ext cx="931190" cy="3547"/>
+          </a:xfrm>
+          <a:prstGeom prst="line">
+            <a:avLst/>
+          </a:prstGeom>
+          <a:ln>
+            <a:solidFill>
+              <a:schemeClr val="accent6"/>
+            </a:solidFill>
+          </a:ln>
+        </p:spPr>
+        <p:style>
+          <a:lnRef idx="1">
+            <a:schemeClr val="accent1"/>
+          </a:lnRef>
+          <a:fillRef idx="0">
+            <a:schemeClr val="accent1"/>
+          </a:fillRef>
+          <a:effectRef idx="0">
+            <a:schemeClr val="accent1"/>
+          </a:effectRef>
+          <a:fontRef idx="minor">
+            <a:schemeClr val="tx1"/>
+          </a:fontRef>
+        </p:style>
+      </p:cxnSp>
+      <p:sp>
+        <p:nvSpPr>
+          <p:cNvPr id="176" name="타원 175"/>
+          <p:cNvSpPr/>
+          <p:nvPr/>
+        </p:nvSpPr>
+        <p:spPr>
+          <a:xfrm>
+            <a:off x="3595056" y="-460898"/>
+            <a:ext cx="985840" cy="365211"/>
+          </a:xfrm>
+          <a:prstGeom prst="ellipse">
+            <a:avLst/>
+          </a:prstGeom>
+        </p:spPr>
+        <p:style>
+          <a:lnRef idx="2">
+            <a:schemeClr val="accent1">
+              <a:shade val="50000"/>
+            </a:schemeClr>
+          </a:lnRef>
+          <a:fillRef idx="1">
+            <a:schemeClr val="accent1"/>
+          </a:fillRef>
+          <a:effectRef idx="0">
+            <a:schemeClr val="accent1"/>
+          </a:effectRef>
+          <a:fontRef idx="minor">
+            <a:schemeClr val="lt1"/>
+          </a:fontRef>
+        </p:style>
+        <p:txBody>
+          <a:bodyPr rtlCol="0" anchor="ctr"/>
+          <a:lstStyle/>
+          <a:p>
+            <a:pPr algn="ctr"/>
+            <a:r>
+              <a:rPr lang="ko-KR" altLang="en-US" sz="1000" smtClean="0"/>
+              <a:t>서브타입</a:t>
+            </a:r>
+            <a:endParaRPr lang="ko-KR" altLang="en-US" sz="1000" dirty="0"/>
+          </a:p>
+        </p:txBody>
+      </p:sp>
+      <p:sp>
+        <p:nvSpPr>
+          <p:cNvPr id="179" name="타원 178"/>
+          <p:cNvSpPr/>
+          <p:nvPr/>
+        </p:nvSpPr>
+        <p:spPr>
+          <a:xfrm>
+            <a:off x="-1543150" y="4985171"/>
+            <a:ext cx="1150758" cy="386252"/>
+          </a:xfrm>
+          <a:prstGeom prst="ellipse">
+            <a:avLst/>
+          </a:prstGeom>
+        </p:spPr>
+        <p:style>
+          <a:lnRef idx="2">
+            <a:schemeClr val="accent1">
+              <a:shade val="50000"/>
+            </a:schemeClr>
+          </a:lnRef>
+          <a:fillRef idx="1">
+            <a:schemeClr val="accent1"/>
+          </a:fillRef>
+          <a:effectRef idx="0">
+            <a:schemeClr val="accent1"/>
+          </a:effectRef>
+          <a:fontRef idx="minor">
+            <a:schemeClr val="lt1"/>
+          </a:fontRef>
+        </p:style>
+        <p:txBody>
+          <a:bodyPr rtlCol="0" anchor="ctr"/>
+          <a:lstStyle/>
+          <a:p>
+            <a:pPr algn="ctr"/>
+            <a:r>
+              <a:rPr lang="ko-KR" altLang="en-US" sz="1000" dirty="0" smtClean="0"/>
+              <a:t>서브타입</a:t>
+            </a:r>
+            <a:endParaRPr lang="ko-KR" altLang="en-US" sz="1000" dirty="0"/>
+          </a:p>
+        </p:txBody>
+      </p:sp>
+      <p:sp>
+        <p:nvSpPr>
+          <p:cNvPr id="180" name="다이아몬드 179"/>
+          <p:cNvSpPr/>
+          <p:nvPr/>
+        </p:nvSpPr>
+        <p:spPr>
+          <a:xfrm>
+            <a:off x="6650334" y="1581759"/>
+            <a:ext cx="1099873" cy="656273"/>
+          </a:xfrm>
+          <a:prstGeom prst="diamond">
+            <a:avLst/>
+          </a:prstGeom>
+        </p:spPr>
+        <p:style>
+          <a:lnRef idx="2">
+            <a:schemeClr val="accent1">
+              <a:shade val="50000"/>
+            </a:schemeClr>
+          </a:lnRef>
+          <a:fillRef idx="1">
+            <a:schemeClr val="accent1"/>
+          </a:fillRef>
+          <a:effectRef idx="0">
+            <a:schemeClr val="accent1"/>
+          </a:effectRef>
+          <a:fontRef idx="minor">
+            <a:schemeClr val="lt1"/>
+          </a:fontRef>
+        </p:style>
+        <p:txBody>
+          <a:bodyPr rtlCol="0" anchor="ctr"/>
+          <a:lstStyle/>
+          <a:p>
+            <a:pPr algn="ctr"/>
+            <a:r>
+              <a:rPr lang="ko-KR" altLang="en-US" sz="1000" dirty="0" err="1" smtClean="0"/>
+              <a:t>댓글</a:t>
+            </a:r>
+            <a:r>
+              <a:rPr lang="en-US" altLang="ko-KR" sz="1000" dirty="0"/>
+              <a:t>T</a:t>
+            </a:r>
+            <a:endParaRPr lang="ko-KR" altLang="en-US" sz="1000" dirty="0"/>
+          </a:p>
+        </p:txBody>
+      </p:sp>
+      <p:sp>
+        <p:nvSpPr>
+          <p:cNvPr id="181" name="다이아몬드 180"/>
+          <p:cNvSpPr/>
+          <p:nvPr/>
+        </p:nvSpPr>
+        <p:spPr>
+          <a:xfrm>
+            <a:off x="294859" y="1884996"/>
+            <a:ext cx="1417200" cy="576064"/>
+          </a:xfrm>
+          <a:prstGeom prst="diamond">
+            <a:avLst/>
+          </a:prstGeom>
+        </p:spPr>
+        <p:style>
+          <a:lnRef idx="2">
+            <a:schemeClr val="accent1">
+              <a:shade val="50000"/>
+            </a:schemeClr>
+          </a:lnRef>
+          <a:fillRef idx="1">
+            <a:schemeClr val="accent1"/>
+          </a:fillRef>
+          <a:effectRef idx="0">
+            <a:schemeClr val="accent1"/>
+          </a:effectRef>
+          <a:fontRef idx="minor">
+            <a:schemeClr val="lt1"/>
+          </a:fontRef>
+        </p:style>
+        <p:txBody>
+          <a:bodyPr rtlCol="0" anchor="ctr"/>
+          <a:lstStyle/>
+          <a:p>
+            <a:pPr algn="ctr"/>
+            <a:r>
+              <a:rPr lang="ko-KR" altLang="en-US" sz="1000" dirty="0" smtClean="0"/>
+              <a:t>서브타입</a:t>
+            </a:r>
+            <a:endParaRPr lang="ko-KR" altLang="en-US" sz="1000" dirty="0"/>
+          </a:p>
+        </p:txBody>
+      </p:sp>
+      <p:cxnSp>
+        <p:nvCxnSpPr>
+          <p:cNvPr id="79" name="직선 연결선 78"/>
+          <p:cNvCxnSpPr>
+            <a:stCxn id="6" idx="1"/>
+            <a:endCxn id="181" idx="3"/>
+          </p:cNvCxnSpPr>
+          <p:nvPr/>
+        </p:nvCxnSpPr>
+        <p:spPr>
+          <a:xfrm flipH="1">
+            <a:off x="1712059" y="1900090"/>
+            <a:ext cx="1822706" cy="272938"/>
+          </a:xfrm>
+          <a:prstGeom prst="line">
+            <a:avLst/>
+          </a:prstGeom>
+          <a:ln>
+            <a:solidFill>
+              <a:schemeClr val="accent6"/>
+            </a:solidFill>
+          </a:ln>
+        </p:spPr>
+        <p:style>
+          <a:lnRef idx="1">
+            <a:schemeClr val="accent1"/>
+          </a:lnRef>
+          <a:fillRef idx="0">
+            <a:schemeClr val="accent1"/>
+          </a:fillRef>
+          <a:effectRef idx="0">
+            <a:schemeClr val="accent1"/>
+          </a:effectRef>
+          <a:fontRef idx="minor">
+            <a:schemeClr val="tx1"/>
+          </a:fontRef>
+        </p:style>
+      </p:cxnSp>
+      <p:cxnSp>
+        <p:nvCxnSpPr>
+          <p:cNvPr id="82" name="직선 연결선 81"/>
+          <p:cNvCxnSpPr>
+            <a:stCxn id="181" idx="1"/>
+            <a:endCxn id="43" idx="3"/>
+          </p:cNvCxnSpPr>
+          <p:nvPr/>
+        </p:nvCxnSpPr>
+        <p:spPr>
+          <a:xfrm flipH="1" flipV="1">
+            <a:off x="-1845235" y="2095698"/>
+            <a:ext cx="2140094" cy="77330"/>
+          </a:xfrm>
+          <a:prstGeom prst="line">
+            <a:avLst/>
+          </a:prstGeom>
+          <a:ln>
+            <a:solidFill>
+              <a:schemeClr val="accent6"/>
+            </a:solidFill>
+          </a:ln>
+        </p:spPr>
+        <p:style>
+          <a:lnRef idx="1">
+            <a:schemeClr val="accent1"/>
+          </a:lnRef>
+          <a:fillRef idx="0">
+            <a:schemeClr val="accent1"/>
+          </a:fillRef>
+          <a:effectRef idx="0">
+            <a:schemeClr val="accent1"/>
+          </a:effectRef>
+          <a:fontRef idx="minor">
+            <a:schemeClr val="tx1"/>
+          </a:fontRef>
+        </p:style>
+      </p:cxnSp>
+      <p:cxnSp>
+        <p:nvCxnSpPr>
+          <p:cNvPr id="86" name="직선 연결선 85"/>
+          <p:cNvCxnSpPr>
+            <a:stCxn id="181" idx="1"/>
+            <a:endCxn id="60" idx="3"/>
+          </p:cNvCxnSpPr>
+          <p:nvPr/>
+        </p:nvCxnSpPr>
+        <p:spPr>
+          <a:xfrm flipH="1">
+            <a:off x="-1917404" y="2173028"/>
+            <a:ext cx="2212263" cy="1290972"/>
+          </a:xfrm>
+          <a:prstGeom prst="line">
+            <a:avLst/>
+          </a:prstGeom>
+          <a:ln>
+            <a:solidFill>
+              <a:schemeClr val="accent6"/>
+            </a:solidFill>
+          </a:ln>
+        </p:spPr>
+        <p:style>
+          <a:lnRef idx="1">
+            <a:schemeClr val="accent1"/>
+          </a:lnRef>
+          <a:fillRef idx="0">
+            <a:schemeClr val="accent1"/>
+          </a:fillRef>
+          <a:effectRef idx="0">
+            <a:schemeClr val="accent1"/>
+          </a:effectRef>
+          <a:fontRef idx="minor">
+            <a:schemeClr val="tx1"/>
+          </a:fontRef>
+        </p:style>
+      </p:cxnSp>
+      <p:sp>
+        <p:nvSpPr>
+          <p:cNvPr id="256" name="타원 255"/>
+          <p:cNvSpPr/>
+          <p:nvPr/>
+        </p:nvSpPr>
+        <p:spPr>
+          <a:xfrm>
+            <a:off x="3652897" y="-871123"/>
+            <a:ext cx="1296764" cy="399271"/>
+          </a:xfrm>
+          <a:prstGeom prst="ellipse">
+            <a:avLst/>
+          </a:prstGeom>
+        </p:spPr>
+        <p:style>
+          <a:lnRef idx="2">
+            <a:schemeClr val="accent3">
+              <a:shade val="50000"/>
+            </a:schemeClr>
+          </a:lnRef>
+          <a:fillRef idx="1">
+            <a:schemeClr val="accent3"/>
+          </a:fillRef>
+          <a:effectRef idx="0">
+            <a:schemeClr val="accent3"/>
+          </a:effectRef>
+          <a:fontRef idx="minor">
+            <a:schemeClr val="lt1"/>
+          </a:fontRef>
+        </p:style>
+        <p:txBody>
+          <a:bodyPr rtlCol="0" anchor="ctr"/>
+          <a:lstStyle/>
+          <a:p>
+            <a:pPr algn="ctr"/>
+            <a:r>
+              <a:rPr lang="ko-KR" altLang="en-US" sz="1000" dirty="0" smtClean="0"/>
+              <a:t>문의사항</a:t>
+            </a:r>
+            <a:endParaRPr lang="en-US" altLang="ko-KR" sz="1000" dirty="0" smtClean="0"/>
+          </a:p>
+          <a:p>
+            <a:pPr algn="ctr"/>
+            <a:r>
+              <a:rPr lang="ko-KR" altLang="en-US" sz="1000" dirty="0" smtClean="0"/>
+              <a:t>항목번</a:t>
+            </a:r>
+            <a:r>
+              <a:rPr lang="ko-KR" altLang="en-US" sz="1000" dirty="0"/>
+              <a:t>호</a:t>
+            </a:r>
+            <a:endParaRPr lang="ko-KR" altLang="en-US" sz="1000" dirty="0"/>
+          </a:p>
+        </p:txBody>
+      </p:sp>
+      <p:sp>
+        <p:nvSpPr>
+          <p:cNvPr id="257" name="타원 256"/>
+          <p:cNvSpPr/>
+          <p:nvPr/>
+        </p:nvSpPr>
+        <p:spPr>
+          <a:xfrm>
+            <a:off x="2474026" y="-760554"/>
+            <a:ext cx="1118474" cy="376836"/>
+          </a:xfrm>
+          <a:prstGeom prst="ellipse">
+            <a:avLst/>
+          </a:prstGeom>
+        </p:spPr>
+        <p:style>
+          <a:lnRef idx="2">
+            <a:schemeClr val="accent3">
+              <a:shade val="50000"/>
+            </a:schemeClr>
+          </a:lnRef>
+          <a:fillRef idx="1">
+            <a:schemeClr val="accent3"/>
+          </a:fillRef>
+          <a:effectRef idx="0">
+            <a:schemeClr val="accent3"/>
+          </a:effectRef>
+          <a:fontRef idx="minor">
+            <a:schemeClr val="lt1"/>
+          </a:fontRef>
+        </p:style>
+        <p:txBody>
+          <a:bodyPr rtlCol="0" anchor="ctr"/>
+          <a:lstStyle/>
+          <a:p>
+            <a:pPr algn="ctr"/>
+            <a:r>
+              <a:rPr lang="ko-KR" altLang="en-US" sz="1000" smtClean="0"/>
+              <a:t>분야번</a:t>
+            </a:r>
+            <a:r>
+              <a:rPr lang="ko-KR" altLang="en-US" sz="1000"/>
+              <a:t>호</a:t>
+            </a:r>
+            <a:endParaRPr lang="ko-KR" altLang="en-US" sz="1000" dirty="0"/>
+          </a:p>
+        </p:txBody>
+      </p:sp>
+      <p:sp>
+        <p:nvSpPr>
+          <p:cNvPr id="258" name="다이아몬드 257"/>
+          <p:cNvSpPr/>
+          <p:nvPr/>
+        </p:nvSpPr>
+        <p:spPr>
+          <a:xfrm>
+            <a:off x="2842505" y="4362007"/>
+            <a:ext cx="1066156" cy="685891"/>
+          </a:xfrm>
+          <a:prstGeom prst="diamond">
+            <a:avLst/>
+          </a:prstGeom>
+        </p:spPr>
+        <p:style>
+          <a:lnRef idx="2">
+            <a:schemeClr val="accent1">
+              <a:shade val="50000"/>
+            </a:schemeClr>
+          </a:lnRef>
+          <a:fillRef idx="1">
+            <a:schemeClr val="accent1"/>
+          </a:fillRef>
+          <a:effectRef idx="0">
+            <a:schemeClr val="accent1"/>
+          </a:effectRef>
+          <a:fontRef idx="minor">
+            <a:schemeClr val="lt1"/>
+          </a:fontRef>
+        </p:style>
+        <p:txBody>
+          <a:bodyPr rtlCol="0" anchor="ctr"/>
+          <a:lstStyle/>
+          <a:p>
+            <a:pPr algn="ctr"/>
+            <a:r>
+              <a:rPr lang="ko-KR" altLang="en-US" sz="1000" dirty="0" smtClean="0"/>
+              <a:t>공감</a:t>
+            </a:r>
+            <a:r>
+              <a:rPr lang="en-US" altLang="ko-KR" sz="1000" dirty="0" smtClean="0"/>
+              <a:t>T</a:t>
+            </a:r>
+            <a:endParaRPr lang="ko-KR" altLang="en-US" sz="1000" dirty="0"/>
+          </a:p>
+        </p:txBody>
+      </p:sp>
+      <p:cxnSp>
+        <p:nvCxnSpPr>
+          <p:cNvPr id="264" name="직선 연결선 263"/>
+          <p:cNvCxnSpPr>
+            <a:stCxn id="6" idx="2"/>
+            <a:endCxn id="258" idx="0"/>
+          </p:cNvCxnSpPr>
+          <p:nvPr/>
+        </p:nvCxnSpPr>
+        <p:spPr>
+          <a:xfrm flipH="1">
+            <a:off x="3375583" y="2337807"/>
+            <a:ext cx="712393" cy="2024200"/>
+          </a:xfrm>
+          <a:prstGeom prst="line">
+            <a:avLst/>
+          </a:prstGeom>
+          <a:ln>
+            <a:solidFill>
+              <a:schemeClr val="accent6"/>
+            </a:solidFill>
+          </a:ln>
+        </p:spPr>
+        <p:style>
+          <a:lnRef idx="1">
+            <a:schemeClr val="accent1"/>
+          </a:lnRef>
+          <a:fillRef idx="0">
+            <a:schemeClr val="accent1"/>
+          </a:fillRef>
+          <a:effectRef idx="0">
+            <a:schemeClr val="accent1"/>
+          </a:effectRef>
+          <a:fontRef idx="minor">
+            <a:schemeClr val="tx1"/>
+          </a:fontRef>
+        </p:style>
+      </p:cxnSp>
+      <p:cxnSp>
+        <p:nvCxnSpPr>
+          <p:cNvPr id="266" name="직선 연결선 265"/>
+          <p:cNvCxnSpPr>
+            <a:stCxn id="258" idx="2"/>
+            <a:endCxn id="108" idx="0"/>
+          </p:cNvCxnSpPr>
+          <p:nvPr/>
+        </p:nvCxnSpPr>
+        <p:spPr>
+          <a:xfrm>
+            <a:off x="3375583" y="5047898"/>
+            <a:ext cx="1396294" cy="1474847"/>
+          </a:xfrm>
+          <a:prstGeom prst="line">
+            <a:avLst/>
+          </a:prstGeom>
+          <a:ln>
+            <a:solidFill>
+              <a:schemeClr val="tx2"/>
+            </a:solidFill>
+          </a:ln>
+        </p:spPr>
+        <p:style>
+          <a:lnRef idx="1">
+            <a:schemeClr val="accent1"/>
+          </a:lnRef>
+          <a:fillRef idx="0">
+            <a:schemeClr val="accent1"/>
+          </a:fillRef>
+          <a:effectRef idx="0">
+            <a:schemeClr val="accent1"/>
+          </a:effectRef>
+          <a:fontRef idx="minor">
+            <a:schemeClr val="tx1"/>
+          </a:fontRef>
+        </p:style>
+      </p:cxnSp>
+      <p:cxnSp>
+        <p:nvCxnSpPr>
+          <p:cNvPr id="288" name="직선 연결선 287"/>
+          <p:cNvCxnSpPr>
+            <a:stCxn id="180" idx="3"/>
+            <a:endCxn id="105" idx="0"/>
+          </p:cNvCxnSpPr>
+          <p:nvPr/>
+        </p:nvCxnSpPr>
+        <p:spPr>
+          <a:xfrm>
+            <a:off x="7750207" y="1909896"/>
+            <a:ext cx="860889" cy="2356821"/>
+          </a:xfrm>
+          <a:prstGeom prst="line">
+            <a:avLst/>
+          </a:prstGeom>
+        </p:spPr>
+        <p:style>
+          <a:lnRef idx="1">
+            <a:schemeClr val="accent1"/>
+          </a:lnRef>
+          <a:fillRef idx="0">
+            <a:schemeClr val="accent1"/>
+          </a:fillRef>
+          <a:effectRef idx="0">
+            <a:schemeClr val="accent1"/>
+          </a:effectRef>
+          <a:fontRef idx="minor">
+            <a:schemeClr val="tx1"/>
+          </a:fontRef>
+        </p:style>
+      </p:cxnSp>
+      <p:sp>
+        <p:nvSpPr>
+          <p:cNvPr id="296" name="타원 295"/>
+          <p:cNvSpPr/>
+          <p:nvPr/>
+        </p:nvSpPr>
+        <p:spPr>
+          <a:xfrm>
+            <a:off x="7181306" y="7071336"/>
+            <a:ext cx="1492518" cy="442239"/>
+          </a:xfrm>
+          <a:prstGeom prst="ellipse">
+            <a:avLst/>
+          </a:prstGeom>
+        </p:spPr>
+        <p:style>
+          <a:lnRef idx="2">
+            <a:schemeClr val="accent1">
+              <a:shade val="50000"/>
+            </a:schemeClr>
+          </a:lnRef>
+          <a:fillRef idx="1">
+            <a:schemeClr val="accent1"/>
+          </a:fillRef>
+          <a:effectRef idx="0">
+            <a:schemeClr val="accent1"/>
+          </a:effectRef>
+          <a:fontRef idx="minor">
+            <a:schemeClr val="lt1"/>
+          </a:fontRef>
+        </p:style>
+        <p:txBody>
+          <a:bodyPr rtlCol="0" anchor="ctr"/>
+          <a:lstStyle/>
+          <a:p>
+            <a:pPr algn="ctr"/>
+            <a:r>
+              <a:rPr lang="ko-KR" altLang="en-US" sz="1000" dirty="0" smtClean="0"/>
+              <a:t>공감한  </a:t>
+            </a:r>
+            <a:r>
+              <a:rPr lang="ko-KR" altLang="en-US" sz="1000" dirty="0" err="1" smtClean="0"/>
+              <a:t>게시글</a:t>
+            </a:r>
+            <a:r>
+              <a:rPr lang="ko-KR" altLang="en-US" sz="1000" dirty="0" smtClean="0"/>
+              <a:t> 수</a:t>
+            </a:r>
+            <a:endParaRPr lang="ko-KR" altLang="en-US" sz="1000" dirty="0"/>
+          </a:p>
+        </p:txBody>
+      </p:sp>
+      <p:sp>
+        <p:nvSpPr>
+          <p:cNvPr id="303" name="타원 302"/>
+          <p:cNvSpPr/>
+          <p:nvPr/>
+        </p:nvSpPr>
+        <p:spPr>
+          <a:xfrm>
+            <a:off x="8796025" y="83363"/>
+            <a:ext cx="1282819" cy="439637"/>
+          </a:xfrm>
+          <a:prstGeom prst="ellipse">
+            <a:avLst/>
+          </a:prstGeom>
+        </p:spPr>
+        <p:style>
+          <a:lnRef idx="2">
+            <a:schemeClr val="accent1">
+              <a:shade val="50000"/>
+            </a:schemeClr>
+          </a:lnRef>
+          <a:fillRef idx="1">
+            <a:schemeClr val="accent1"/>
+          </a:fillRef>
+          <a:effectRef idx="0">
+            <a:schemeClr val="accent1"/>
+          </a:effectRef>
+          <a:fontRef idx="minor">
+            <a:schemeClr val="lt1"/>
+          </a:fontRef>
+        </p:style>
+        <p:txBody>
+          <a:bodyPr rtlCol="0" anchor="ctr"/>
+          <a:lstStyle/>
+          <a:p>
+            <a:pPr algn="ctr"/>
+            <a:r>
+              <a:rPr lang="ko-KR" altLang="en-US" sz="1000" smtClean="0"/>
+              <a:t>대표이미지</a:t>
+            </a:r>
+            <a:endParaRPr lang="en-US" altLang="ko-KR" sz="1000" dirty="0" smtClean="0"/>
+          </a:p>
+          <a:p>
+            <a:pPr algn="ctr"/>
+            <a:r>
+              <a:rPr lang="ko-KR" altLang="en-US" sz="1000" dirty="0" smtClean="0"/>
+              <a:t>여</a:t>
+            </a:r>
+            <a:r>
+              <a:rPr lang="ko-KR" altLang="en-US" sz="1000" dirty="0"/>
+              <a:t>부</a:t>
+            </a:r>
+            <a:endParaRPr lang="ko-KR" altLang="en-US" sz="1000" dirty="0"/>
+          </a:p>
+        </p:txBody>
+      </p:sp>
+      <p:sp>
+        <p:nvSpPr>
+          <p:cNvPr id="308" name="타원 307"/>
+          <p:cNvSpPr/>
+          <p:nvPr/>
+        </p:nvSpPr>
+        <p:spPr>
+          <a:xfrm>
+            <a:off x="9077394" y="939979"/>
+            <a:ext cx="983268" cy="573017"/>
+          </a:xfrm>
+          <a:prstGeom prst="ellipse">
+            <a:avLst/>
+          </a:prstGeom>
+        </p:spPr>
+        <p:style>
+          <a:lnRef idx="2">
+            <a:schemeClr val="accent1">
+              <a:shade val="50000"/>
+            </a:schemeClr>
+          </a:lnRef>
+          <a:fillRef idx="1">
+            <a:schemeClr val="accent1"/>
+          </a:fillRef>
+          <a:effectRef idx="0">
+            <a:schemeClr val="accent1"/>
+          </a:effectRef>
+          <a:fontRef idx="minor">
+            <a:schemeClr val="lt1"/>
+          </a:fontRef>
+        </p:style>
+        <p:txBody>
+          <a:bodyPr rtlCol="0" anchor="ctr"/>
+          <a:lstStyle/>
+          <a:p>
+            <a:pPr algn="ctr"/>
+            <a:r>
+              <a:rPr lang="en-US" altLang="ko-KR" sz="1000" dirty="0" smtClean="0"/>
+              <a:t>Display</a:t>
+            </a:r>
+            <a:r>
+              <a:rPr lang="ko-KR" altLang="en-US" sz="1000" dirty="0" smtClean="0"/>
+              <a:t>여부</a:t>
+            </a:r>
+            <a:endParaRPr lang="en-US" altLang="ko-KR" sz="1000" dirty="0" smtClean="0"/>
+          </a:p>
+        </p:txBody>
+      </p:sp>
     </p:spTree>
     <p:extLst>
       <p:ext uri="{BB962C8B-B14F-4D97-AF65-F5344CB8AC3E}">

--- a/ERD.pptx
+++ b/ERD.pptx
@@ -288,7 +288,7 @@
           <a:p>
             <a:fld id="{3160F1E7-80AE-4791-8F30-01301BB05552}" type="datetimeFigureOut">
               <a:rPr lang="ko-KR" altLang="en-US" smtClean="0"/>
-              <a:t>2019-08-12</a:t>
+              <a:t>2019-08-13</a:t>
             </a:fld>
             <a:endParaRPr lang="ko-KR" altLang="en-US"/>
           </a:p>
@@ -458,7 +458,7 @@
           <a:p>
             <a:fld id="{3160F1E7-80AE-4791-8F30-01301BB05552}" type="datetimeFigureOut">
               <a:rPr lang="ko-KR" altLang="en-US" smtClean="0"/>
-              <a:t>2019-08-12</a:t>
+              <a:t>2019-08-13</a:t>
             </a:fld>
             <a:endParaRPr lang="ko-KR" altLang="en-US"/>
           </a:p>
@@ -638,7 +638,7 @@
           <a:p>
             <a:fld id="{3160F1E7-80AE-4791-8F30-01301BB05552}" type="datetimeFigureOut">
               <a:rPr lang="ko-KR" altLang="en-US" smtClean="0"/>
-              <a:t>2019-08-12</a:t>
+              <a:t>2019-08-13</a:t>
             </a:fld>
             <a:endParaRPr lang="ko-KR" altLang="en-US"/>
           </a:p>
@@ -808,7 +808,7 @@
           <a:p>
             <a:fld id="{3160F1E7-80AE-4791-8F30-01301BB05552}" type="datetimeFigureOut">
               <a:rPr lang="ko-KR" altLang="en-US" smtClean="0"/>
-              <a:t>2019-08-12</a:t>
+              <a:t>2019-08-13</a:t>
             </a:fld>
             <a:endParaRPr lang="ko-KR" altLang="en-US"/>
           </a:p>
@@ -1054,7 +1054,7 @@
           <a:p>
             <a:fld id="{3160F1E7-80AE-4791-8F30-01301BB05552}" type="datetimeFigureOut">
               <a:rPr lang="ko-KR" altLang="en-US" smtClean="0"/>
-              <a:t>2019-08-12</a:t>
+              <a:t>2019-08-13</a:t>
             </a:fld>
             <a:endParaRPr lang="ko-KR" altLang="en-US"/>
           </a:p>
@@ -1342,7 +1342,7 @@
           <a:p>
             <a:fld id="{3160F1E7-80AE-4791-8F30-01301BB05552}" type="datetimeFigureOut">
               <a:rPr lang="ko-KR" altLang="en-US" smtClean="0"/>
-              <a:t>2019-08-12</a:t>
+              <a:t>2019-08-13</a:t>
             </a:fld>
             <a:endParaRPr lang="ko-KR" altLang="en-US"/>
           </a:p>
@@ -1764,7 +1764,7 @@
           <a:p>
             <a:fld id="{3160F1E7-80AE-4791-8F30-01301BB05552}" type="datetimeFigureOut">
               <a:rPr lang="ko-KR" altLang="en-US" smtClean="0"/>
-              <a:t>2019-08-12</a:t>
+              <a:t>2019-08-13</a:t>
             </a:fld>
             <a:endParaRPr lang="ko-KR" altLang="en-US"/>
           </a:p>
@@ -1882,7 +1882,7 @@
           <a:p>
             <a:fld id="{3160F1E7-80AE-4791-8F30-01301BB05552}" type="datetimeFigureOut">
               <a:rPr lang="ko-KR" altLang="en-US" smtClean="0"/>
-              <a:t>2019-08-12</a:t>
+              <a:t>2019-08-13</a:t>
             </a:fld>
             <a:endParaRPr lang="ko-KR" altLang="en-US"/>
           </a:p>
@@ -1977,7 +1977,7 @@
           <a:p>
             <a:fld id="{3160F1E7-80AE-4791-8F30-01301BB05552}" type="datetimeFigureOut">
               <a:rPr lang="ko-KR" altLang="en-US" smtClean="0"/>
-              <a:t>2019-08-12</a:t>
+              <a:t>2019-08-13</a:t>
             </a:fld>
             <a:endParaRPr lang="ko-KR" altLang="en-US"/>
           </a:p>
@@ -2254,7 +2254,7 @@
           <a:p>
             <a:fld id="{3160F1E7-80AE-4791-8F30-01301BB05552}" type="datetimeFigureOut">
               <a:rPr lang="ko-KR" altLang="en-US" smtClean="0"/>
-              <a:t>2019-08-12</a:t>
+              <a:t>2019-08-13</a:t>
             </a:fld>
             <a:endParaRPr lang="ko-KR" altLang="en-US"/>
           </a:p>
@@ -2507,7 +2507,7 @@
           <a:p>
             <a:fld id="{3160F1E7-80AE-4791-8F30-01301BB05552}" type="datetimeFigureOut">
               <a:rPr lang="ko-KR" altLang="en-US" smtClean="0"/>
-              <a:t>2019-08-12</a:t>
+              <a:t>2019-08-13</a:t>
             </a:fld>
             <a:endParaRPr lang="ko-KR" altLang="en-US"/>
           </a:p>
@@ -2720,7 +2720,7 @@
           <a:p>
             <a:fld id="{3160F1E7-80AE-4791-8F30-01301BB05552}" type="datetimeFigureOut">
               <a:rPr lang="ko-KR" altLang="en-US" smtClean="0"/>
-              <a:t>2019-08-12</a:t>
+              <a:t>2019-08-13</a:t>
             </a:fld>
             <a:endParaRPr lang="ko-KR" altLang="en-US"/>
           </a:p>
@@ -5226,7 +5226,7 @@
         <p:spPr>
           <a:xfrm>
             <a:off x="458028" y="4658428"/>
-            <a:ext cx="3585202" cy="2376329"/>
+            <a:ext cx="3211034" cy="2427873"/>
           </a:xfrm>
           <a:prstGeom prst="line">
             <a:avLst/>
@@ -5618,7 +5618,7 @@
         </p:nvSpPr>
         <p:spPr>
           <a:xfrm>
-            <a:off x="9077394" y="4267500"/>
+            <a:off x="8855755" y="4267500"/>
             <a:ext cx="720080" cy="339629"/>
           </a:xfrm>
           <a:prstGeom prst="ellipse">
@@ -5662,7 +5662,7 @@
         </p:nvSpPr>
         <p:spPr>
           <a:xfrm>
-            <a:off x="9107264" y="4579337"/>
+            <a:off x="8831561" y="4607129"/>
             <a:ext cx="981314" cy="365635"/>
           </a:xfrm>
           <a:prstGeom prst="ellipse">
@@ -5714,7 +5714,7 @@
         </p:nvSpPr>
         <p:spPr>
           <a:xfrm>
-            <a:off x="9042290" y="4966902"/>
+            <a:off x="8795714" y="4999234"/>
             <a:ext cx="971580" cy="356220"/>
           </a:xfrm>
           <a:prstGeom prst="ellipse">
@@ -5872,7 +5872,7 @@
         </p:nvSpPr>
         <p:spPr>
           <a:xfrm>
-            <a:off x="8041856" y="4266717"/>
+            <a:off x="7687330" y="4193070"/>
             <a:ext cx="1138480" cy="792101"/>
           </a:xfrm>
           <a:prstGeom prst="diamond">
@@ -5936,7 +5936,7 @@
         </p:nvSpPr>
         <p:spPr>
           <a:xfrm>
-            <a:off x="4043230" y="6522745"/>
+            <a:off x="3669062" y="6574289"/>
             <a:ext cx="1457294" cy="1024024"/>
           </a:xfrm>
           <a:prstGeom prst="rect">
@@ -6080,7 +6080,7 @@
         </p:nvSpPr>
         <p:spPr>
           <a:xfrm>
-            <a:off x="5487653" y="6567864"/>
+            <a:off x="6339255" y="6564449"/>
             <a:ext cx="900100" cy="360040"/>
           </a:xfrm>
           <a:prstGeom prst="ellipse">
@@ -6366,7 +6366,7 @@
         </p:nvSpPr>
         <p:spPr>
           <a:xfrm>
-            <a:off x="7150709" y="6674717"/>
+            <a:off x="6481937" y="6953756"/>
             <a:ext cx="710940" cy="360040"/>
           </a:xfrm>
           <a:prstGeom prst="ellipse">
@@ -6807,8 +6807,8 @@
         </p:nvCxnSpPr>
         <p:spPr>
           <a:xfrm flipH="1">
-            <a:off x="2805748" y="7546769"/>
-            <a:ext cx="1966129" cy="435573"/>
+            <a:off x="2805748" y="7598313"/>
+            <a:ext cx="1591961" cy="384029"/>
           </a:xfrm>
           <a:prstGeom prst="line">
             <a:avLst/>
@@ -6840,8 +6840,8 @@
         </p:nvCxnSpPr>
         <p:spPr>
           <a:xfrm flipH="1">
-            <a:off x="5500524" y="5058818"/>
-            <a:ext cx="3110572" cy="1975939"/>
+            <a:off x="5126356" y="4985171"/>
+            <a:ext cx="3130214" cy="2101130"/>
           </a:xfrm>
           <a:prstGeom prst="line">
             <a:avLst/>
@@ -7478,8 +7478,8 @@
         </p:nvCxnSpPr>
         <p:spPr>
           <a:xfrm flipH="1">
-            <a:off x="4771877" y="4109795"/>
-            <a:ext cx="225267" cy="2412950"/>
+            <a:off x="4397709" y="4109795"/>
+            <a:ext cx="599435" cy="2464494"/>
           </a:xfrm>
           <a:prstGeom prst="line">
             <a:avLst/>
@@ -7605,7 +7605,6 @@
               <a:rPr lang="ko-KR" altLang="en-US" sz="1000" dirty="0"/>
               <a:t>호</a:t>
             </a:r>
-            <a:endParaRPr lang="ko-KR" altLang="en-US" sz="1000" dirty="0"/>
           </a:p>
         </p:txBody>
       </p:sp>
@@ -7871,7 +7870,6 @@
               <a:rPr lang="ko-KR" altLang="en-US" sz="1000" dirty="0"/>
               <a:t>항목</a:t>
             </a:r>
-            <a:endParaRPr lang="ko-KR" altLang="en-US" sz="1000" dirty="0"/>
           </a:p>
         </p:txBody>
       </p:sp>
@@ -7927,7 +7925,6 @@
               <a:rPr lang="ko-KR" altLang="en-US" sz="1000" dirty="0"/>
               <a:t>호</a:t>
             </a:r>
-            <a:endParaRPr lang="ko-KR" altLang="en-US" sz="1000" dirty="0"/>
           </a:p>
         </p:txBody>
       </p:sp>
@@ -8353,7 +8350,6 @@
               <a:rPr lang="ko-KR" altLang="en-US" sz="1000" dirty="0"/>
               <a:t>호</a:t>
             </a:r>
-            <a:endParaRPr lang="ko-KR" altLang="en-US" sz="1000" dirty="0"/>
           </a:p>
         </p:txBody>
       </p:sp>
@@ -8503,7 +8499,7 @@
         <p:spPr>
           <a:xfrm>
             <a:off x="3375583" y="5047898"/>
-            <a:ext cx="1396294" cy="1474847"/>
+            <a:ext cx="1022126" cy="1526391"/>
           </a:xfrm>
           <a:prstGeom prst="line">
             <a:avLst/>
@@ -8541,7 +8537,7 @@
         <p:spPr>
           <a:xfrm>
             <a:off x="7750207" y="1909896"/>
-            <a:ext cx="860889" cy="2356821"/>
+            <a:ext cx="506363" cy="2283174"/>
           </a:xfrm>
           <a:prstGeom prst="line">
             <a:avLst/>
@@ -8666,7 +8662,6 @@
               <a:rPr lang="ko-KR" altLang="en-US" sz="1000" dirty="0"/>
               <a:t>부</a:t>
             </a:r>
-            <a:endParaRPr lang="ko-KR" altLang="en-US" sz="1000" dirty="0"/>
           </a:p>
         </p:txBody>
       </p:sp>
